--- a/USE_CODE/layf.pptx
+++ b/USE_CODE/layf.pptx
@@ -8,6 +8,7 @@
     <p:sldId id="256" r:id="rId2"/>
     <p:sldId id="257" r:id="rId3"/>
     <p:sldId id="258" r:id="rId4"/>
+    <p:sldId id="259" r:id="rId5"/>
   </p:sldIdLst>
   <p:sldSz cx="12192000" cy="6858000"/>
   <p:notesSz cx="6858000" cy="9144000"/>
@@ -106,6 +107,11 @@
       </a:defRPr>
     </a:lvl9pPr>
   </p:defaultTextStyle>
+  <p:extLst>
+    <p:ext uri="{EFAFB233-063F-42B5-8137-9DF3F51BA10A}">
+      <p15:sldGuideLst xmlns:p15="http://schemas.microsoft.com/office/powerpoint/2012/main"/>
+    </p:ext>
+  </p:extLst>
 </p:presentation>
 </file>
 
@@ -256,7 +262,7 @@
           <a:p>
             <a:fld id="{60D63F8F-E2CD-364C-B682-C0AD5539214B}" type="datetimeFigureOut">
               <a:rPr lang="en-US" smtClean="0"/>
-              <a:t>3/11/22</a:t>
+              <a:t>3/16/22</a:t>
             </a:fld>
             <a:endParaRPr lang="en-US"/>
           </a:p>
@@ -454,7 +460,7 @@
           <a:p>
             <a:fld id="{60D63F8F-E2CD-364C-B682-C0AD5539214B}" type="datetimeFigureOut">
               <a:rPr lang="en-US" smtClean="0"/>
-              <a:t>3/11/22</a:t>
+              <a:t>3/16/22</a:t>
             </a:fld>
             <a:endParaRPr lang="en-US"/>
           </a:p>
@@ -662,7 +668,7 @@
           <a:p>
             <a:fld id="{60D63F8F-E2CD-364C-B682-C0AD5539214B}" type="datetimeFigureOut">
               <a:rPr lang="en-US" smtClean="0"/>
-              <a:t>3/11/22</a:t>
+              <a:t>3/16/22</a:t>
             </a:fld>
             <a:endParaRPr lang="en-US"/>
           </a:p>
@@ -860,7 +866,7 @@
           <a:p>
             <a:fld id="{60D63F8F-E2CD-364C-B682-C0AD5539214B}" type="datetimeFigureOut">
               <a:rPr lang="en-US" smtClean="0"/>
-              <a:t>3/11/22</a:t>
+              <a:t>3/16/22</a:t>
             </a:fld>
             <a:endParaRPr lang="en-US"/>
           </a:p>
@@ -1135,7 +1141,7 @@
           <a:p>
             <a:fld id="{60D63F8F-E2CD-364C-B682-C0AD5539214B}" type="datetimeFigureOut">
               <a:rPr lang="en-US" smtClean="0"/>
-              <a:t>3/11/22</a:t>
+              <a:t>3/16/22</a:t>
             </a:fld>
             <a:endParaRPr lang="en-US"/>
           </a:p>
@@ -1400,7 +1406,7 @@
           <a:p>
             <a:fld id="{60D63F8F-E2CD-364C-B682-C0AD5539214B}" type="datetimeFigureOut">
               <a:rPr lang="en-US" smtClean="0"/>
-              <a:t>3/11/22</a:t>
+              <a:t>3/16/22</a:t>
             </a:fld>
             <a:endParaRPr lang="en-US"/>
           </a:p>
@@ -1812,7 +1818,7 @@
           <a:p>
             <a:fld id="{60D63F8F-E2CD-364C-B682-C0AD5539214B}" type="datetimeFigureOut">
               <a:rPr lang="en-US" smtClean="0"/>
-              <a:t>3/11/22</a:t>
+              <a:t>3/16/22</a:t>
             </a:fld>
             <a:endParaRPr lang="en-US"/>
           </a:p>
@@ -1953,7 +1959,7 @@
           <a:p>
             <a:fld id="{60D63F8F-E2CD-364C-B682-C0AD5539214B}" type="datetimeFigureOut">
               <a:rPr lang="en-US" smtClean="0"/>
-              <a:t>3/11/22</a:t>
+              <a:t>3/16/22</a:t>
             </a:fld>
             <a:endParaRPr lang="en-US"/>
           </a:p>
@@ -2066,7 +2072,7 @@
           <a:p>
             <a:fld id="{60D63F8F-E2CD-364C-B682-C0AD5539214B}" type="datetimeFigureOut">
               <a:rPr lang="en-US" smtClean="0"/>
-              <a:t>3/11/22</a:t>
+              <a:t>3/16/22</a:t>
             </a:fld>
             <a:endParaRPr lang="en-US"/>
           </a:p>
@@ -2377,7 +2383,7 @@
           <a:p>
             <a:fld id="{60D63F8F-E2CD-364C-B682-C0AD5539214B}" type="datetimeFigureOut">
               <a:rPr lang="en-US" smtClean="0"/>
-              <a:t>3/11/22</a:t>
+              <a:t>3/16/22</a:t>
             </a:fld>
             <a:endParaRPr lang="en-US"/>
           </a:p>
@@ -2665,7 +2671,7 @@
           <a:p>
             <a:fld id="{60D63F8F-E2CD-364C-B682-C0AD5539214B}" type="datetimeFigureOut">
               <a:rPr lang="en-US" smtClean="0"/>
-              <a:t>3/11/22</a:t>
+              <a:t>3/16/22</a:t>
             </a:fld>
             <a:endParaRPr lang="en-US"/>
           </a:p>
@@ -2906,7 +2912,7 @@
           <a:p>
             <a:fld id="{60D63F8F-E2CD-364C-B682-C0AD5539214B}" type="datetimeFigureOut">
               <a:rPr lang="en-US" smtClean="0"/>
-              <a:t>3/11/22</a:t>
+              <a:t>3/16/22</a:t>
             </a:fld>
             <a:endParaRPr lang="en-US"/>
           </a:p>
@@ -8481,6 +8487,2178 @@
 </p:sld>
 </file>
 
+<file path=ppt/slides/slide4.xml><?xml version="1.0" encoding="utf-8"?>
+<p:sld xmlns:a="http://schemas.openxmlformats.org/drawingml/2006/main" xmlns:r="http://schemas.openxmlformats.org/officeDocument/2006/relationships" xmlns:p="http://schemas.openxmlformats.org/presentationml/2006/main">
+  <p:cSld>
+    <p:spTree>
+      <p:nvGrpSpPr>
+        <p:cNvPr id="1" name=""/>
+        <p:cNvGrpSpPr/>
+        <p:nvPr/>
+      </p:nvGrpSpPr>
+      <p:grpSpPr>
+        <a:xfrm>
+          <a:off x="0" y="0"/>
+          <a:ext cx="0" cy="0"/>
+          <a:chOff x="0" y="0"/>
+          <a:chExt cx="0" cy="0"/>
+        </a:xfrm>
+      </p:grpSpPr>
+      <p:sp>
+        <p:nvSpPr>
+          <p:cNvPr id="15" name="Frame 14">
+            <a:extLst>
+              <a:ext uri="{FF2B5EF4-FFF2-40B4-BE49-F238E27FC236}">
+                <a16:creationId xmlns:a16="http://schemas.microsoft.com/office/drawing/2014/main" id="{529E946C-E977-9A4A-89EB-8E1B57CAB4D9}"/>
+              </a:ext>
+            </a:extLst>
+          </p:cNvPr>
+          <p:cNvSpPr/>
+          <p:nvPr/>
+        </p:nvSpPr>
+        <p:spPr>
+          <a:xfrm>
+            <a:off x="2899162" y="253246"/>
+            <a:ext cx="7716095" cy="6515084"/>
+          </a:xfrm>
+          <a:prstGeom prst="frame">
+            <a:avLst>
+              <a:gd name="adj1" fmla="val 2244"/>
+            </a:avLst>
+          </a:prstGeom>
+          <a:solidFill>
+            <a:schemeClr val="tx1">
+              <a:lumMod val="65000"/>
+              <a:lumOff val="35000"/>
+            </a:schemeClr>
+          </a:solidFill>
+          <a:ln>
+            <a:noFill/>
+          </a:ln>
+        </p:spPr>
+        <p:style>
+          <a:lnRef idx="2">
+            <a:schemeClr val="accent1">
+              <a:shade val="50000"/>
+            </a:schemeClr>
+          </a:lnRef>
+          <a:fillRef idx="1">
+            <a:schemeClr val="accent1"/>
+          </a:fillRef>
+          <a:effectRef idx="0">
+            <a:schemeClr val="accent1"/>
+          </a:effectRef>
+          <a:fontRef idx="minor">
+            <a:schemeClr val="lt1"/>
+          </a:fontRef>
+        </p:style>
+        <p:txBody>
+          <a:bodyPr rtlCol="0" anchor="ctr"/>
+          <a:lstStyle/>
+          <a:p>
+            <a:pPr algn="ctr"/>
+            <a:endParaRPr lang="en-US">
+              <a:solidFill>
+                <a:schemeClr val="tx1"/>
+              </a:solidFill>
+            </a:endParaRPr>
+          </a:p>
+        </p:txBody>
+      </p:sp>
+      <p:pic>
+        <p:nvPicPr>
+          <p:cNvPr id="16" name="Picture 15">
+            <a:extLst>
+              <a:ext uri="{FF2B5EF4-FFF2-40B4-BE49-F238E27FC236}">
+                <a16:creationId xmlns:a16="http://schemas.microsoft.com/office/drawing/2014/main" id="{55474024-5E3D-2A4D-806B-FFF6E1365D25}"/>
+              </a:ext>
+            </a:extLst>
+          </p:cNvPr>
+          <p:cNvPicPr>
+            <a:picLocks noChangeAspect="1"/>
+          </p:cNvPicPr>
+          <p:nvPr/>
+        </p:nvPicPr>
+        <p:blipFill>
+          <a:blip r:embed="rId2"/>
+          <a:stretch>
+            <a:fillRect/>
+          </a:stretch>
+        </p:blipFill>
+        <p:spPr>
+          <a:xfrm>
+            <a:off x="3102922" y="444519"/>
+            <a:ext cx="1560719" cy="296449"/>
+          </a:xfrm>
+          <a:prstGeom prst="rect">
+            <a:avLst/>
+          </a:prstGeom>
+        </p:spPr>
+      </p:pic>
+      <p:sp>
+        <p:nvSpPr>
+          <p:cNvPr id="21" name="Oval 20">
+            <a:extLst>
+              <a:ext uri="{FF2B5EF4-FFF2-40B4-BE49-F238E27FC236}">
+                <a16:creationId xmlns:a16="http://schemas.microsoft.com/office/drawing/2014/main" id="{7A5F77B4-1A3C-D64B-B4ED-352191D9734E}"/>
+              </a:ext>
+            </a:extLst>
+          </p:cNvPr>
+          <p:cNvSpPr/>
+          <p:nvPr/>
+        </p:nvSpPr>
+        <p:spPr>
+          <a:xfrm>
+            <a:off x="5662900" y="983599"/>
+            <a:ext cx="1411367" cy="726245"/>
+          </a:xfrm>
+          <a:prstGeom prst="ellipse">
+            <a:avLst/>
+          </a:prstGeom>
+          <a:solidFill>
+            <a:srgbClr val="16B999"/>
+          </a:solidFill>
+          <a:ln>
+            <a:noFill/>
+          </a:ln>
+        </p:spPr>
+        <p:style>
+          <a:lnRef idx="2">
+            <a:schemeClr val="accent1">
+              <a:shade val="50000"/>
+            </a:schemeClr>
+          </a:lnRef>
+          <a:fillRef idx="1">
+            <a:schemeClr val="accent1"/>
+          </a:fillRef>
+          <a:effectRef idx="0">
+            <a:schemeClr val="accent1"/>
+          </a:effectRef>
+          <a:fontRef idx="minor">
+            <a:schemeClr val="lt1"/>
+          </a:fontRef>
+        </p:style>
+        <p:txBody>
+          <a:bodyPr rtlCol="0" anchor="ctr"/>
+          <a:lstStyle/>
+          <a:p>
+            <a:pPr algn="ctr"/>
+            <a:r>
+              <a:rPr lang="en-US" sz="1200" dirty="0"/>
+              <a:t>Input Music From Computer</a:t>
+            </a:r>
+          </a:p>
+        </p:txBody>
+      </p:sp>
+      <p:pic>
+        <p:nvPicPr>
+          <p:cNvPr id="39" name="Picture 38">
+            <a:extLst>
+              <a:ext uri="{FF2B5EF4-FFF2-40B4-BE49-F238E27FC236}">
+                <a16:creationId xmlns:a16="http://schemas.microsoft.com/office/drawing/2014/main" id="{B97A1B59-2ED9-6146-B5C3-80A935D2D1EA}"/>
+              </a:ext>
+            </a:extLst>
+          </p:cNvPr>
+          <p:cNvPicPr>
+            <a:picLocks noChangeAspect="1"/>
+          </p:cNvPicPr>
+          <p:nvPr/>
+        </p:nvPicPr>
+        <p:blipFill>
+          <a:blip r:embed="rId3"/>
+          <a:stretch>
+            <a:fillRect/>
+          </a:stretch>
+        </p:blipFill>
+        <p:spPr>
+          <a:xfrm>
+            <a:off x="105295" y="2530707"/>
+            <a:ext cx="1175415" cy="2200776"/>
+          </a:xfrm>
+          <a:prstGeom prst="rect">
+            <a:avLst/>
+          </a:prstGeom>
+        </p:spPr>
+      </p:pic>
+      <p:sp>
+        <p:nvSpPr>
+          <p:cNvPr id="44" name="Oval 43">
+            <a:extLst>
+              <a:ext uri="{FF2B5EF4-FFF2-40B4-BE49-F238E27FC236}">
+                <a16:creationId xmlns:a16="http://schemas.microsoft.com/office/drawing/2014/main" id="{698FCB25-6E1D-E544-ABAB-08D7BF915A14}"/>
+              </a:ext>
+            </a:extLst>
+          </p:cNvPr>
+          <p:cNvSpPr/>
+          <p:nvPr/>
+        </p:nvSpPr>
+        <p:spPr>
+          <a:xfrm>
+            <a:off x="3102922" y="990375"/>
+            <a:ext cx="1411367" cy="726245"/>
+          </a:xfrm>
+          <a:prstGeom prst="ellipse">
+            <a:avLst/>
+          </a:prstGeom>
+          <a:solidFill>
+            <a:srgbClr val="16B999"/>
+          </a:solidFill>
+          <a:ln>
+            <a:noFill/>
+          </a:ln>
+        </p:spPr>
+        <p:style>
+          <a:lnRef idx="2">
+            <a:schemeClr val="accent1">
+              <a:shade val="50000"/>
+            </a:schemeClr>
+          </a:lnRef>
+          <a:fillRef idx="1">
+            <a:schemeClr val="accent1"/>
+          </a:fillRef>
+          <a:effectRef idx="0">
+            <a:schemeClr val="accent1"/>
+          </a:effectRef>
+          <a:fontRef idx="minor">
+            <a:schemeClr val="lt1"/>
+          </a:fontRef>
+        </p:style>
+        <p:txBody>
+          <a:bodyPr rtlCol="0" anchor="ctr"/>
+          <a:lstStyle/>
+          <a:p>
+            <a:pPr algn="ctr"/>
+            <a:r>
+              <a:rPr lang="en-US" sz="1200" dirty="0"/>
+              <a:t>Open Application</a:t>
+            </a:r>
+          </a:p>
+        </p:txBody>
+      </p:sp>
+      <p:cxnSp>
+        <p:nvCxnSpPr>
+          <p:cNvPr id="45" name="Straight Arrow Connector 44">
+            <a:extLst>
+              <a:ext uri="{FF2B5EF4-FFF2-40B4-BE49-F238E27FC236}">
+                <a16:creationId xmlns:a16="http://schemas.microsoft.com/office/drawing/2014/main" id="{A1190187-93B5-1843-930A-E98887349737}"/>
+              </a:ext>
+            </a:extLst>
+          </p:cNvPr>
+          <p:cNvCxnSpPr>
+            <a:cxnSpLocks/>
+            <a:stCxn id="44" idx="6"/>
+            <a:endCxn id="21" idx="2"/>
+          </p:cNvCxnSpPr>
+          <p:nvPr/>
+        </p:nvCxnSpPr>
+        <p:spPr>
+          <a:xfrm flipV="1">
+            <a:off x="4514289" y="1346722"/>
+            <a:ext cx="1148611" cy="6776"/>
+          </a:xfrm>
+          <a:prstGeom prst="straightConnector1">
+            <a:avLst/>
+          </a:prstGeom>
+          <a:ln w="57150">
+            <a:tailEnd type="triangle"/>
+          </a:ln>
+        </p:spPr>
+        <p:style>
+          <a:lnRef idx="1">
+            <a:schemeClr val="accent1"/>
+          </a:lnRef>
+          <a:fillRef idx="0">
+            <a:schemeClr val="accent1"/>
+          </a:fillRef>
+          <a:effectRef idx="0">
+            <a:schemeClr val="accent1"/>
+          </a:effectRef>
+          <a:fontRef idx="minor">
+            <a:schemeClr val="tx1"/>
+          </a:fontRef>
+        </p:style>
+      </p:cxnSp>
+      <p:cxnSp>
+        <p:nvCxnSpPr>
+          <p:cNvPr id="46" name="Straight Arrow Connector 45">
+            <a:extLst>
+              <a:ext uri="{FF2B5EF4-FFF2-40B4-BE49-F238E27FC236}">
+                <a16:creationId xmlns:a16="http://schemas.microsoft.com/office/drawing/2014/main" id="{ECAA3906-4974-9941-B9F3-C3E32035F220}"/>
+              </a:ext>
+            </a:extLst>
+          </p:cNvPr>
+          <p:cNvCxnSpPr>
+            <a:cxnSpLocks/>
+            <a:stCxn id="39" idx="3"/>
+            <a:endCxn id="44" idx="2"/>
+          </p:cNvCxnSpPr>
+          <p:nvPr/>
+        </p:nvCxnSpPr>
+        <p:spPr>
+          <a:xfrm flipV="1">
+            <a:off x="1280710" y="1353498"/>
+            <a:ext cx="1822212" cy="2277597"/>
+          </a:xfrm>
+          <a:prstGeom prst="straightConnector1">
+            <a:avLst/>
+          </a:prstGeom>
+          <a:ln w="57150">
+            <a:headEnd type="oval" w="med" len="med"/>
+            <a:tailEnd type="triangle" w="med" len="med"/>
+          </a:ln>
+        </p:spPr>
+        <p:style>
+          <a:lnRef idx="1">
+            <a:schemeClr val="accent1"/>
+          </a:lnRef>
+          <a:fillRef idx="0">
+            <a:schemeClr val="accent1"/>
+          </a:fillRef>
+          <a:effectRef idx="0">
+            <a:schemeClr val="accent1"/>
+          </a:effectRef>
+          <a:fontRef idx="minor">
+            <a:schemeClr val="tx1"/>
+          </a:fontRef>
+        </p:style>
+      </p:cxnSp>
+      <p:cxnSp>
+        <p:nvCxnSpPr>
+          <p:cNvPr id="59" name="Straight Arrow Connector 58">
+            <a:extLst>
+              <a:ext uri="{FF2B5EF4-FFF2-40B4-BE49-F238E27FC236}">
+                <a16:creationId xmlns:a16="http://schemas.microsoft.com/office/drawing/2014/main" id="{D6196F3D-AC50-1F4E-B65B-FCB271D21B1B}"/>
+              </a:ext>
+            </a:extLst>
+          </p:cNvPr>
+          <p:cNvCxnSpPr>
+            <a:cxnSpLocks/>
+            <a:stCxn id="140" idx="6"/>
+            <a:endCxn id="66" idx="2"/>
+          </p:cNvCxnSpPr>
+          <p:nvPr/>
+        </p:nvCxnSpPr>
+        <p:spPr>
+          <a:xfrm flipV="1">
+            <a:off x="5054394" y="2263840"/>
+            <a:ext cx="608508" cy="942646"/>
+          </a:xfrm>
+          <a:prstGeom prst="straightConnector1">
+            <a:avLst/>
+          </a:prstGeom>
+          <a:ln w="57150">
+            <a:headEnd type="none" w="med" len="med"/>
+            <a:tailEnd type="triangle" w="med" len="med"/>
+          </a:ln>
+        </p:spPr>
+        <p:style>
+          <a:lnRef idx="1">
+            <a:schemeClr val="accent1"/>
+          </a:lnRef>
+          <a:fillRef idx="0">
+            <a:schemeClr val="accent1"/>
+          </a:fillRef>
+          <a:effectRef idx="0">
+            <a:schemeClr val="accent1"/>
+          </a:effectRef>
+          <a:fontRef idx="minor">
+            <a:schemeClr val="tx1"/>
+          </a:fontRef>
+        </p:style>
+      </p:cxnSp>
+      <p:cxnSp>
+        <p:nvCxnSpPr>
+          <p:cNvPr id="176" name="Straight Arrow Connector 175">
+            <a:extLst>
+              <a:ext uri="{FF2B5EF4-FFF2-40B4-BE49-F238E27FC236}">
+                <a16:creationId xmlns:a16="http://schemas.microsoft.com/office/drawing/2014/main" id="{AF61BE53-55C0-A349-88D9-346498D7D41E}"/>
+              </a:ext>
+            </a:extLst>
+          </p:cNvPr>
+          <p:cNvCxnSpPr>
+            <a:cxnSpLocks/>
+            <a:stCxn id="69" idx="6"/>
+            <a:endCxn id="180" idx="2"/>
+          </p:cNvCxnSpPr>
+          <p:nvPr/>
+        </p:nvCxnSpPr>
+        <p:spPr>
+          <a:xfrm flipV="1">
+            <a:off x="7074267" y="5128771"/>
+            <a:ext cx="3601071" cy="19411"/>
+          </a:xfrm>
+          <a:prstGeom prst="straightConnector1">
+            <a:avLst/>
+          </a:prstGeom>
+          <a:ln w="57150">
+            <a:prstDash val="solid"/>
+            <a:tailEnd type="triangle"/>
+          </a:ln>
+        </p:spPr>
+        <p:style>
+          <a:lnRef idx="1">
+            <a:schemeClr val="accent1"/>
+          </a:lnRef>
+          <a:fillRef idx="0">
+            <a:schemeClr val="accent1"/>
+          </a:fillRef>
+          <a:effectRef idx="0">
+            <a:schemeClr val="accent1"/>
+          </a:effectRef>
+          <a:fontRef idx="minor">
+            <a:schemeClr val="tx1"/>
+          </a:fontRef>
+        </p:style>
+      </p:cxnSp>
+      <p:sp>
+        <p:nvSpPr>
+          <p:cNvPr id="180" name="Oval 179">
+            <a:extLst>
+              <a:ext uri="{FF2B5EF4-FFF2-40B4-BE49-F238E27FC236}">
+                <a16:creationId xmlns:a16="http://schemas.microsoft.com/office/drawing/2014/main" id="{63C3F4C0-8E2A-E146-875F-41D946EF9D2C}"/>
+              </a:ext>
+            </a:extLst>
+          </p:cNvPr>
+          <p:cNvSpPr/>
+          <p:nvPr/>
+        </p:nvSpPr>
+        <p:spPr>
+          <a:xfrm>
+            <a:off x="10675338" y="4765648"/>
+            <a:ext cx="1411367" cy="726245"/>
+          </a:xfrm>
+          <a:prstGeom prst="ellipse">
+            <a:avLst/>
+          </a:prstGeom>
+          <a:solidFill>
+            <a:srgbClr val="16B999"/>
+          </a:solidFill>
+          <a:ln>
+            <a:noFill/>
+          </a:ln>
+        </p:spPr>
+        <p:style>
+          <a:lnRef idx="2">
+            <a:schemeClr val="accent1">
+              <a:shade val="50000"/>
+            </a:schemeClr>
+          </a:lnRef>
+          <a:fillRef idx="1">
+            <a:schemeClr val="accent1"/>
+          </a:fillRef>
+          <a:effectRef idx="0">
+            <a:schemeClr val="accent1"/>
+          </a:effectRef>
+          <a:fontRef idx="minor">
+            <a:schemeClr val="lt1"/>
+          </a:fontRef>
+        </p:style>
+        <p:txBody>
+          <a:bodyPr rtlCol="0" anchor="ctr"/>
+          <a:lstStyle/>
+          <a:p>
+            <a:pPr algn="ctr"/>
+            <a:r>
+              <a:rPr lang="en-US" sz="1200" dirty="0"/>
+              <a:t>End Program</a:t>
+            </a:r>
+          </a:p>
+        </p:txBody>
+      </p:sp>
+      <p:sp>
+        <p:nvSpPr>
+          <p:cNvPr id="117" name="TextBox 116">
+            <a:extLst>
+              <a:ext uri="{FF2B5EF4-FFF2-40B4-BE49-F238E27FC236}">
+                <a16:creationId xmlns:a16="http://schemas.microsoft.com/office/drawing/2014/main" id="{93EFC0D5-1657-FE48-8B14-F106A41F4BE3}"/>
+              </a:ext>
+            </a:extLst>
+          </p:cNvPr>
+          <p:cNvSpPr txBox="1"/>
+          <p:nvPr/>
+        </p:nvSpPr>
+        <p:spPr>
+          <a:xfrm>
+            <a:off x="91440" y="68580"/>
+            <a:ext cx="1127425" cy="369332"/>
+          </a:xfrm>
+          <a:prstGeom prst="rect">
+            <a:avLst/>
+          </a:prstGeom>
+          <a:noFill/>
+        </p:spPr>
+        <p:txBody>
+          <a:bodyPr wrap="none" rtlCol="0">
+            <a:spAutoFit/>
+          </a:bodyPr>
+          <a:lstStyle/>
+          <a:p>
+            <a:r>
+              <a:rPr lang="en-US" dirty="0"/>
+              <a:t>Attempt 4</a:t>
+            </a:r>
+          </a:p>
+        </p:txBody>
+      </p:sp>
+      <p:sp>
+        <p:nvSpPr>
+          <p:cNvPr id="66" name="Oval 65">
+            <a:extLst>
+              <a:ext uri="{FF2B5EF4-FFF2-40B4-BE49-F238E27FC236}">
+                <a16:creationId xmlns:a16="http://schemas.microsoft.com/office/drawing/2014/main" id="{9CF5FE2F-06FD-1540-88E6-B0EFDF1F570E}"/>
+              </a:ext>
+            </a:extLst>
+          </p:cNvPr>
+          <p:cNvSpPr/>
+          <p:nvPr/>
+        </p:nvSpPr>
+        <p:spPr>
+          <a:xfrm>
+            <a:off x="5662902" y="1900717"/>
+            <a:ext cx="1411367" cy="726245"/>
+          </a:xfrm>
+          <a:prstGeom prst="ellipse">
+            <a:avLst/>
+          </a:prstGeom>
+          <a:solidFill>
+            <a:srgbClr val="16B999"/>
+          </a:solidFill>
+          <a:ln>
+            <a:noFill/>
+          </a:ln>
+        </p:spPr>
+        <p:style>
+          <a:lnRef idx="2">
+            <a:schemeClr val="accent1">
+              <a:shade val="50000"/>
+            </a:schemeClr>
+          </a:lnRef>
+          <a:fillRef idx="1">
+            <a:schemeClr val="accent1"/>
+          </a:fillRef>
+          <a:effectRef idx="0">
+            <a:schemeClr val="accent1"/>
+          </a:effectRef>
+          <a:fontRef idx="minor">
+            <a:schemeClr val="lt1"/>
+          </a:fontRef>
+        </p:style>
+        <p:txBody>
+          <a:bodyPr rtlCol="0" anchor="ctr"/>
+          <a:lstStyle/>
+          <a:p>
+            <a:pPr algn="ctr"/>
+            <a:r>
+              <a:rPr lang="en-US" sz="1200" dirty="0"/>
+              <a:t>Reset</a:t>
+            </a:r>
+          </a:p>
+        </p:txBody>
+      </p:sp>
+      <p:sp>
+        <p:nvSpPr>
+          <p:cNvPr id="67" name="Oval 66">
+            <a:extLst>
+              <a:ext uri="{FF2B5EF4-FFF2-40B4-BE49-F238E27FC236}">
+                <a16:creationId xmlns:a16="http://schemas.microsoft.com/office/drawing/2014/main" id="{235E1513-3A98-2549-9003-DDCFF113455A}"/>
+              </a:ext>
+            </a:extLst>
+          </p:cNvPr>
+          <p:cNvSpPr/>
+          <p:nvPr/>
+        </p:nvSpPr>
+        <p:spPr>
+          <a:xfrm>
+            <a:off x="5662901" y="2844605"/>
+            <a:ext cx="1411367" cy="726245"/>
+          </a:xfrm>
+          <a:prstGeom prst="ellipse">
+            <a:avLst/>
+          </a:prstGeom>
+          <a:solidFill>
+            <a:srgbClr val="16B999"/>
+          </a:solidFill>
+          <a:ln>
+            <a:noFill/>
+          </a:ln>
+        </p:spPr>
+        <p:style>
+          <a:lnRef idx="2">
+            <a:schemeClr val="accent1">
+              <a:shade val="50000"/>
+            </a:schemeClr>
+          </a:lnRef>
+          <a:fillRef idx="1">
+            <a:schemeClr val="accent1"/>
+          </a:fillRef>
+          <a:effectRef idx="0">
+            <a:schemeClr val="accent1"/>
+          </a:effectRef>
+          <a:fontRef idx="minor">
+            <a:schemeClr val="lt1"/>
+          </a:fontRef>
+        </p:style>
+        <p:txBody>
+          <a:bodyPr rtlCol="0" anchor="ctr"/>
+          <a:lstStyle/>
+          <a:p>
+            <a:pPr algn="ctr"/>
+            <a:r>
+              <a:rPr lang="en-US" sz="1200" dirty="0"/>
+              <a:t>Play</a:t>
+            </a:r>
+          </a:p>
+        </p:txBody>
+      </p:sp>
+      <p:sp>
+        <p:nvSpPr>
+          <p:cNvPr id="68" name="Oval 67">
+            <a:extLst>
+              <a:ext uri="{FF2B5EF4-FFF2-40B4-BE49-F238E27FC236}">
+                <a16:creationId xmlns:a16="http://schemas.microsoft.com/office/drawing/2014/main" id="{1E1CF0DB-C4E3-BC41-B518-56D3FD4DD979}"/>
+              </a:ext>
+            </a:extLst>
+          </p:cNvPr>
+          <p:cNvSpPr/>
+          <p:nvPr/>
+        </p:nvSpPr>
+        <p:spPr>
+          <a:xfrm>
+            <a:off x="5662900" y="3788493"/>
+            <a:ext cx="1411367" cy="726245"/>
+          </a:xfrm>
+          <a:prstGeom prst="ellipse">
+            <a:avLst/>
+          </a:prstGeom>
+          <a:solidFill>
+            <a:srgbClr val="16B999"/>
+          </a:solidFill>
+          <a:ln>
+            <a:noFill/>
+          </a:ln>
+        </p:spPr>
+        <p:style>
+          <a:lnRef idx="2">
+            <a:schemeClr val="accent1">
+              <a:shade val="50000"/>
+            </a:schemeClr>
+          </a:lnRef>
+          <a:fillRef idx="1">
+            <a:schemeClr val="accent1"/>
+          </a:fillRef>
+          <a:effectRef idx="0">
+            <a:schemeClr val="accent1"/>
+          </a:effectRef>
+          <a:fontRef idx="minor">
+            <a:schemeClr val="lt1"/>
+          </a:fontRef>
+        </p:style>
+        <p:txBody>
+          <a:bodyPr rtlCol="0" anchor="ctr"/>
+          <a:lstStyle/>
+          <a:p>
+            <a:pPr algn="ctr"/>
+            <a:r>
+              <a:rPr lang="en-US" sz="1200" dirty="0"/>
+              <a:t>Pause</a:t>
+            </a:r>
+          </a:p>
+        </p:txBody>
+      </p:sp>
+      <p:sp>
+        <p:nvSpPr>
+          <p:cNvPr id="69" name="Oval 68">
+            <a:extLst>
+              <a:ext uri="{FF2B5EF4-FFF2-40B4-BE49-F238E27FC236}">
+                <a16:creationId xmlns:a16="http://schemas.microsoft.com/office/drawing/2014/main" id="{1809A388-2E80-FC44-9180-AB216D8B304E}"/>
+              </a:ext>
+            </a:extLst>
+          </p:cNvPr>
+          <p:cNvSpPr/>
+          <p:nvPr/>
+        </p:nvSpPr>
+        <p:spPr>
+          <a:xfrm>
+            <a:off x="5662900" y="4785059"/>
+            <a:ext cx="1411367" cy="726245"/>
+          </a:xfrm>
+          <a:prstGeom prst="ellipse">
+            <a:avLst/>
+          </a:prstGeom>
+          <a:solidFill>
+            <a:srgbClr val="16B999"/>
+          </a:solidFill>
+          <a:ln>
+            <a:noFill/>
+          </a:ln>
+        </p:spPr>
+        <p:style>
+          <a:lnRef idx="2">
+            <a:schemeClr val="accent1">
+              <a:shade val="50000"/>
+            </a:schemeClr>
+          </a:lnRef>
+          <a:fillRef idx="1">
+            <a:schemeClr val="accent1"/>
+          </a:fillRef>
+          <a:effectRef idx="0">
+            <a:schemeClr val="accent1"/>
+          </a:effectRef>
+          <a:fontRef idx="minor">
+            <a:schemeClr val="lt1"/>
+          </a:fontRef>
+        </p:style>
+        <p:txBody>
+          <a:bodyPr rtlCol="0" anchor="ctr"/>
+          <a:lstStyle/>
+          <a:p>
+            <a:pPr algn="ctr"/>
+            <a:r>
+              <a:rPr lang="en-US" sz="1200" dirty="0"/>
+              <a:t>Close Application</a:t>
+            </a:r>
+          </a:p>
+        </p:txBody>
+      </p:sp>
+      <p:cxnSp>
+        <p:nvCxnSpPr>
+          <p:cNvPr id="77" name="Straight Arrow Connector 76">
+            <a:extLst>
+              <a:ext uri="{FF2B5EF4-FFF2-40B4-BE49-F238E27FC236}">
+                <a16:creationId xmlns:a16="http://schemas.microsoft.com/office/drawing/2014/main" id="{67B160D1-9273-6145-8A5E-10CBB878D934}"/>
+              </a:ext>
+            </a:extLst>
+          </p:cNvPr>
+          <p:cNvCxnSpPr>
+            <a:cxnSpLocks/>
+            <a:stCxn id="140" idx="6"/>
+            <a:endCxn id="67" idx="2"/>
+          </p:cNvCxnSpPr>
+          <p:nvPr/>
+        </p:nvCxnSpPr>
+        <p:spPr>
+          <a:xfrm>
+            <a:off x="5054394" y="3206486"/>
+            <a:ext cx="608507" cy="1242"/>
+          </a:xfrm>
+          <a:prstGeom prst="straightConnector1">
+            <a:avLst/>
+          </a:prstGeom>
+          <a:ln w="57150">
+            <a:headEnd type="none" w="med" len="med"/>
+            <a:tailEnd type="triangle" w="med" len="med"/>
+          </a:ln>
+        </p:spPr>
+        <p:style>
+          <a:lnRef idx="1">
+            <a:schemeClr val="accent1"/>
+          </a:lnRef>
+          <a:fillRef idx="0">
+            <a:schemeClr val="accent1"/>
+          </a:fillRef>
+          <a:effectRef idx="0">
+            <a:schemeClr val="accent1"/>
+          </a:effectRef>
+          <a:fontRef idx="minor">
+            <a:schemeClr val="tx1"/>
+          </a:fontRef>
+        </p:style>
+      </p:cxnSp>
+      <p:cxnSp>
+        <p:nvCxnSpPr>
+          <p:cNvPr id="80" name="Straight Arrow Connector 79">
+            <a:extLst>
+              <a:ext uri="{FF2B5EF4-FFF2-40B4-BE49-F238E27FC236}">
+                <a16:creationId xmlns:a16="http://schemas.microsoft.com/office/drawing/2014/main" id="{915903B4-92DB-EE42-BDDA-C467B4F95AE3}"/>
+              </a:ext>
+            </a:extLst>
+          </p:cNvPr>
+          <p:cNvCxnSpPr>
+            <a:cxnSpLocks/>
+            <a:stCxn id="140" idx="6"/>
+            <a:endCxn id="68" idx="2"/>
+          </p:cNvCxnSpPr>
+          <p:nvPr/>
+        </p:nvCxnSpPr>
+        <p:spPr>
+          <a:xfrm>
+            <a:off x="5054394" y="3206486"/>
+            <a:ext cx="608506" cy="945130"/>
+          </a:xfrm>
+          <a:prstGeom prst="straightConnector1">
+            <a:avLst/>
+          </a:prstGeom>
+          <a:ln w="57150">
+            <a:headEnd type="none" w="med" len="med"/>
+            <a:tailEnd type="triangle" w="med" len="med"/>
+          </a:ln>
+        </p:spPr>
+        <p:style>
+          <a:lnRef idx="1">
+            <a:schemeClr val="accent1"/>
+          </a:lnRef>
+          <a:fillRef idx="0">
+            <a:schemeClr val="accent1"/>
+          </a:fillRef>
+          <a:effectRef idx="0">
+            <a:schemeClr val="accent1"/>
+          </a:effectRef>
+          <a:fontRef idx="minor">
+            <a:schemeClr val="tx1"/>
+          </a:fontRef>
+        </p:style>
+      </p:cxnSp>
+      <p:cxnSp>
+        <p:nvCxnSpPr>
+          <p:cNvPr id="81" name="Straight Arrow Connector 80">
+            <a:extLst>
+              <a:ext uri="{FF2B5EF4-FFF2-40B4-BE49-F238E27FC236}">
+                <a16:creationId xmlns:a16="http://schemas.microsoft.com/office/drawing/2014/main" id="{40ECCEBF-9A93-5C43-93DA-0D5155229C1E}"/>
+              </a:ext>
+            </a:extLst>
+          </p:cNvPr>
+          <p:cNvCxnSpPr>
+            <a:cxnSpLocks/>
+            <a:stCxn id="39" idx="3"/>
+            <a:endCxn id="139" idx="2"/>
+          </p:cNvCxnSpPr>
+          <p:nvPr/>
+        </p:nvCxnSpPr>
+        <p:spPr>
+          <a:xfrm>
+            <a:off x="1280710" y="3631095"/>
+            <a:ext cx="2527895" cy="1507381"/>
+          </a:xfrm>
+          <a:prstGeom prst="straightConnector1">
+            <a:avLst/>
+          </a:prstGeom>
+          <a:ln w="57150">
+            <a:headEnd type="oval" w="med" len="med"/>
+            <a:tailEnd type="triangle" w="med" len="med"/>
+          </a:ln>
+        </p:spPr>
+        <p:style>
+          <a:lnRef idx="1">
+            <a:schemeClr val="accent1"/>
+          </a:lnRef>
+          <a:fillRef idx="0">
+            <a:schemeClr val="accent1"/>
+          </a:fillRef>
+          <a:effectRef idx="0">
+            <a:schemeClr val="accent1"/>
+          </a:effectRef>
+          <a:fontRef idx="minor">
+            <a:schemeClr val="tx1"/>
+          </a:fontRef>
+        </p:style>
+      </p:cxnSp>
+      <p:sp>
+        <p:nvSpPr>
+          <p:cNvPr id="83" name="Oval 82">
+            <a:extLst>
+              <a:ext uri="{FF2B5EF4-FFF2-40B4-BE49-F238E27FC236}">
+                <a16:creationId xmlns:a16="http://schemas.microsoft.com/office/drawing/2014/main" id="{5D0BEB01-06FB-804B-9E2E-7D1ED39DC83E}"/>
+              </a:ext>
+            </a:extLst>
+          </p:cNvPr>
+          <p:cNvSpPr/>
+          <p:nvPr/>
+        </p:nvSpPr>
+        <p:spPr>
+          <a:xfrm>
+            <a:off x="8745630" y="2858159"/>
+            <a:ext cx="1411367" cy="726245"/>
+          </a:xfrm>
+          <a:prstGeom prst="ellipse">
+            <a:avLst/>
+          </a:prstGeom>
+          <a:solidFill>
+            <a:srgbClr val="16B999"/>
+          </a:solidFill>
+          <a:ln>
+            <a:noFill/>
+          </a:ln>
+        </p:spPr>
+        <p:style>
+          <a:lnRef idx="2">
+            <a:schemeClr val="accent1">
+              <a:shade val="50000"/>
+            </a:schemeClr>
+          </a:lnRef>
+          <a:fillRef idx="1">
+            <a:schemeClr val="accent1"/>
+          </a:fillRef>
+          <a:effectRef idx="0">
+            <a:schemeClr val="accent1"/>
+          </a:effectRef>
+          <a:fontRef idx="minor">
+            <a:schemeClr val="lt1"/>
+          </a:fontRef>
+        </p:style>
+        <p:txBody>
+          <a:bodyPr rtlCol="0" anchor="ctr"/>
+          <a:lstStyle/>
+          <a:p>
+            <a:pPr algn="ctr"/>
+            <a:r>
+              <a:rPr lang="en-US" sz="1200" dirty="0"/>
+              <a:t>Update Ongoing Audio</a:t>
+            </a:r>
+          </a:p>
+        </p:txBody>
+      </p:sp>
+      <p:cxnSp>
+        <p:nvCxnSpPr>
+          <p:cNvPr id="87" name="Straight Arrow Connector 86">
+            <a:extLst>
+              <a:ext uri="{FF2B5EF4-FFF2-40B4-BE49-F238E27FC236}">
+                <a16:creationId xmlns:a16="http://schemas.microsoft.com/office/drawing/2014/main" id="{A47292DD-CE80-D142-9FB6-38E0D29D7406}"/>
+              </a:ext>
+            </a:extLst>
+          </p:cNvPr>
+          <p:cNvCxnSpPr>
+            <a:cxnSpLocks/>
+            <a:stCxn id="68" idx="6"/>
+            <a:endCxn id="83" idx="3"/>
+          </p:cNvCxnSpPr>
+          <p:nvPr/>
+        </p:nvCxnSpPr>
+        <p:spPr>
+          <a:xfrm flipV="1">
+            <a:off x="7074267" y="3478048"/>
+            <a:ext cx="1878053" cy="673568"/>
+          </a:xfrm>
+          <a:prstGeom prst="straightConnector1">
+            <a:avLst/>
+          </a:prstGeom>
+          <a:ln w="57150">
+            <a:prstDash val="sysDot"/>
+            <a:tailEnd type="triangle"/>
+          </a:ln>
+        </p:spPr>
+        <p:style>
+          <a:lnRef idx="1">
+            <a:schemeClr val="accent1"/>
+          </a:lnRef>
+          <a:fillRef idx="0">
+            <a:schemeClr val="accent1"/>
+          </a:fillRef>
+          <a:effectRef idx="0">
+            <a:schemeClr val="accent1"/>
+          </a:effectRef>
+          <a:fontRef idx="minor">
+            <a:schemeClr val="tx1"/>
+          </a:fontRef>
+        </p:style>
+      </p:cxnSp>
+      <p:cxnSp>
+        <p:nvCxnSpPr>
+          <p:cNvPr id="92" name="Straight Arrow Connector 91">
+            <a:extLst>
+              <a:ext uri="{FF2B5EF4-FFF2-40B4-BE49-F238E27FC236}">
+                <a16:creationId xmlns:a16="http://schemas.microsoft.com/office/drawing/2014/main" id="{1E17D164-4833-C94A-A8D4-6E8D507BB795}"/>
+              </a:ext>
+            </a:extLst>
+          </p:cNvPr>
+          <p:cNvCxnSpPr>
+            <a:cxnSpLocks/>
+            <a:stCxn id="67" idx="6"/>
+            <a:endCxn id="83" idx="2"/>
+          </p:cNvCxnSpPr>
+          <p:nvPr/>
+        </p:nvCxnSpPr>
+        <p:spPr>
+          <a:xfrm>
+            <a:off x="7074268" y="3207728"/>
+            <a:ext cx="1671362" cy="13554"/>
+          </a:xfrm>
+          <a:prstGeom prst="straightConnector1">
+            <a:avLst/>
+          </a:prstGeom>
+          <a:ln w="57150">
+            <a:prstDash val="sysDot"/>
+            <a:tailEnd type="triangle"/>
+          </a:ln>
+        </p:spPr>
+        <p:style>
+          <a:lnRef idx="1">
+            <a:schemeClr val="accent1"/>
+          </a:lnRef>
+          <a:fillRef idx="0">
+            <a:schemeClr val="accent1"/>
+          </a:fillRef>
+          <a:effectRef idx="0">
+            <a:schemeClr val="accent1"/>
+          </a:effectRef>
+          <a:fontRef idx="minor">
+            <a:schemeClr val="tx1"/>
+          </a:fontRef>
+        </p:style>
+      </p:cxnSp>
+      <p:sp>
+        <p:nvSpPr>
+          <p:cNvPr id="96" name="Rectangle 95">
+            <a:extLst>
+              <a:ext uri="{FF2B5EF4-FFF2-40B4-BE49-F238E27FC236}">
+                <a16:creationId xmlns:a16="http://schemas.microsoft.com/office/drawing/2014/main" id="{4BB82563-2B32-7045-8DF1-B64C31292366}"/>
+              </a:ext>
+            </a:extLst>
+          </p:cNvPr>
+          <p:cNvSpPr/>
+          <p:nvPr/>
+        </p:nvSpPr>
+        <p:spPr>
+          <a:xfrm>
+            <a:off x="7368403" y="3111393"/>
+            <a:ext cx="816871" cy="270916"/>
+          </a:xfrm>
+          <a:prstGeom prst="rect">
+            <a:avLst/>
+          </a:prstGeom>
+          <a:solidFill>
+            <a:schemeClr val="bg1"/>
+          </a:solidFill>
+          <a:ln>
+            <a:noFill/>
+          </a:ln>
+        </p:spPr>
+        <p:style>
+          <a:lnRef idx="2">
+            <a:schemeClr val="accent1">
+              <a:shade val="50000"/>
+            </a:schemeClr>
+          </a:lnRef>
+          <a:fillRef idx="1">
+            <a:schemeClr val="accent1"/>
+          </a:fillRef>
+          <a:effectRef idx="0">
+            <a:schemeClr val="accent1"/>
+          </a:effectRef>
+          <a:fontRef idx="minor">
+            <a:schemeClr val="lt1"/>
+          </a:fontRef>
+        </p:style>
+        <p:txBody>
+          <a:bodyPr rtlCol="0" anchor="ctr"/>
+          <a:lstStyle/>
+          <a:p>
+            <a:pPr lvl="0"/>
+            <a:r>
+              <a:rPr lang="en-US" sz="1000" dirty="0">
+                <a:solidFill>
+                  <a:prstClr val="black"/>
+                </a:solidFill>
+              </a:rPr>
+              <a:t>&lt;&lt;Include&gt;&gt;</a:t>
+            </a:r>
+          </a:p>
+        </p:txBody>
+      </p:sp>
+      <p:sp>
+        <p:nvSpPr>
+          <p:cNvPr id="99" name="Rectangle 98">
+            <a:extLst>
+              <a:ext uri="{FF2B5EF4-FFF2-40B4-BE49-F238E27FC236}">
+                <a16:creationId xmlns:a16="http://schemas.microsoft.com/office/drawing/2014/main" id="{9B776AC5-3A19-9C4E-8728-6CD511DD73C3}"/>
+              </a:ext>
+            </a:extLst>
+          </p:cNvPr>
+          <p:cNvSpPr/>
+          <p:nvPr/>
+        </p:nvSpPr>
+        <p:spPr>
+          <a:xfrm>
+            <a:off x="7501513" y="3731282"/>
+            <a:ext cx="816871" cy="270916"/>
+          </a:xfrm>
+          <a:prstGeom prst="rect">
+            <a:avLst/>
+          </a:prstGeom>
+          <a:solidFill>
+            <a:schemeClr val="bg1"/>
+          </a:solidFill>
+          <a:ln>
+            <a:noFill/>
+          </a:ln>
+        </p:spPr>
+        <p:style>
+          <a:lnRef idx="2">
+            <a:schemeClr val="accent1">
+              <a:shade val="50000"/>
+            </a:schemeClr>
+          </a:lnRef>
+          <a:fillRef idx="1">
+            <a:schemeClr val="accent1"/>
+          </a:fillRef>
+          <a:effectRef idx="0">
+            <a:schemeClr val="accent1"/>
+          </a:effectRef>
+          <a:fontRef idx="minor">
+            <a:schemeClr val="lt1"/>
+          </a:fontRef>
+        </p:style>
+        <p:txBody>
+          <a:bodyPr rtlCol="0" anchor="ctr"/>
+          <a:lstStyle/>
+          <a:p>
+            <a:pPr lvl="0"/>
+            <a:r>
+              <a:rPr lang="en-US" sz="1000" dirty="0">
+                <a:solidFill>
+                  <a:prstClr val="black"/>
+                </a:solidFill>
+              </a:rPr>
+              <a:t>&lt;&lt;Include&gt;&gt;</a:t>
+            </a:r>
+          </a:p>
+        </p:txBody>
+      </p:sp>
+      <p:sp>
+        <p:nvSpPr>
+          <p:cNvPr id="106" name="Oval 105">
+            <a:extLst>
+              <a:ext uri="{FF2B5EF4-FFF2-40B4-BE49-F238E27FC236}">
+                <a16:creationId xmlns:a16="http://schemas.microsoft.com/office/drawing/2014/main" id="{5C520494-6B4D-6E42-8BDD-8E2343F50B43}"/>
+              </a:ext>
+            </a:extLst>
+          </p:cNvPr>
+          <p:cNvSpPr/>
+          <p:nvPr/>
+        </p:nvSpPr>
+        <p:spPr>
+          <a:xfrm>
+            <a:off x="8469617" y="4091928"/>
+            <a:ext cx="1204677" cy="632907"/>
+          </a:xfrm>
+          <a:prstGeom prst="ellipse">
+            <a:avLst/>
+          </a:prstGeom>
+          <a:solidFill>
+            <a:srgbClr val="16B999"/>
+          </a:solidFill>
+          <a:ln>
+            <a:noFill/>
+          </a:ln>
+        </p:spPr>
+        <p:style>
+          <a:lnRef idx="2">
+            <a:schemeClr val="accent1">
+              <a:shade val="50000"/>
+            </a:schemeClr>
+          </a:lnRef>
+          <a:fillRef idx="1">
+            <a:schemeClr val="accent1"/>
+          </a:fillRef>
+          <a:effectRef idx="0">
+            <a:schemeClr val="accent1"/>
+          </a:effectRef>
+          <a:fontRef idx="minor">
+            <a:schemeClr val="lt1"/>
+          </a:fontRef>
+        </p:style>
+        <p:txBody>
+          <a:bodyPr rtlCol="0" anchor="ctr"/>
+          <a:lstStyle/>
+          <a:p>
+            <a:pPr algn="ctr"/>
+            <a:r>
+              <a:rPr lang="en-US" sz="1000" dirty="0"/>
+              <a:t>Calculate Microsecond</a:t>
+            </a:r>
+          </a:p>
+        </p:txBody>
+      </p:sp>
+      <p:cxnSp>
+        <p:nvCxnSpPr>
+          <p:cNvPr id="107" name="Straight Arrow Connector 106">
+            <a:extLst>
+              <a:ext uri="{FF2B5EF4-FFF2-40B4-BE49-F238E27FC236}">
+                <a16:creationId xmlns:a16="http://schemas.microsoft.com/office/drawing/2014/main" id="{DCC3A5E9-D8A5-7946-ADFD-A1D99B3541EA}"/>
+              </a:ext>
+            </a:extLst>
+          </p:cNvPr>
+          <p:cNvCxnSpPr>
+            <a:cxnSpLocks/>
+            <a:stCxn id="106" idx="2"/>
+            <a:endCxn id="68" idx="5"/>
+          </p:cNvCxnSpPr>
+          <p:nvPr/>
+        </p:nvCxnSpPr>
+        <p:spPr>
+          <a:xfrm flipH="1">
+            <a:off x="6867577" y="4408382"/>
+            <a:ext cx="1602040" cy="0"/>
+          </a:xfrm>
+          <a:prstGeom prst="straightConnector1">
+            <a:avLst/>
+          </a:prstGeom>
+          <a:ln w="57150">
+            <a:prstDash val="sysDot"/>
+            <a:tailEnd type="triangle"/>
+          </a:ln>
+        </p:spPr>
+        <p:style>
+          <a:lnRef idx="1">
+            <a:schemeClr val="accent1"/>
+          </a:lnRef>
+          <a:fillRef idx="0">
+            <a:schemeClr val="accent1"/>
+          </a:fillRef>
+          <a:effectRef idx="0">
+            <a:schemeClr val="accent1"/>
+          </a:effectRef>
+          <a:fontRef idx="minor">
+            <a:schemeClr val="tx1"/>
+          </a:fontRef>
+        </p:style>
+      </p:cxnSp>
+      <p:sp>
+        <p:nvSpPr>
+          <p:cNvPr id="113" name="Rectangle 112">
+            <a:extLst>
+              <a:ext uri="{FF2B5EF4-FFF2-40B4-BE49-F238E27FC236}">
+                <a16:creationId xmlns:a16="http://schemas.microsoft.com/office/drawing/2014/main" id="{27591081-0A75-5444-8921-11F751C5110A}"/>
+              </a:ext>
+            </a:extLst>
+          </p:cNvPr>
+          <p:cNvSpPr/>
+          <p:nvPr/>
+        </p:nvSpPr>
+        <p:spPr>
+          <a:xfrm>
+            <a:off x="7368403" y="4269392"/>
+            <a:ext cx="816871" cy="270916"/>
+          </a:xfrm>
+          <a:prstGeom prst="rect">
+            <a:avLst/>
+          </a:prstGeom>
+          <a:solidFill>
+            <a:schemeClr val="bg1"/>
+          </a:solidFill>
+          <a:ln>
+            <a:noFill/>
+          </a:ln>
+        </p:spPr>
+        <p:style>
+          <a:lnRef idx="2">
+            <a:schemeClr val="accent1">
+              <a:shade val="50000"/>
+            </a:schemeClr>
+          </a:lnRef>
+          <a:fillRef idx="1">
+            <a:schemeClr val="accent1"/>
+          </a:fillRef>
+          <a:effectRef idx="0">
+            <a:schemeClr val="accent1"/>
+          </a:effectRef>
+          <a:fontRef idx="minor">
+            <a:schemeClr val="lt1"/>
+          </a:fontRef>
+        </p:style>
+        <p:txBody>
+          <a:bodyPr rtlCol="0" anchor="ctr"/>
+          <a:lstStyle/>
+          <a:p>
+            <a:pPr lvl="0"/>
+            <a:r>
+              <a:rPr lang="en-US" sz="1000" dirty="0">
+                <a:solidFill>
+                  <a:prstClr val="black"/>
+                </a:solidFill>
+              </a:rPr>
+              <a:t>&lt;&lt;Extend&gt;&gt;</a:t>
+            </a:r>
+          </a:p>
+        </p:txBody>
+      </p:sp>
+      <p:cxnSp>
+        <p:nvCxnSpPr>
+          <p:cNvPr id="116" name="Straight Arrow Connector 115">
+            <a:extLst>
+              <a:ext uri="{FF2B5EF4-FFF2-40B4-BE49-F238E27FC236}">
+                <a16:creationId xmlns:a16="http://schemas.microsoft.com/office/drawing/2014/main" id="{EE4D9079-11E7-2947-9DCC-721C395F606E}"/>
+              </a:ext>
+            </a:extLst>
+          </p:cNvPr>
+          <p:cNvCxnSpPr>
+            <a:cxnSpLocks/>
+            <a:stCxn id="66" idx="6"/>
+            <a:endCxn id="121" idx="2"/>
+          </p:cNvCxnSpPr>
+          <p:nvPr/>
+        </p:nvCxnSpPr>
+        <p:spPr>
+          <a:xfrm>
+            <a:off x="7074269" y="2263840"/>
+            <a:ext cx="1894342" cy="6776"/>
+          </a:xfrm>
+          <a:prstGeom prst="straightConnector1">
+            <a:avLst/>
+          </a:prstGeom>
+          <a:ln w="57150">
+            <a:prstDash val="sysDot"/>
+            <a:tailEnd type="triangle"/>
+          </a:ln>
+        </p:spPr>
+        <p:style>
+          <a:lnRef idx="1">
+            <a:schemeClr val="accent1"/>
+          </a:lnRef>
+          <a:fillRef idx="0">
+            <a:schemeClr val="accent1"/>
+          </a:fillRef>
+          <a:effectRef idx="0">
+            <a:schemeClr val="accent1"/>
+          </a:effectRef>
+          <a:fontRef idx="minor">
+            <a:schemeClr val="tx1"/>
+          </a:fontRef>
+        </p:style>
+      </p:cxnSp>
+      <p:sp>
+        <p:nvSpPr>
+          <p:cNvPr id="119" name="Rectangle 118">
+            <a:extLst>
+              <a:ext uri="{FF2B5EF4-FFF2-40B4-BE49-F238E27FC236}">
+                <a16:creationId xmlns:a16="http://schemas.microsoft.com/office/drawing/2014/main" id="{BD083154-0E2F-6E47-8E77-889363D8DFE3}"/>
+              </a:ext>
+            </a:extLst>
+          </p:cNvPr>
+          <p:cNvSpPr/>
+          <p:nvPr/>
+        </p:nvSpPr>
+        <p:spPr>
+          <a:xfrm>
+            <a:off x="7549798" y="2098500"/>
+            <a:ext cx="816871" cy="270916"/>
+          </a:xfrm>
+          <a:prstGeom prst="rect">
+            <a:avLst/>
+          </a:prstGeom>
+          <a:solidFill>
+            <a:schemeClr val="bg1"/>
+          </a:solidFill>
+          <a:ln>
+            <a:noFill/>
+          </a:ln>
+        </p:spPr>
+        <p:style>
+          <a:lnRef idx="2">
+            <a:schemeClr val="accent1">
+              <a:shade val="50000"/>
+            </a:schemeClr>
+          </a:lnRef>
+          <a:fillRef idx="1">
+            <a:schemeClr val="accent1"/>
+          </a:fillRef>
+          <a:effectRef idx="0">
+            <a:schemeClr val="accent1"/>
+          </a:effectRef>
+          <a:fontRef idx="minor">
+            <a:schemeClr val="lt1"/>
+          </a:fontRef>
+        </p:style>
+        <p:txBody>
+          <a:bodyPr rtlCol="0" anchor="ctr"/>
+          <a:lstStyle/>
+          <a:p>
+            <a:pPr lvl="0"/>
+            <a:r>
+              <a:rPr lang="en-US" sz="1000" dirty="0">
+                <a:solidFill>
+                  <a:prstClr val="black"/>
+                </a:solidFill>
+              </a:rPr>
+              <a:t>&lt;&lt;Include&gt;&gt;</a:t>
+            </a:r>
+          </a:p>
+        </p:txBody>
+      </p:sp>
+      <p:sp>
+        <p:nvSpPr>
+          <p:cNvPr id="121" name="Oval 120">
+            <a:extLst>
+              <a:ext uri="{FF2B5EF4-FFF2-40B4-BE49-F238E27FC236}">
+                <a16:creationId xmlns:a16="http://schemas.microsoft.com/office/drawing/2014/main" id="{F033E216-31EE-5947-BCFC-DD61D24BFE32}"/>
+              </a:ext>
+            </a:extLst>
+          </p:cNvPr>
+          <p:cNvSpPr/>
+          <p:nvPr/>
+        </p:nvSpPr>
+        <p:spPr>
+          <a:xfrm>
+            <a:off x="8968611" y="1907493"/>
+            <a:ext cx="1411367" cy="726245"/>
+          </a:xfrm>
+          <a:prstGeom prst="ellipse">
+            <a:avLst/>
+          </a:prstGeom>
+          <a:solidFill>
+            <a:srgbClr val="16B999"/>
+          </a:solidFill>
+          <a:ln>
+            <a:noFill/>
+          </a:ln>
+        </p:spPr>
+        <p:style>
+          <a:lnRef idx="2">
+            <a:schemeClr val="accent1">
+              <a:shade val="50000"/>
+            </a:schemeClr>
+          </a:lnRef>
+          <a:fillRef idx="1">
+            <a:schemeClr val="accent1"/>
+          </a:fillRef>
+          <a:effectRef idx="0">
+            <a:schemeClr val="accent1"/>
+          </a:effectRef>
+          <a:fontRef idx="minor">
+            <a:schemeClr val="lt1"/>
+          </a:fontRef>
+        </p:style>
+        <p:txBody>
+          <a:bodyPr rtlCol="0" anchor="ctr"/>
+          <a:lstStyle/>
+          <a:p>
+            <a:pPr algn="ctr"/>
+            <a:r>
+              <a:rPr lang="en-US" sz="1200" dirty="0"/>
+              <a:t>Resets Ongoing to Main Screen</a:t>
+            </a:r>
+          </a:p>
+        </p:txBody>
+      </p:sp>
+      <p:cxnSp>
+        <p:nvCxnSpPr>
+          <p:cNvPr id="123" name="Straight Arrow Connector 122">
+            <a:extLst>
+              <a:ext uri="{FF2B5EF4-FFF2-40B4-BE49-F238E27FC236}">
+                <a16:creationId xmlns:a16="http://schemas.microsoft.com/office/drawing/2014/main" id="{1E7F7BDE-D214-4A43-9585-7B8D4183EAAC}"/>
+              </a:ext>
+            </a:extLst>
+          </p:cNvPr>
+          <p:cNvCxnSpPr>
+            <a:cxnSpLocks/>
+            <a:endCxn id="21" idx="6"/>
+          </p:cNvCxnSpPr>
+          <p:nvPr/>
+        </p:nvCxnSpPr>
+        <p:spPr>
+          <a:xfrm flipH="1" flipV="1">
+            <a:off x="7074267" y="1346722"/>
+            <a:ext cx="1846455" cy="897055"/>
+          </a:xfrm>
+          <a:prstGeom prst="straightConnector1">
+            <a:avLst/>
+          </a:prstGeom>
+          <a:ln w="57150">
+            <a:prstDash val="solid"/>
+            <a:tailEnd type="triangle"/>
+          </a:ln>
+        </p:spPr>
+        <p:style>
+          <a:lnRef idx="1">
+            <a:schemeClr val="accent1"/>
+          </a:lnRef>
+          <a:fillRef idx="0">
+            <a:schemeClr val="accent1"/>
+          </a:fillRef>
+          <a:effectRef idx="0">
+            <a:schemeClr val="accent1"/>
+          </a:effectRef>
+          <a:fontRef idx="minor">
+            <a:schemeClr val="tx1"/>
+          </a:fontRef>
+        </p:style>
+      </p:cxnSp>
+      <p:sp>
+        <p:nvSpPr>
+          <p:cNvPr id="139" name="Oval 138">
+            <a:extLst>
+              <a:ext uri="{FF2B5EF4-FFF2-40B4-BE49-F238E27FC236}">
+                <a16:creationId xmlns:a16="http://schemas.microsoft.com/office/drawing/2014/main" id="{4FC9061B-7A29-C647-B74F-B5D77CC5BEEC}"/>
+              </a:ext>
+            </a:extLst>
+          </p:cNvPr>
+          <p:cNvSpPr/>
+          <p:nvPr/>
+        </p:nvSpPr>
+        <p:spPr>
+          <a:xfrm>
+            <a:off x="3808605" y="4878842"/>
+            <a:ext cx="1034027" cy="519268"/>
+          </a:xfrm>
+          <a:prstGeom prst="ellipse">
+            <a:avLst/>
+          </a:prstGeom>
+          <a:solidFill>
+            <a:srgbClr val="16B999"/>
+          </a:solidFill>
+          <a:ln>
+            <a:noFill/>
+          </a:ln>
+        </p:spPr>
+        <p:style>
+          <a:lnRef idx="2">
+            <a:schemeClr val="accent1">
+              <a:shade val="50000"/>
+            </a:schemeClr>
+          </a:lnRef>
+          <a:fillRef idx="1">
+            <a:schemeClr val="accent1"/>
+          </a:fillRef>
+          <a:effectRef idx="0">
+            <a:schemeClr val="accent1"/>
+          </a:effectRef>
+          <a:fontRef idx="minor">
+            <a:schemeClr val="lt1"/>
+          </a:fontRef>
+        </p:style>
+        <p:txBody>
+          <a:bodyPr rtlCol="0" anchor="ctr"/>
+          <a:lstStyle/>
+          <a:p>
+            <a:pPr algn="ctr"/>
+            <a:r>
+              <a:rPr lang="en-US" sz="1000" dirty="0"/>
+              <a:t>Input Command</a:t>
+            </a:r>
+          </a:p>
+        </p:txBody>
+      </p:sp>
+      <p:sp>
+        <p:nvSpPr>
+          <p:cNvPr id="140" name="Oval 139">
+            <a:extLst>
+              <a:ext uri="{FF2B5EF4-FFF2-40B4-BE49-F238E27FC236}">
+                <a16:creationId xmlns:a16="http://schemas.microsoft.com/office/drawing/2014/main" id="{C47340F0-55B8-1847-9071-03AF7C8D3D77}"/>
+              </a:ext>
+            </a:extLst>
+          </p:cNvPr>
+          <p:cNvSpPr/>
+          <p:nvPr/>
+        </p:nvSpPr>
+        <p:spPr>
+          <a:xfrm>
+            <a:off x="3643027" y="2843363"/>
+            <a:ext cx="1411367" cy="726245"/>
+          </a:xfrm>
+          <a:prstGeom prst="ellipse">
+            <a:avLst/>
+          </a:prstGeom>
+          <a:solidFill>
+            <a:srgbClr val="16B999"/>
+          </a:solidFill>
+          <a:ln>
+            <a:noFill/>
+          </a:ln>
+        </p:spPr>
+        <p:style>
+          <a:lnRef idx="2">
+            <a:schemeClr val="accent1">
+              <a:shade val="50000"/>
+            </a:schemeClr>
+          </a:lnRef>
+          <a:fillRef idx="1">
+            <a:schemeClr val="accent1"/>
+          </a:fillRef>
+          <a:effectRef idx="0">
+            <a:schemeClr val="accent1"/>
+          </a:effectRef>
+          <a:fontRef idx="minor">
+            <a:schemeClr val="lt1"/>
+          </a:fontRef>
+        </p:style>
+        <p:txBody>
+          <a:bodyPr rtlCol="0" anchor="ctr"/>
+          <a:lstStyle/>
+          <a:p>
+            <a:pPr algn="ctr"/>
+            <a:r>
+              <a:rPr lang="en-US" sz="1200" dirty="0"/>
+              <a:t>Check if a Music is Ongoing</a:t>
+            </a:r>
+          </a:p>
+        </p:txBody>
+      </p:sp>
+      <p:cxnSp>
+        <p:nvCxnSpPr>
+          <p:cNvPr id="156" name="Straight Arrow Connector 155">
+            <a:extLst>
+              <a:ext uri="{FF2B5EF4-FFF2-40B4-BE49-F238E27FC236}">
+                <a16:creationId xmlns:a16="http://schemas.microsoft.com/office/drawing/2014/main" id="{561DD510-DEEE-AB4C-9413-605DF8232E9A}"/>
+              </a:ext>
+            </a:extLst>
+          </p:cNvPr>
+          <p:cNvCxnSpPr>
+            <a:cxnSpLocks/>
+            <a:stCxn id="140" idx="4"/>
+            <a:endCxn id="139" idx="0"/>
+          </p:cNvCxnSpPr>
+          <p:nvPr/>
+        </p:nvCxnSpPr>
+        <p:spPr>
+          <a:xfrm flipH="1">
+            <a:off x="4325619" y="3569608"/>
+            <a:ext cx="23092" cy="1309234"/>
+          </a:xfrm>
+          <a:prstGeom prst="straightConnector1">
+            <a:avLst/>
+          </a:prstGeom>
+          <a:ln w="57150">
+            <a:prstDash val="sysDot"/>
+            <a:headEnd type="none" w="med" len="med"/>
+            <a:tailEnd type="triangle" w="med" len="med"/>
+          </a:ln>
+        </p:spPr>
+        <p:style>
+          <a:lnRef idx="1">
+            <a:schemeClr val="accent1"/>
+          </a:lnRef>
+          <a:fillRef idx="0">
+            <a:schemeClr val="accent1"/>
+          </a:fillRef>
+          <a:effectRef idx="0">
+            <a:schemeClr val="accent1"/>
+          </a:effectRef>
+          <a:fontRef idx="minor">
+            <a:schemeClr val="tx1"/>
+          </a:fontRef>
+        </p:style>
+      </p:cxnSp>
+      <p:cxnSp>
+        <p:nvCxnSpPr>
+          <p:cNvPr id="159" name="Straight Arrow Connector 158">
+            <a:extLst>
+              <a:ext uri="{FF2B5EF4-FFF2-40B4-BE49-F238E27FC236}">
+                <a16:creationId xmlns:a16="http://schemas.microsoft.com/office/drawing/2014/main" id="{A6B2DCF4-3377-EB49-847A-7B263676438B}"/>
+              </a:ext>
+            </a:extLst>
+          </p:cNvPr>
+          <p:cNvCxnSpPr>
+            <a:cxnSpLocks/>
+            <a:stCxn id="139" idx="6"/>
+            <a:endCxn id="69" idx="2"/>
+          </p:cNvCxnSpPr>
+          <p:nvPr/>
+        </p:nvCxnSpPr>
+        <p:spPr>
+          <a:xfrm>
+            <a:off x="4842632" y="5138476"/>
+            <a:ext cx="820268" cy="9706"/>
+          </a:xfrm>
+          <a:prstGeom prst="straightConnector1">
+            <a:avLst/>
+          </a:prstGeom>
+          <a:ln w="57150">
+            <a:headEnd type="none" w="med" len="med"/>
+            <a:tailEnd type="triangle" w="med" len="med"/>
+          </a:ln>
+        </p:spPr>
+        <p:style>
+          <a:lnRef idx="1">
+            <a:schemeClr val="accent1"/>
+          </a:lnRef>
+          <a:fillRef idx="0">
+            <a:schemeClr val="accent1"/>
+          </a:fillRef>
+          <a:effectRef idx="0">
+            <a:schemeClr val="accent1"/>
+          </a:effectRef>
+          <a:fontRef idx="minor">
+            <a:schemeClr val="tx1"/>
+          </a:fontRef>
+        </p:style>
+      </p:cxnSp>
+      <p:sp>
+        <p:nvSpPr>
+          <p:cNvPr id="166" name="Rectangle 165">
+            <a:extLst>
+              <a:ext uri="{FF2B5EF4-FFF2-40B4-BE49-F238E27FC236}">
+                <a16:creationId xmlns:a16="http://schemas.microsoft.com/office/drawing/2014/main" id="{4A59D6B2-6A17-2B43-B949-155D860633FA}"/>
+              </a:ext>
+            </a:extLst>
+          </p:cNvPr>
+          <p:cNvSpPr/>
+          <p:nvPr/>
+        </p:nvSpPr>
+        <p:spPr>
+          <a:xfrm>
+            <a:off x="3982448" y="4068422"/>
+            <a:ext cx="732525" cy="277795"/>
+          </a:xfrm>
+          <a:prstGeom prst="rect">
+            <a:avLst/>
+          </a:prstGeom>
+          <a:solidFill>
+            <a:schemeClr val="bg1"/>
+          </a:solidFill>
+          <a:ln>
+            <a:noFill/>
+          </a:ln>
+        </p:spPr>
+        <p:style>
+          <a:lnRef idx="2">
+            <a:schemeClr val="accent1">
+              <a:shade val="50000"/>
+            </a:schemeClr>
+          </a:lnRef>
+          <a:fillRef idx="1">
+            <a:schemeClr val="accent1"/>
+          </a:fillRef>
+          <a:effectRef idx="0">
+            <a:schemeClr val="accent1"/>
+          </a:effectRef>
+          <a:fontRef idx="minor">
+            <a:schemeClr val="lt1"/>
+          </a:fontRef>
+        </p:style>
+        <p:txBody>
+          <a:bodyPr rtlCol="0" anchor="ctr"/>
+          <a:lstStyle/>
+          <a:p>
+            <a:pPr lvl="0"/>
+            <a:r>
+              <a:rPr lang="en-US" sz="800" dirty="0">
+                <a:solidFill>
+                  <a:prstClr val="black"/>
+                </a:solidFill>
+              </a:rPr>
+              <a:t>&lt;&lt;Extend&gt;&gt;</a:t>
+            </a:r>
+          </a:p>
+        </p:txBody>
+      </p:sp>
+      <p:cxnSp>
+        <p:nvCxnSpPr>
+          <p:cNvPr id="171" name="Straight Arrow Connector 170">
+            <a:extLst>
+              <a:ext uri="{FF2B5EF4-FFF2-40B4-BE49-F238E27FC236}">
+                <a16:creationId xmlns:a16="http://schemas.microsoft.com/office/drawing/2014/main" id="{5332F88E-78FF-A141-9F6C-88D9DE30C4AC}"/>
+              </a:ext>
+            </a:extLst>
+          </p:cNvPr>
+          <p:cNvCxnSpPr>
+            <a:cxnSpLocks/>
+            <a:stCxn id="139" idx="4"/>
+            <a:endCxn id="175" idx="0"/>
+          </p:cNvCxnSpPr>
+          <p:nvPr/>
+        </p:nvCxnSpPr>
+        <p:spPr>
+          <a:xfrm flipH="1">
+            <a:off x="4325617" y="5398110"/>
+            <a:ext cx="2" cy="487811"/>
+          </a:xfrm>
+          <a:prstGeom prst="straightConnector1">
+            <a:avLst/>
+          </a:prstGeom>
+          <a:ln w="57150">
+            <a:prstDash val="sysDot"/>
+            <a:headEnd type="none" w="med" len="med"/>
+            <a:tailEnd type="triangle" w="med" len="med"/>
+          </a:ln>
+        </p:spPr>
+        <p:style>
+          <a:lnRef idx="1">
+            <a:schemeClr val="accent1"/>
+          </a:lnRef>
+          <a:fillRef idx="0">
+            <a:schemeClr val="accent1"/>
+          </a:fillRef>
+          <a:effectRef idx="0">
+            <a:schemeClr val="accent1"/>
+          </a:effectRef>
+          <a:fontRef idx="minor">
+            <a:schemeClr val="tx1"/>
+          </a:fontRef>
+        </p:style>
+      </p:cxnSp>
+      <p:sp>
+        <p:nvSpPr>
+          <p:cNvPr id="175" name="Oval 174">
+            <a:extLst>
+              <a:ext uri="{FF2B5EF4-FFF2-40B4-BE49-F238E27FC236}">
+                <a16:creationId xmlns:a16="http://schemas.microsoft.com/office/drawing/2014/main" id="{C0885C9F-D5CE-414B-B986-E228AC0C26C4}"/>
+              </a:ext>
+            </a:extLst>
+          </p:cNvPr>
+          <p:cNvSpPr/>
+          <p:nvPr/>
+        </p:nvSpPr>
+        <p:spPr>
+          <a:xfrm>
+            <a:off x="3655555" y="5885921"/>
+            <a:ext cx="1340124" cy="676373"/>
+          </a:xfrm>
+          <a:prstGeom prst="ellipse">
+            <a:avLst/>
+          </a:prstGeom>
+          <a:solidFill>
+            <a:srgbClr val="16B999"/>
+          </a:solidFill>
+          <a:ln>
+            <a:noFill/>
+          </a:ln>
+        </p:spPr>
+        <p:style>
+          <a:lnRef idx="2">
+            <a:schemeClr val="accent1">
+              <a:shade val="50000"/>
+            </a:schemeClr>
+          </a:lnRef>
+          <a:fillRef idx="1">
+            <a:schemeClr val="accent1"/>
+          </a:fillRef>
+          <a:effectRef idx="0">
+            <a:schemeClr val="accent1"/>
+          </a:effectRef>
+          <a:fontRef idx="minor">
+            <a:schemeClr val="lt1"/>
+          </a:fontRef>
+        </p:style>
+        <p:txBody>
+          <a:bodyPr rtlCol="0" anchor="ctr"/>
+          <a:lstStyle/>
+          <a:p>
+            <a:pPr algn="ctr"/>
+            <a:r>
+              <a:rPr lang="en-US" sz="1000" dirty="0"/>
+              <a:t>Show Message Dialogue (Error)</a:t>
+            </a:r>
+          </a:p>
+        </p:txBody>
+      </p:sp>
+      <p:sp>
+        <p:nvSpPr>
+          <p:cNvPr id="178" name="Rectangle 177">
+            <a:extLst>
+              <a:ext uri="{FF2B5EF4-FFF2-40B4-BE49-F238E27FC236}">
+                <a16:creationId xmlns:a16="http://schemas.microsoft.com/office/drawing/2014/main" id="{86835904-B107-0F43-8546-37D3C0138860}"/>
+              </a:ext>
+            </a:extLst>
+          </p:cNvPr>
+          <p:cNvSpPr/>
+          <p:nvPr/>
+        </p:nvSpPr>
+        <p:spPr>
+          <a:xfrm>
+            <a:off x="3917182" y="5449531"/>
+            <a:ext cx="816871" cy="270916"/>
+          </a:xfrm>
+          <a:prstGeom prst="rect">
+            <a:avLst/>
+          </a:prstGeom>
+          <a:solidFill>
+            <a:schemeClr val="bg1"/>
+          </a:solidFill>
+          <a:ln>
+            <a:noFill/>
+          </a:ln>
+        </p:spPr>
+        <p:style>
+          <a:lnRef idx="2">
+            <a:schemeClr val="accent1">
+              <a:shade val="50000"/>
+            </a:schemeClr>
+          </a:lnRef>
+          <a:fillRef idx="1">
+            <a:schemeClr val="accent1"/>
+          </a:fillRef>
+          <a:effectRef idx="0">
+            <a:schemeClr val="accent1"/>
+          </a:effectRef>
+          <a:fontRef idx="minor">
+            <a:schemeClr val="lt1"/>
+          </a:fontRef>
+        </p:style>
+        <p:txBody>
+          <a:bodyPr rtlCol="0" anchor="ctr"/>
+          <a:lstStyle/>
+          <a:p>
+            <a:pPr lvl="0"/>
+            <a:r>
+              <a:rPr lang="en-US" sz="1000" dirty="0">
+                <a:solidFill>
+                  <a:prstClr val="black"/>
+                </a:solidFill>
+              </a:rPr>
+              <a:t>&lt;&lt;Include&gt;&gt;</a:t>
+            </a:r>
+          </a:p>
+        </p:txBody>
+      </p:sp>
+      <p:cxnSp>
+        <p:nvCxnSpPr>
+          <p:cNvPr id="42" name="Straight Arrow Connector 41">
+            <a:extLst>
+              <a:ext uri="{FF2B5EF4-FFF2-40B4-BE49-F238E27FC236}">
+                <a16:creationId xmlns:a16="http://schemas.microsoft.com/office/drawing/2014/main" id="{88F95870-550E-ED47-B6B1-E9E92646ED15}"/>
+              </a:ext>
+            </a:extLst>
+          </p:cNvPr>
+          <p:cNvCxnSpPr>
+            <a:cxnSpLocks/>
+            <a:stCxn id="139" idx="6"/>
+            <a:endCxn id="47" idx="2"/>
+          </p:cNvCxnSpPr>
+          <p:nvPr/>
+        </p:nvCxnSpPr>
+        <p:spPr>
+          <a:xfrm>
+            <a:off x="4842632" y="5138476"/>
+            <a:ext cx="820267" cy="927408"/>
+          </a:xfrm>
+          <a:prstGeom prst="straightConnector1">
+            <a:avLst/>
+          </a:prstGeom>
+          <a:ln w="57150">
+            <a:headEnd type="none" w="med" len="med"/>
+            <a:tailEnd type="triangle" w="med" len="med"/>
+          </a:ln>
+        </p:spPr>
+        <p:style>
+          <a:lnRef idx="1">
+            <a:schemeClr val="accent1"/>
+          </a:lnRef>
+          <a:fillRef idx="0">
+            <a:schemeClr val="accent1"/>
+          </a:fillRef>
+          <a:effectRef idx="0">
+            <a:schemeClr val="accent1"/>
+          </a:effectRef>
+          <a:fontRef idx="minor">
+            <a:schemeClr val="tx1"/>
+          </a:fontRef>
+        </p:style>
+      </p:cxnSp>
+      <p:sp>
+        <p:nvSpPr>
+          <p:cNvPr id="47" name="Oval 46">
+            <a:extLst>
+              <a:ext uri="{FF2B5EF4-FFF2-40B4-BE49-F238E27FC236}">
+                <a16:creationId xmlns:a16="http://schemas.microsoft.com/office/drawing/2014/main" id="{26A40785-0CFB-4D48-BCC1-F65E72D0D4B5}"/>
+              </a:ext>
+            </a:extLst>
+          </p:cNvPr>
+          <p:cNvSpPr/>
+          <p:nvPr/>
+        </p:nvSpPr>
+        <p:spPr>
+          <a:xfrm>
+            <a:off x="5662899" y="5702761"/>
+            <a:ext cx="1411367" cy="726245"/>
+          </a:xfrm>
+          <a:prstGeom prst="ellipse">
+            <a:avLst/>
+          </a:prstGeom>
+          <a:solidFill>
+            <a:srgbClr val="16B999"/>
+          </a:solidFill>
+          <a:ln>
+            <a:noFill/>
+          </a:ln>
+        </p:spPr>
+        <p:style>
+          <a:lnRef idx="2">
+            <a:schemeClr val="accent1">
+              <a:shade val="50000"/>
+            </a:schemeClr>
+          </a:lnRef>
+          <a:fillRef idx="1">
+            <a:schemeClr val="accent1"/>
+          </a:fillRef>
+          <a:effectRef idx="0">
+            <a:schemeClr val="accent1"/>
+          </a:effectRef>
+          <a:fontRef idx="minor">
+            <a:schemeClr val="lt1"/>
+          </a:fontRef>
+        </p:style>
+        <p:txBody>
+          <a:bodyPr rtlCol="0" anchor="ctr"/>
+          <a:lstStyle/>
+          <a:p>
+            <a:pPr algn="ctr"/>
+            <a:r>
+              <a:rPr lang="en-US" sz="1100" dirty="0"/>
+              <a:t>Increase / Decrease Volume</a:t>
+            </a:r>
+          </a:p>
+        </p:txBody>
+      </p:sp>
+      <p:sp>
+        <p:nvSpPr>
+          <p:cNvPr id="48" name="Oval 47">
+            <a:extLst>
+              <a:ext uri="{FF2B5EF4-FFF2-40B4-BE49-F238E27FC236}">
+                <a16:creationId xmlns:a16="http://schemas.microsoft.com/office/drawing/2014/main" id="{91ED4140-AC83-D44B-AC87-0A360BD91DE7}"/>
+              </a:ext>
+            </a:extLst>
+          </p:cNvPr>
+          <p:cNvSpPr/>
+          <p:nvPr/>
+        </p:nvSpPr>
+        <p:spPr>
+          <a:xfrm>
+            <a:off x="8262927" y="5702760"/>
+            <a:ext cx="1411367" cy="726245"/>
+          </a:xfrm>
+          <a:prstGeom prst="ellipse">
+            <a:avLst/>
+          </a:prstGeom>
+          <a:solidFill>
+            <a:srgbClr val="16B999"/>
+          </a:solidFill>
+          <a:ln>
+            <a:noFill/>
+          </a:ln>
+        </p:spPr>
+        <p:style>
+          <a:lnRef idx="2">
+            <a:schemeClr val="accent1">
+              <a:shade val="50000"/>
+            </a:schemeClr>
+          </a:lnRef>
+          <a:fillRef idx="1">
+            <a:schemeClr val="accent1"/>
+          </a:fillRef>
+          <a:effectRef idx="0">
+            <a:schemeClr val="accent1"/>
+          </a:effectRef>
+          <a:fontRef idx="minor">
+            <a:schemeClr val="lt1"/>
+          </a:fontRef>
+        </p:style>
+        <p:txBody>
+          <a:bodyPr rtlCol="0" anchor="ctr"/>
+          <a:lstStyle/>
+          <a:p>
+            <a:pPr algn="ctr"/>
+            <a:r>
+              <a:rPr lang="en-US" sz="1200" dirty="0"/>
+              <a:t>Update System Volume</a:t>
+            </a:r>
+          </a:p>
+        </p:txBody>
+      </p:sp>
+      <p:cxnSp>
+        <p:nvCxnSpPr>
+          <p:cNvPr id="49" name="Straight Arrow Connector 48">
+            <a:extLst>
+              <a:ext uri="{FF2B5EF4-FFF2-40B4-BE49-F238E27FC236}">
+                <a16:creationId xmlns:a16="http://schemas.microsoft.com/office/drawing/2014/main" id="{FDA1DA0B-98E7-6B4A-86C6-2C304E4BD8FD}"/>
+              </a:ext>
+            </a:extLst>
+          </p:cNvPr>
+          <p:cNvCxnSpPr>
+            <a:cxnSpLocks/>
+            <a:stCxn id="47" idx="6"/>
+            <a:endCxn id="48" idx="2"/>
+          </p:cNvCxnSpPr>
+          <p:nvPr/>
+        </p:nvCxnSpPr>
+        <p:spPr>
+          <a:xfrm flipV="1">
+            <a:off x="7074266" y="6065883"/>
+            <a:ext cx="1188661" cy="1"/>
+          </a:xfrm>
+          <a:prstGeom prst="straightConnector1">
+            <a:avLst/>
+          </a:prstGeom>
+          <a:ln w="57150">
+            <a:prstDash val="sysDot"/>
+            <a:tailEnd type="triangle"/>
+          </a:ln>
+        </p:spPr>
+        <p:style>
+          <a:lnRef idx="1">
+            <a:schemeClr val="accent1"/>
+          </a:lnRef>
+          <a:fillRef idx="0">
+            <a:schemeClr val="accent1"/>
+          </a:fillRef>
+          <a:effectRef idx="0">
+            <a:schemeClr val="accent1"/>
+          </a:effectRef>
+          <a:fontRef idx="minor">
+            <a:schemeClr val="tx1"/>
+          </a:fontRef>
+        </p:style>
+      </p:cxnSp>
+      <p:sp>
+        <p:nvSpPr>
+          <p:cNvPr id="50" name="Rectangle 49">
+            <a:extLst>
+              <a:ext uri="{FF2B5EF4-FFF2-40B4-BE49-F238E27FC236}">
+                <a16:creationId xmlns:a16="http://schemas.microsoft.com/office/drawing/2014/main" id="{6051F6A2-5DC0-C54C-8C86-B6EDB2EDC3D8}"/>
+              </a:ext>
+            </a:extLst>
+          </p:cNvPr>
+          <p:cNvSpPr/>
+          <p:nvPr/>
+        </p:nvSpPr>
+        <p:spPr>
+          <a:xfrm>
+            <a:off x="7149580" y="5916424"/>
+            <a:ext cx="816871" cy="270916"/>
+          </a:xfrm>
+          <a:prstGeom prst="rect">
+            <a:avLst/>
+          </a:prstGeom>
+          <a:solidFill>
+            <a:schemeClr val="bg1"/>
+          </a:solidFill>
+          <a:ln>
+            <a:noFill/>
+          </a:ln>
+        </p:spPr>
+        <p:style>
+          <a:lnRef idx="2">
+            <a:schemeClr val="accent1">
+              <a:shade val="50000"/>
+            </a:schemeClr>
+          </a:lnRef>
+          <a:fillRef idx="1">
+            <a:schemeClr val="accent1"/>
+          </a:fillRef>
+          <a:effectRef idx="0">
+            <a:schemeClr val="accent1"/>
+          </a:effectRef>
+          <a:fontRef idx="minor">
+            <a:schemeClr val="lt1"/>
+          </a:fontRef>
+        </p:style>
+        <p:txBody>
+          <a:bodyPr rtlCol="0" anchor="ctr"/>
+          <a:lstStyle/>
+          <a:p>
+            <a:pPr lvl="0"/>
+            <a:r>
+              <a:rPr lang="en-US" sz="1000" dirty="0">
+                <a:solidFill>
+                  <a:prstClr val="black"/>
+                </a:solidFill>
+              </a:rPr>
+              <a:t>&lt;&lt;Include&gt;&gt;</a:t>
+            </a:r>
+          </a:p>
+        </p:txBody>
+      </p:sp>
+    </p:spTree>
+    <p:extLst>
+      <p:ext uri="{BB962C8B-B14F-4D97-AF65-F5344CB8AC3E}">
+        <p14:creationId xmlns:p14="http://schemas.microsoft.com/office/powerpoint/2010/main" val="355508333"/>
+      </p:ext>
+    </p:extLst>
+  </p:cSld>
+  <p:clrMapOvr>
+    <a:masterClrMapping/>
+  </p:clrMapOvr>
+</p:sld>
+</file>
+
 <file path=ppt/theme/theme1.xml><?xml version="1.0" encoding="utf-8"?>
 <a:theme xmlns:a="http://schemas.openxmlformats.org/drawingml/2006/main" name="Office Theme">
   <a:themeElements>

--- a/USE_CODE/layf.pptx
+++ b/USE_CODE/layf.pptx
@@ -4,11 +4,15 @@
   <p:sldMasterIdLst>
     <p:sldMasterId id="2147483648" r:id="rId1"/>
   </p:sldMasterIdLst>
+  <p:notesMasterIdLst>
+    <p:notesMasterId r:id="rId7"/>
+  </p:notesMasterIdLst>
   <p:sldIdLst>
     <p:sldId id="256" r:id="rId2"/>
     <p:sldId id="257" r:id="rId3"/>
     <p:sldId id="258" r:id="rId4"/>
     <p:sldId id="259" r:id="rId5"/>
+    <p:sldId id="261" r:id="rId6"/>
   </p:sldIdLst>
   <p:sldSz cx="12192000" cy="6858000"/>
   <p:notesSz cx="6858000" cy="9144000"/>
@@ -115,6 +119,523 @@
 </p:presentation>
 </file>
 
+<file path=ppt/notesMasters/notesMaster1.xml><?xml version="1.0" encoding="utf-8"?>
+<p:notesMaster xmlns:a="http://schemas.openxmlformats.org/drawingml/2006/main" xmlns:r="http://schemas.openxmlformats.org/officeDocument/2006/relationships" xmlns:p="http://schemas.openxmlformats.org/presentationml/2006/main">
+  <p:cSld>
+    <p:bg>
+      <p:bgRef idx="1001">
+        <a:schemeClr val="bg1"/>
+      </p:bgRef>
+    </p:bg>
+    <p:spTree>
+      <p:nvGrpSpPr>
+        <p:cNvPr id="1" name=""/>
+        <p:cNvGrpSpPr/>
+        <p:nvPr/>
+      </p:nvGrpSpPr>
+      <p:grpSpPr>
+        <a:xfrm>
+          <a:off x="0" y="0"/>
+          <a:ext cx="0" cy="0"/>
+          <a:chOff x="0" y="0"/>
+          <a:chExt cx="0" cy="0"/>
+        </a:xfrm>
+      </p:grpSpPr>
+      <p:sp>
+        <p:nvSpPr>
+          <p:cNvPr id="2" name="Header Placeholder 1"/>
+          <p:cNvSpPr>
+            <a:spLocks noGrp="1"/>
+          </p:cNvSpPr>
+          <p:nvPr>
+            <p:ph type="hdr" sz="quarter"/>
+          </p:nvPr>
+        </p:nvSpPr>
+        <p:spPr>
+          <a:xfrm>
+            <a:off x="0" y="0"/>
+            <a:ext cx="2971800" cy="458788"/>
+          </a:xfrm>
+          <a:prstGeom prst="rect">
+            <a:avLst/>
+          </a:prstGeom>
+        </p:spPr>
+        <p:txBody>
+          <a:bodyPr vert="horz" lIns="91440" tIns="45720" rIns="91440" bIns="45720" rtlCol="0"/>
+          <a:lstStyle>
+            <a:lvl1pPr algn="l">
+              <a:defRPr sz="1200"/>
+            </a:lvl1pPr>
+          </a:lstStyle>
+          <a:p>
+            <a:endParaRPr lang="en-US"/>
+          </a:p>
+        </p:txBody>
+      </p:sp>
+      <p:sp>
+        <p:nvSpPr>
+          <p:cNvPr id="3" name="Date Placeholder 2"/>
+          <p:cNvSpPr>
+            <a:spLocks noGrp="1"/>
+          </p:cNvSpPr>
+          <p:nvPr>
+            <p:ph type="dt" idx="1"/>
+          </p:nvPr>
+        </p:nvSpPr>
+        <p:spPr>
+          <a:xfrm>
+            <a:off x="3884613" y="0"/>
+            <a:ext cx="2971800" cy="458788"/>
+          </a:xfrm>
+          <a:prstGeom prst="rect">
+            <a:avLst/>
+          </a:prstGeom>
+        </p:spPr>
+        <p:txBody>
+          <a:bodyPr vert="horz" lIns="91440" tIns="45720" rIns="91440" bIns="45720" rtlCol="0"/>
+          <a:lstStyle>
+            <a:lvl1pPr algn="r">
+              <a:defRPr sz="1200"/>
+            </a:lvl1pPr>
+          </a:lstStyle>
+          <a:p>
+            <a:fld id="{3AD3A732-13D7-F54B-B6F6-B2B5915D5240}" type="datetimeFigureOut">
+              <a:rPr lang="en-US" smtClean="0"/>
+              <a:t>3/17/22</a:t>
+            </a:fld>
+            <a:endParaRPr lang="en-US"/>
+          </a:p>
+        </p:txBody>
+      </p:sp>
+      <p:sp>
+        <p:nvSpPr>
+          <p:cNvPr id="4" name="Slide Image Placeholder 3"/>
+          <p:cNvSpPr>
+            <a:spLocks noGrp="1" noRot="1" noChangeAspect="1"/>
+          </p:cNvSpPr>
+          <p:nvPr>
+            <p:ph type="sldImg" idx="2"/>
+          </p:nvPr>
+        </p:nvSpPr>
+        <p:spPr>
+          <a:xfrm>
+            <a:off x="685800" y="1143000"/>
+            <a:ext cx="5486400" cy="3086100"/>
+          </a:xfrm>
+          <a:prstGeom prst="rect">
+            <a:avLst/>
+          </a:prstGeom>
+          <a:noFill/>
+          <a:ln w="12700">
+            <a:solidFill>
+              <a:prstClr val="black"/>
+            </a:solidFill>
+          </a:ln>
+        </p:spPr>
+        <p:txBody>
+          <a:bodyPr vert="horz" lIns="91440" tIns="45720" rIns="91440" bIns="45720" rtlCol="0" anchor="ctr"/>
+          <a:lstStyle/>
+          <a:p>
+            <a:endParaRPr lang="en-US"/>
+          </a:p>
+        </p:txBody>
+      </p:sp>
+      <p:sp>
+        <p:nvSpPr>
+          <p:cNvPr id="5" name="Notes Placeholder 4"/>
+          <p:cNvSpPr>
+            <a:spLocks noGrp="1"/>
+          </p:cNvSpPr>
+          <p:nvPr>
+            <p:ph type="body" sz="quarter" idx="3"/>
+          </p:nvPr>
+        </p:nvSpPr>
+        <p:spPr>
+          <a:xfrm>
+            <a:off x="685800" y="4400550"/>
+            <a:ext cx="5486400" cy="3600450"/>
+          </a:xfrm>
+          <a:prstGeom prst="rect">
+            <a:avLst/>
+          </a:prstGeom>
+        </p:spPr>
+        <p:txBody>
+          <a:bodyPr vert="horz" lIns="91440" tIns="45720" rIns="91440" bIns="45720" rtlCol="0"/>
+          <a:lstStyle/>
+          <a:p>
+            <a:pPr lvl="0"/>
+            <a:r>
+              <a:rPr lang="en-US"/>
+              <a:t>Click to edit Master text styles</a:t>
+            </a:r>
+          </a:p>
+          <a:p>
+            <a:pPr lvl="1"/>
+            <a:r>
+              <a:rPr lang="en-US"/>
+              <a:t>Second level</a:t>
+            </a:r>
+          </a:p>
+          <a:p>
+            <a:pPr lvl="2"/>
+            <a:r>
+              <a:rPr lang="en-US"/>
+              <a:t>Third level</a:t>
+            </a:r>
+          </a:p>
+          <a:p>
+            <a:pPr lvl="3"/>
+            <a:r>
+              <a:rPr lang="en-US"/>
+              <a:t>Fourth level</a:t>
+            </a:r>
+          </a:p>
+          <a:p>
+            <a:pPr lvl="4"/>
+            <a:r>
+              <a:rPr lang="en-US"/>
+              <a:t>Fifth level</a:t>
+            </a:r>
+          </a:p>
+        </p:txBody>
+      </p:sp>
+      <p:sp>
+        <p:nvSpPr>
+          <p:cNvPr id="6" name="Footer Placeholder 5"/>
+          <p:cNvSpPr>
+            <a:spLocks noGrp="1"/>
+          </p:cNvSpPr>
+          <p:nvPr>
+            <p:ph type="ftr" sz="quarter" idx="4"/>
+          </p:nvPr>
+        </p:nvSpPr>
+        <p:spPr>
+          <a:xfrm>
+            <a:off x="0" y="8685213"/>
+            <a:ext cx="2971800" cy="458787"/>
+          </a:xfrm>
+          <a:prstGeom prst="rect">
+            <a:avLst/>
+          </a:prstGeom>
+        </p:spPr>
+        <p:txBody>
+          <a:bodyPr vert="horz" lIns="91440" tIns="45720" rIns="91440" bIns="45720" rtlCol="0" anchor="b"/>
+          <a:lstStyle>
+            <a:lvl1pPr algn="l">
+              <a:defRPr sz="1200"/>
+            </a:lvl1pPr>
+          </a:lstStyle>
+          <a:p>
+            <a:endParaRPr lang="en-US"/>
+          </a:p>
+        </p:txBody>
+      </p:sp>
+      <p:sp>
+        <p:nvSpPr>
+          <p:cNvPr id="7" name="Slide Number Placeholder 6"/>
+          <p:cNvSpPr>
+            <a:spLocks noGrp="1"/>
+          </p:cNvSpPr>
+          <p:nvPr>
+            <p:ph type="sldNum" sz="quarter" idx="5"/>
+          </p:nvPr>
+        </p:nvSpPr>
+        <p:spPr>
+          <a:xfrm>
+            <a:off x="3884613" y="8685213"/>
+            <a:ext cx="2971800" cy="458787"/>
+          </a:xfrm>
+          <a:prstGeom prst="rect">
+            <a:avLst/>
+          </a:prstGeom>
+        </p:spPr>
+        <p:txBody>
+          <a:bodyPr vert="horz" lIns="91440" tIns="45720" rIns="91440" bIns="45720" rtlCol="0" anchor="b"/>
+          <a:lstStyle>
+            <a:lvl1pPr algn="r">
+              <a:defRPr sz="1200"/>
+            </a:lvl1pPr>
+          </a:lstStyle>
+          <a:p>
+            <a:fld id="{B5E3FE8F-4B0D-C34E-9C97-D8F0F54A5F5A}" type="slidenum">
+              <a:rPr lang="en-US" smtClean="0"/>
+              <a:t>‹#›</a:t>
+            </a:fld>
+            <a:endParaRPr lang="en-US"/>
+          </a:p>
+        </p:txBody>
+      </p:sp>
+    </p:spTree>
+    <p:extLst>
+      <p:ext uri="{BB962C8B-B14F-4D97-AF65-F5344CB8AC3E}">
+        <p14:creationId xmlns:p14="http://schemas.microsoft.com/office/powerpoint/2010/main" val="3048459523"/>
+      </p:ext>
+    </p:extLst>
+  </p:cSld>
+  <p:clrMap bg1="lt1" tx1="dk1" bg2="lt2" tx2="dk2" accent1="accent1" accent2="accent2" accent3="accent3" accent4="accent4" accent5="accent5" accent6="accent6" hlink="hlink" folHlink="folHlink"/>
+  <p:notesStyle>
+    <a:lvl1pPr marL="0" algn="l" defTabSz="914400" rtl="0" eaLnBrk="1" latinLnBrk="0" hangingPunct="1">
+      <a:defRPr sz="1200" kern="1200">
+        <a:solidFill>
+          <a:schemeClr val="tx1"/>
+        </a:solidFill>
+        <a:latin typeface="+mn-lt"/>
+        <a:ea typeface="+mn-ea"/>
+        <a:cs typeface="+mn-cs"/>
+      </a:defRPr>
+    </a:lvl1pPr>
+    <a:lvl2pPr marL="457200" algn="l" defTabSz="914400" rtl="0" eaLnBrk="1" latinLnBrk="0" hangingPunct="1">
+      <a:defRPr sz="1200" kern="1200">
+        <a:solidFill>
+          <a:schemeClr val="tx1"/>
+        </a:solidFill>
+        <a:latin typeface="+mn-lt"/>
+        <a:ea typeface="+mn-ea"/>
+        <a:cs typeface="+mn-cs"/>
+      </a:defRPr>
+    </a:lvl2pPr>
+    <a:lvl3pPr marL="914400" algn="l" defTabSz="914400" rtl="0" eaLnBrk="1" latinLnBrk="0" hangingPunct="1">
+      <a:defRPr sz="1200" kern="1200">
+        <a:solidFill>
+          <a:schemeClr val="tx1"/>
+        </a:solidFill>
+        <a:latin typeface="+mn-lt"/>
+        <a:ea typeface="+mn-ea"/>
+        <a:cs typeface="+mn-cs"/>
+      </a:defRPr>
+    </a:lvl3pPr>
+    <a:lvl4pPr marL="1371600" algn="l" defTabSz="914400" rtl="0" eaLnBrk="1" latinLnBrk="0" hangingPunct="1">
+      <a:defRPr sz="1200" kern="1200">
+        <a:solidFill>
+          <a:schemeClr val="tx1"/>
+        </a:solidFill>
+        <a:latin typeface="+mn-lt"/>
+        <a:ea typeface="+mn-ea"/>
+        <a:cs typeface="+mn-cs"/>
+      </a:defRPr>
+    </a:lvl4pPr>
+    <a:lvl5pPr marL="1828800" algn="l" defTabSz="914400" rtl="0" eaLnBrk="1" latinLnBrk="0" hangingPunct="1">
+      <a:defRPr sz="1200" kern="1200">
+        <a:solidFill>
+          <a:schemeClr val="tx1"/>
+        </a:solidFill>
+        <a:latin typeface="+mn-lt"/>
+        <a:ea typeface="+mn-ea"/>
+        <a:cs typeface="+mn-cs"/>
+      </a:defRPr>
+    </a:lvl5pPr>
+    <a:lvl6pPr marL="2286000" algn="l" defTabSz="914400" rtl="0" eaLnBrk="1" latinLnBrk="0" hangingPunct="1">
+      <a:defRPr sz="1200" kern="1200">
+        <a:solidFill>
+          <a:schemeClr val="tx1"/>
+        </a:solidFill>
+        <a:latin typeface="+mn-lt"/>
+        <a:ea typeface="+mn-ea"/>
+        <a:cs typeface="+mn-cs"/>
+      </a:defRPr>
+    </a:lvl6pPr>
+    <a:lvl7pPr marL="2743200" algn="l" defTabSz="914400" rtl="0" eaLnBrk="1" latinLnBrk="0" hangingPunct="1">
+      <a:defRPr sz="1200" kern="1200">
+        <a:solidFill>
+          <a:schemeClr val="tx1"/>
+        </a:solidFill>
+        <a:latin typeface="+mn-lt"/>
+        <a:ea typeface="+mn-ea"/>
+        <a:cs typeface="+mn-cs"/>
+      </a:defRPr>
+    </a:lvl7pPr>
+    <a:lvl8pPr marL="3200400" algn="l" defTabSz="914400" rtl="0" eaLnBrk="1" latinLnBrk="0" hangingPunct="1">
+      <a:defRPr sz="1200" kern="1200">
+        <a:solidFill>
+          <a:schemeClr val="tx1"/>
+        </a:solidFill>
+        <a:latin typeface="+mn-lt"/>
+        <a:ea typeface="+mn-ea"/>
+        <a:cs typeface="+mn-cs"/>
+      </a:defRPr>
+    </a:lvl8pPr>
+    <a:lvl9pPr marL="3657600" algn="l" defTabSz="914400" rtl="0" eaLnBrk="1" latinLnBrk="0" hangingPunct="1">
+      <a:defRPr sz="1200" kern="1200">
+        <a:solidFill>
+          <a:schemeClr val="tx1"/>
+        </a:solidFill>
+        <a:latin typeface="+mn-lt"/>
+        <a:ea typeface="+mn-ea"/>
+        <a:cs typeface="+mn-cs"/>
+      </a:defRPr>
+    </a:lvl9pPr>
+  </p:notesStyle>
+</p:notesMaster>
+</file>
+
+<file path=ppt/notesSlides/notesSlide1.xml><?xml version="1.0" encoding="utf-8"?>
+<p:notes xmlns:a="http://schemas.openxmlformats.org/drawingml/2006/main" xmlns:r="http://schemas.openxmlformats.org/officeDocument/2006/relationships" xmlns:p="http://schemas.openxmlformats.org/presentationml/2006/main">
+  <p:cSld>
+    <p:spTree>
+      <p:nvGrpSpPr>
+        <p:cNvPr id="1" name=""/>
+        <p:cNvGrpSpPr/>
+        <p:nvPr/>
+      </p:nvGrpSpPr>
+      <p:grpSpPr>
+        <a:xfrm>
+          <a:off x="0" y="0"/>
+          <a:ext cx="0" cy="0"/>
+          <a:chOff x="0" y="0"/>
+          <a:chExt cx="0" cy="0"/>
+        </a:xfrm>
+      </p:grpSpPr>
+      <p:sp>
+        <p:nvSpPr>
+          <p:cNvPr id="2" name="Slide Image Placeholder 1"/>
+          <p:cNvSpPr>
+            <a:spLocks noGrp="1" noRot="1" noChangeAspect="1"/>
+          </p:cNvSpPr>
+          <p:nvPr>
+            <p:ph type="sldImg"/>
+          </p:nvPr>
+        </p:nvSpPr>
+        <p:spPr/>
+      </p:sp>
+      <p:sp>
+        <p:nvSpPr>
+          <p:cNvPr id="3" name="Notes Placeholder 2"/>
+          <p:cNvSpPr>
+            <a:spLocks noGrp="1"/>
+          </p:cNvSpPr>
+          <p:nvPr>
+            <p:ph type="body" idx="1"/>
+          </p:nvPr>
+        </p:nvSpPr>
+        <p:spPr/>
+        <p:txBody>
+          <a:bodyPr/>
+          <a:lstStyle/>
+          <a:p>
+            <a:endParaRPr lang="en-US" dirty="0"/>
+          </a:p>
+        </p:txBody>
+      </p:sp>
+      <p:sp>
+        <p:nvSpPr>
+          <p:cNvPr id="4" name="Slide Number Placeholder 3"/>
+          <p:cNvSpPr>
+            <a:spLocks noGrp="1"/>
+          </p:cNvSpPr>
+          <p:nvPr>
+            <p:ph type="sldNum" sz="quarter" idx="5"/>
+          </p:nvPr>
+        </p:nvSpPr>
+        <p:spPr/>
+        <p:txBody>
+          <a:bodyPr/>
+          <a:lstStyle/>
+          <a:p>
+            <a:fld id="{B5E3FE8F-4B0D-C34E-9C97-D8F0F54A5F5A}" type="slidenum">
+              <a:rPr lang="en-US" smtClean="0"/>
+              <a:t>4</a:t>
+            </a:fld>
+            <a:endParaRPr lang="en-US"/>
+          </a:p>
+        </p:txBody>
+      </p:sp>
+    </p:spTree>
+    <p:extLst>
+      <p:ext uri="{BB962C8B-B14F-4D97-AF65-F5344CB8AC3E}">
+        <p14:creationId xmlns:p14="http://schemas.microsoft.com/office/powerpoint/2010/main" val="2403800797"/>
+      </p:ext>
+    </p:extLst>
+  </p:cSld>
+  <p:clrMapOvr>
+    <a:masterClrMapping/>
+  </p:clrMapOvr>
+</p:notes>
+</file>
+
+<file path=ppt/notesSlides/notesSlide2.xml><?xml version="1.0" encoding="utf-8"?>
+<p:notes xmlns:a="http://schemas.openxmlformats.org/drawingml/2006/main" xmlns:r="http://schemas.openxmlformats.org/officeDocument/2006/relationships" xmlns:p="http://schemas.openxmlformats.org/presentationml/2006/main">
+  <p:cSld>
+    <p:spTree>
+      <p:nvGrpSpPr>
+        <p:cNvPr id="1" name=""/>
+        <p:cNvGrpSpPr/>
+        <p:nvPr/>
+      </p:nvGrpSpPr>
+      <p:grpSpPr>
+        <a:xfrm>
+          <a:off x="0" y="0"/>
+          <a:ext cx="0" cy="0"/>
+          <a:chOff x="0" y="0"/>
+          <a:chExt cx="0" cy="0"/>
+        </a:xfrm>
+      </p:grpSpPr>
+      <p:sp>
+        <p:nvSpPr>
+          <p:cNvPr id="2" name="Slide Image Placeholder 1"/>
+          <p:cNvSpPr>
+            <a:spLocks noGrp="1" noRot="1" noChangeAspect="1"/>
+          </p:cNvSpPr>
+          <p:nvPr>
+            <p:ph type="sldImg"/>
+          </p:nvPr>
+        </p:nvSpPr>
+        <p:spPr/>
+      </p:sp>
+      <p:sp>
+        <p:nvSpPr>
+          <p:cNvPr id="3" name="Notes Placeholder 2"/>
+          <p:cNvSpPr>
+            <a:spLocks noGrp="1"/>
+          </p:cNvSpPr>
+          <p:nvPr>
+            <p:ph type="body" idx="1"/>
+          </p:nvPr>
+        </p:nvSpPr>
+        <p:spPr/>
+        <p:txBody>
+          <a:bodyPr/>
+          <a:lstStyle/>
+          <a:p>
+            <a:endParaRPr lang="en-US" dirty="0"/>
+          </a:p>
+        </p:txBody>
+      </p:sp>
+      <p:sp>
+        <p:nvSpPr>
+          <p:cNvPr id="4" name="Slide Number Placeholder 3"/>
+          <p:cNvSpPr>
+            <a:spLocks noGrp="1"/>
+          </p:cNvSpPr>
+          <p:nvPr>
+            <p:ph type="sldNum" sz="quarter" idx="5"/>
+          </p:nvPr>
+        </p:nvSpPr>
+        <p:spPr/>
+        <p:txBody>
+          <a:bodyPr/>
+          <a:lstStyle/>
+          <a:p>
+            <a:fld id="{B5E3FE8F-4B0D-C34E-9C97-D8F0F54A5F5A}" type="slidenum">
+              <a:rPr lang="en-US" smtClean="0"/>
+              <a:t>5</a:t>
+            </a:fld>
+            <a:endParaRPr lang="en-US"/>
+          </a:p>
+        </p:txBody>
+      </p:sp>
+    </p:spTree>
+    <p:extLst>
+      <p:ext uri="{BB962C8B-B14F-4D97-AF65-F5344CB8AC3E}">
+        <p14:creationId xmlns:p14="http://schemas.microsoft.com/office/powerpoint/2010/main" val="2042764764"/>
+      </p:ext>
+    </p:extLst>
+  </p:cSld>
+  <p:clrMapOvr>
+    <a:masterClrMapping/>
+  </p:clrMapOvr>
+</p:notes>
+</file>
+
 <file path=ppt/slideLayouts/slideLayout1.xml><?xml version="1.0" encoding="utf-8"?>
 <p:sldLayout xmlns:a="http://schemas.openxmlformats.org/drawingml/2006/main" xmlns:r="http://schemas.openxmlformats.org/officeDocument/2006/relationships" xmlns:p="http://schemas.openxmlformats.org/presentationml/2006/main" type="title" preserve="1">
   <p:cSld name="Title Slide">
@@ -262,7 +783,7 @@
           <a:p>
             <a:fld id="{60D63F8F-E2CD-364C-B682-C0AD5539214B}" type="datetimeFigureOut">
               <a:rPr lang="en-US" smtClean="0"/>
-              <a:t>3/16/22</a:t>
+              <a:t>3/17/22</a:t>
             </a:fld>
             <a:endParaRPr lang="en-US"/>
           </a:p>
@@ -460,7 +981,7 @@
           <a:p>
             <a:fld id="{60D63F8F-E2CD-364C-B682-C0AD5539214B}" type="datetimeFigureOut">
               <a:rPr lang="en-US" smtClean="0"/>
-              <a:t>3/16/22</a:t>
+              <a:t>3/17/22</a:t>
             </a:fld>
             <a:endParaRPr lang="en-US"/>
           </a:p>
@@ -668,7 +1189,7 @@
           <a:p>
             <a:fld id="{60D63F8F-E2CD-364C-B682-C0AD5539214B}" type="datetimeFigureOut">
               <a:rPr lang="en-US" smtClean="0"/>
-              <a:t>3/16/22</a:t>
+              <a:t>3/17/22</a:t>
             </a:fld>
             <a:endParaRPr lang="en-US"/>
           </a:p>
@@ -866,7 +1387,7 @@
           <a:p>
             <a:fld id="{60D63F8F-E2CD-364C-B682-C0AD5539214B}" type="datetimeFigureOut">
               <a:rPr lang="en-US" smtClean="0"/>
-              <a:t>3/16/22</a:t>
+              <a:t>3/17/22</a:t>
             </a:fld>
             <a:endParaRPr lang="en-US"/>
           </a:p>
@@ -1141,7 +1662,7 @@
           <a:p>
             <a:fld id="{60D63F8F-E2CD-364C-B682-C0AD5539214B}" type="datetimeFigureOut">
               <a:rPr lang="en-US" smtClean="0"/>
-              <a:t>3/16/22</a:t>
+              <a:t>3/17/22</a:t>
             </a:fld>
             <a:endParaRPr lang="en-US"/>
           </a:p>
@@ -1406,7 +1927,7 @@
           <a:p>
             <a:fld id="{60D63F8F-E2CD-364C-B682-C0AD5539214B}" type="datetimeFigureOut">
               <a:rPr lang="en-US" smtClean="0"/>
-              <a:t>3/16/22</a:t>
+              <a:t>3/17/22</a:t>
             </a:fld>
             <a:endParaRPr lang="en-US"/>
           </a:p>
@@ -1818,7 +2339,7 @@
           <a:p>
             <a:fld id="{60D63F8F-E2CD-364C-B682-C0AD5539214B}" type="datetimeFigureOut">
               <a:rPr lang="en-US" smtClean="0"/>
-              <a:t>3/16/22</a:t>
+              <a:t>3/17/22</a:t>
             </a:fld>
             <a:endParaRPr lang="en-US"/>
           </a:p>
@@ -1959,7 +2480,7 @@
           <a:p>
             <a:fld id="{60D63F8F-E2CD-364C-B682-C0AD5539214B}" type="datetimeFigureOut">
               <a:rPr lang="en-US" smtClean="0"/>
-              <a:t>3/16/22</a:t>
+              <a:t>3/17/22</a:t>
             </a:fld>
             <a:endParaRPr lang="en-US"/>
           </a:p>
@@ -2072,7 +2593,7 @@
           <a:p>
             <a:fld id="{60D63F8F-E2CD-364C-B682-C0AD5539214B}" type="datetimeFigureOut">
               <a:rPr lang="en-US" smtClean="0"/>
-              <a:t>3/16/22</a:t>
+              <a:t>3/17/22</a:t>
             </a:fld>
             <a:endParaRPr lang="en-US"/>
           </a:p>
@@ -2383,7 +2904,7 @@
           <a:p>
             <a:fld id="{60D63F8F-E2CD-364C-B682-C0AD5539214B}" type="datetimeFigureOut">
               <a:rPr lang="en-US" smtClean="0"/>
-              <a:t>3/16/22</a:t>
+              <a:t>3/17/22</a:t>
             </a:fld>
             <a:endParaRPr lang="en-US"/>
           </a:p>
@@ -2671,7 +3192,7 @@
           <a:p>
             <a:fld id="{60D63F8F-E2CD-364C-B682-C0AD5539214B}" type="datetimeFigureOut">
               <a:rPr lang="en-US" smtClean="0"/>
-              <a:t>3/16/22</a:t>
+              <a:t>3/17/22</a:t>
             </a:fld>
             <a:endParaRPr lang="en-US"/>
           </a:p>
@@ -2912,7 +3433,7 @@
           <a:p>
             <a:fld id="{60D63F8F-E2CD-364C-B682-C0AD5539214B}" type="datetimeFigureOut">
               <a:rPr lang="en-US" smtClean="0"/>
-              <a:t>3/16/22</a:t>
+              <a:t>3/17/22</a:t>
             </a:fld>
             <a:endParaRPr lang="en-US"/>
           </a:p>
@@ -8580,7 +9101,7 @@
           <p:nvPr/>
         </p:nvPicPr>
         <p:blipFill>
-          <a:blip r:embed="rId2"/>
+          <a:blip r:embed="rId3"/>
           <a:stretch>
             <a:fillRect/>
           </a:stretch>
@@ -8656,6 +9177,2093 @@
             <a:extLst>
               <a:ext uri="{FF2B5EF4-FFF2-40B4-BE49-F238E27FC236}">
                 <a16:creationId xmlns:a16="http://schemas.microsoft.com/office/drawing/2014/main" id="{B97A1B59-2ED9-6146-B5C3-80A935D2D1EA}"/>
+              </a:ext>
+            </a:extLst>
+          </p:cNvPr>
+          <p:cNvPicPr>
+            <a:picLocks noChangeAspect="1"/>
+          </p:cNvPicPr>
+          <p:nvPr/>
+        </p:nvPicPr>
+        <p:blipFill>
+          <a:blip r:embed="rId4"/>
+          <a:stretch>
+            <a:fillRect/>
+          </a:stretch>
+        </p:blipFill>
+        <p:spPr>
+          <a:xfrm>
+            <a:off x="105295" y="2530707"/>
+            <a:ext cx="1175415" cy="2200776"/>
+          </a:xfrm>
+          <a:prstGeom prst="rect">
+            <a:avLst/>
+          </a:prstGeom>
+        </p:spPr>
+      </p:pic>
+      <p:sp>
+        <p:nvSpPr>
+          <p:cNvPr id="44" name="Oval 43">
+            <a:extLst>
+              <a:ext uri="{FF2B5EF4-FFF2-40B4-BE49-F238E27FC236}">
+                <a16:creationId xmlns:a16="http://schemas.microsoft.com/office/drawing/2014/main" id="{698FCB25-6E1D-E544-ABAB-08D7BF915A14}"/>
+              </a:ext>
+            </a:extLst>
+          </p:cNvPr>
+          <p:cNvSpPr/>
+          <p:nvPr/>
+        </p:nvSpPr>
+        <p:spPr>
+          <a:xfrm>
+            <a:off x="3102922" y="990375"/>
+            <a:ext cx="1411367" cy="726245"/>
+          </a:xfrm>
+          <a:prstGeom prst="ellipse">
+            <a:avLst/>
+          </a:prstGeom>
+          <a:solidFill>
+            <a:srgbClr val="16B999"/>
+          </a:solidFill>
+          <a:ln>
+            <a:noFill/>
+          </a:ln>
+        </p:spPr>
+        <p:style>
+          <a:lnRef idx="2">
+            <a:schemeClr val="accent1">
+              <a:shade val="50000"/>
+            </a:schemeClr>
+          </a:lnRef>
+          <a:fillRef idx="1">
+            <a:schemeClr val="accent1"/>
+          </a:fillRef>
+          <a:effectRef idx="0">
+            <a:schemeClr val="accent1"/>
+          </a:effectRef>
+          <a:fontRef idx="minor">
+            <a:schemeClr val="lt1"/>
+          </a:fontRef>
+        </p:style>
+        <p:txBody>
+          <a:bodyPr rtlCol="0" anchor="ctr"/>
+          <a:lstStyle/>
+          <a:p>
+            <a:pPr algn="ctr"/>
+            <a:r>
+              <a:rPr lang="en-US" sz="1200" dirty="0"/>
+              <a:t>Open Application</a:t>
+            </a:r>
+          </a:p>
+        </p:txBody>
+      </p:sp>
+      <p:cxnSp>
+        <p:nvCxnSpPr>
+          <p:cNvPr id="45" name="Straight Arrow Connector 44">
+            <a:extLst>
+              <a:ext uri="{FF2B5EF4-FFF2-40B4-BE49-F238E27FC236}">
+                <a16:creationId xmlns:a16="http://schemas.microsoft.com/office/drawing/2014/main" id="{A1190187-93B5-1843-930A-E98887349737}"/>
+              </a:ext>
+            </a:extLst>
+          </p:cNvPr>
+          <p:cNvCxnSpPr>
+            <a:cxnSpLocks/>
+            <a:stCxn id="44" idx="6"/>
+            <a:endCxn id="21" idx="2"/>
+          </p:cNvCxnSpPr>
+          <p:nvPr/>
+        </p:nvCxnSpPr>
+        <p:spPr>
+          <a:xfrm flipV="1">
+            <a:off x="4514289" y="1346722"/>
+            <a:ext cx="1148611" cy="6776"/>
+          </a:xfrm>
+          <a:prstGeom prst="straightConnector1">
+            <a:avLst/>
+          </a:prstGeom>
+          <a:ln w="57150">
+            <a:tailEnd type="triangle"/>
+          </a:ln>
+        </p:spPr>
+        <p:style>
+          <a:lnRef idx="1">
+            <a:schemeClr val="accent1"/>
+          </a:lnRef>
+          <a:fillRef idx="0">
+            <a:schemeClr val="accent1"/>
+          </a:fillRef>
+          <a:effectRef idx="0">
+            <a:schemeClr val="accent1"/>
+          </a:effectRef>
+          <a:fontRef idx="minor">
+            <a:schemeClr val="tx1"/>
+          </a:fontRef>
+        </p:style>
+      </p:cxnSp>
+      <p:cxnSp>
+        <p:nvCxnSpPr>
+          <p:cNvPr id="46" name="Straight Arrow Connector 45">
+            <a:extLst>
+              <a:ext uri="{FF2B5EF4-FFF2-40B4-BE49-F238E27FC236}">
+                <a16:creationId xmlns:a16="http://schemas.microsoft.com/office/drawing/2014/main" id="{ECAA3906-4974-9941-B9F3-C3E32035F220}"/>
+              </a:ext>
+            </a:extLst>
+          </p:cNvPr>
+          <p:cNvCxnSpPr>
+            <a:cxnSpLocks/>
+            <a:stCxn id="39" idx="3"/>
+            <a:endCxn id="44" idx="2"/>
+          </p:cNvCxnSpPr>
+          <p:nvPr/>
+        </p:nvCxnSpPr>
+        <p:spPr>
+          <a:xfrm flipV="1">
+            <a:off x="1280710" y="1353498"/>
+            <a:ext cx="1822212" cy="2277597"/>
+          </a:xfrm>
+          <a:prstGeom prst="straightConnector1">
+            <a:avLst/>
+          </a:prstGeom>
+          <a:ln w="57150">
+            <a:headEnd type="oval" w="med" len="med"/>
+            <a:tailEnd type="triangle" w="med" len="med"/>
+          </a:ln>
+        </p:spPr>
+        <p:style>
+          <a:lnRef idx="1">
+            <a:schemeClr val="accent1"/>
+          </a:lnRef>
+          <a:fillRef idx="0">
+            <a:schemeClr val="accent1"/>
+          </a:fillRef>
+          <a:effectRef idx="0">
+            <a:schemeClr val="accent1"/>
+          </a:effectRef>
+          <a:fontRef idx="minor">
+            <a:schemeClr val="tx1"/>
+          </a:fontRef>
+        </p:style>
+      </p:cxnSp>
+      <p:cxnSp>
+        <p:nvCxnSpPr>
+          <p:cNvPr id="59" name="Straight Arrow Connector 58">
+            <a:extLst>
+              <a:ext uri="{FF2B5EF4-FFF2-40B4-BE49-F238E27FC236}">
+                <a16:creationId xmlns:a16="http://schemas.microsoft.com/office/drawing/2014/main" id="{D6196F3D-AC50-1F4E-B65B-FCB271D21B1B}"/>
+              </a:ext>
+            </a:extLst>
+          </p:cNvPr>
+          <p:cNvCxnSpPr>
+            <a:cxnSpLocks/>
+            <a:stCxn id="140" idx="6"/>
+            <a:endCxn id="66" idx="2"/>
+          </p:cNvCxnSpPr>
+          <p:nvPr/>
+        </p:nvCxnSpPr>
+        <p:spPr>
+          <a:xfrm flipV="1">
+            <a:off x="5054394" y="2263840"/>
+            <a:ext cx="608508" cy="942646"/>
+          </a:xfrm>
+          <a:prstGeom prst="straightConnector1">
+            <a:avLst/>
+          </a:prstGeom>
+          <a:ln w="57150">
+            <a:headEnd type="none" w="med" len="med"/>
+            <a:tailEnd type="triangle" w="med" len="med"/>
+          </a:ln>
+        </p:spPr>
+        <p:style>
+          <a:lnRef idx="1">
+            <a:schemeClr val="accent1"/>
+          </a:lnRef>
+          <a:fillRef idx="0">
+            <a:schemeClr val="accent1"/>
+          </a:fillRef>
+          <a:effectRef idx="0">
+            <a:schemeClr val="accent1"/>
+          </a:effectRef>
+          <a:fontRef idx="minor">
+            <a:schemeClr val="tx1"/>
+          </a:fontRef>
+        </p:style>
+      </p:cxnSp>
+      <p:cxnSp>
+        <p:nvCxnSpPr>
+          <p:cNvPr id="176" name="Straight Arrow Connector 175">
+            <a:extLst>
+              <a:ext uri="{FF2B5EF4-FFF2-40B4-BE49-F238E27FC236}">
+                <a16:creationId xmlns:a16="http://schemas.microsoft.com/office/drawing/2014/main" id="{AF61BE53-55C0-A349-88D9-346498D7D41E}"/>
+              </a:ext>
+            </a:extLst>
+          </p:cNvPr>
+          <p:cNvCxnSpPr>
+            <a:cxnSpLocks/>
+            <a:stCxn id="69" idx="6"/>
+            <a:endCxn id="180" idx="2"/>
+          </p:cNvCxnSpPr>
+          <p:nvPr/>
+        </p:nvCxnSpPr>
+        <p:spPr>
+          <a:xfrm flipV="1">
+            <a:off x="7074267" y="5128771"/>
+            <a:ext cx="3601071" cy="19411"/>
+          </a:xfrm>
+          <a:prstGeom prst="straightConnector1">
+            <a:avLst/>
+          </a:prstGeom>
+          <a:ln w="57150">
+            <a:prstDash val="solid"/>
+            <a:tailEnd type="triangle"/>
+          </a:ln>
+        </p:spPr>
+        <p:style>
+          <a:lnRef idx="1">
+            <a:schemeClr val="accent1"/>
+          </a:lnRef>
+          <a:fillRef idx="0">
+            <a:schemeClr val="accent1"/>
+          </a:fillRef>
+          <a:effectRef idx="0">
+            <a:schemeClr val="accent1"/>
+          </a:effectRef>
+          <a:fontRef idx="minor">
+            <a:schemeClr val="tx1"/>
+          </a:fontRef>
+        </p:style>
+      </p:cxnSp>
+      <p:sp>
+        <p:nvSpPr>
+          <p:cNvPr id="180" name="Oval 179">
+            <a:extLst>
+              <a:ext uri="{FF2B5EF4-FFF2-40B4-BE49-F238E27FC236}">
+                <a16:creationId xmlns:a16="http://schemas.microsoft.com/office/drawing/2014/main" id="{63C3F4C0-8E2A-E146-875F-41D946EF9D2C}"/>
+              </a:ext>
+            </a:extLst>
+          </p:cNvPr>
+          <p:cNvSpPr/>
+          <p:nvPr/>
+        </p:nvSpPr>
+        <p:spPr>
+          <a:xfrm>
+            <a:off x="10675338" y="4765648"/>
+            <a:ext cx="1411367" cy="726245"/>
+          </a:xfrm>
+          <a:prstGeom prst="ellipse">
+            <a:avLst/>
+          </a:prstGeom>
+          <a:solidFill>
+            <a:srgbClr val="16B999"/>
+          </a:solidFill>
+          <a:ln>
+            <a:noFill/>
+          </a:ln>
+        </p:spPr>
+        <p:style>
+          <a:lnRef idx="2">
+            <a:schemeClr val="accent1">
+              <a:shade val="50000"/>
+            </a:schemeClr>
+          </a:lnRef>
+          <a:fillRef idx="1">
+            <a:schemeClr val="accent1"/>
+          </a:fillRef>
+          <a:effectRef idx="0">
+            <a:schemeClr val="accent1"/>
+          </a:effectRef>
+          <a:fontRef idx="minor">
+            <a:schemeClr val="lt1"/>
+          </a:fontRef>
+        </p:style>
+        <p:txBody>
+          <a:bodyPr rtlCol="0" anchor="ctr"/>
+          <a:lstStyle/>
+          <a:p>
+            <a:pPr algn="ctr"/>
+            <a:r>
+              <a:rPr lang="en-US" sz="1200" dirty="0"/>
+              <a:t>End Program</a:t>
+            </a:r>
+          </a:p>
+        </p:txBody>
+      </p:sp>
+      <p:sp>
+        <p:nvSpPr>
+          <p:cNvPr id="117" name="TextBox 116">
+            <a:extLst>
+              <a:ext uri="{FF2B5EF4-FFF2-40B4-BE49-F238E27FC236}">
+                <a16:creationId xmlns:a16="http://schemas.microsoft.com/office/drawing/2014/main" id="{93EFC0D5-1657-FE48-8B14-F106A41F4BE3}"/>
+              </a:ext>
+            </a:extLst>
+          </p:cNvPr>
+          <p:cNvSpPr txBox="1"/>
+          <p:nvPr/>
+        </p:nvSpPr>
+        <p:spPr>
+          <a:xfrm>
+            <a:off x="91440" y="68580"/>
+            <a:ext cx="1127425" cy="369332"/>
+          </a:xfrm>
+          <a:prstGeom prst="rect">
+            <a:avLst/>
+          </a:prstGeom>
+          <a:noFill/>
+        </p:spPr>
+        <p:txBody>
+          <a:bodyPr wrap="none" rtlCol="0">
+            <a:spAutoFit/>
+          </a:bodyPr>
+          <a:lstStyle/>
+          <a:p>
+            <a:r>
+              <a:rPr lang="en-US" dirty="0"/>
+              <a:t>Attempt 4</a:t>
+            </a:r>
+          </a:p>
+        </p:txBody>
+      </p:sp>
+      <p:sp>
+        <p:nvSpPr>
+          <p:cNvPr id="66" name="Oval 65">
+            <a:extLst>
+              <a:ext uri="{FF2B5EF4-FFF2-40B4-BE49-F238E27FC236}">
+                <a16:creationId xmlns:a16="http://schemas.microsoft.com/office/drawing/2014/main" id="{9CF5FE2F-06FD-1540-88E6-B0EFDF1F570E}"/>
+              </a:ext>
+            </a:extLst>
+          </p:cNvPr>
+          <p:cNvSpPr/>
+          <p:nvPr/>
+        </p:nvSpPr>
+        <p:spPr>
+          <a:xfrm>
+            <a:off x="5662902" y="1900717"/>
+            <a:ext cx="1411367" cy="726245"/>
+          </a:xfrm>
+          <a:prstGeom prst="ellipse">
+            <a:avLst/>
+          </a:prstGeom>
+          <a:solidFill>
+            <a:srgbClr val="16B999"/>
+          </a:solidFill>
+          <a:ln>
+            <a:noFill/>
+          </a:ln>
+        </p:spPr>
+        <p:style>
+          <a:lnRef idx="2">
+            <a:schemeClr val="accent1">
+              <a:shade val="50000"/>
+            </a:schemeClr>
+          </a:lnRef>
+          <a:fillRef idx="1">
+            <a:schemeClr val="accent1"/>
+          </a:fillRef>
+          <a:effectRef idx="0">
+            <a:schemeClr val="accent1"/>
+          </a:effectRef>
+          <a:fontRef idx="minor">
+            <a:schemeClr val="lt1"/>
+          </a:fontRef>
+        </p:style>
+        <p:txBody>
+          <a:bodyPr rtlCol="0" anchor="ctr"/>
+          <a:lstStyle/>
+          <a:p>
+            <a:pPr algn="ctr"/>
+            <a:r>
+              <a:rPr lang="en-US" sz="1200" dirty="0"/>
+              <a:t>Reset</a:t>
+            </a:r>
+          </a:p>
+        </p:txBody>
+      </p:sp>
+      <p:sp>
+        <p:nvSpPr>
+          <p:cNvPr id="67" name="Oval 66">
+            <a:extLst>
+              <a:ext uri="{FF2B5EF4-FFF2-40B4-BE49-F238E27FC236}">
+                <a16:creationId xmlns:a16="http://schemas.microsoft.com/office/drawing/2014/main" id="{235E1513-3A98-2549-9003-DDCFF113455A}"/>
+              </a:ext>
+            </a:extLst>
+          </p:cNvPr>
+          <p:cNvSpPr/>
+          <p:nvPr/>
+        </p:nvSpPr>
+        <p:spPr>
+          <a:xfrm>
+            <a:off x="5662901" y="2844605"/>
+            <a:ext cx="1411367" cy="726245"/>
+          </a:xfrm>
+          <a:prstGeom prst="ellipse">
+            <a:avLst/>
+          </a:prstGeom>
+          <a:solidFill>
+            <a:srgbClr val="16B999"/>
+          </a:solidFill>
+          <a:ln>
+            <a:noFill/>
+          </a:ln>
+        </p:spPr>
+        <p:style>
+          <a:lnRef idx="2">
+            <a:schemeClr val="accent1">
+              <a:shade val="50000"/>
+            </a:schemeClr>
+          </a:lnRef>
+          <a:fillRef idx="1">
+            <a:schemeClr val="accent1"/>
+          </a:fillRef>
+          <a:effectRef idx="0">
+            <a:schemeClr val="accent1"/>
+          </a:effectRef>
+          <a:fontRef idx="minor">
+            <a:schemeClr val="lt1"/>
+          </a:fontRef>
+        </p:style>
+        <p:txBody>
+          <a:bodyPr rtlCol="0" anchor="ctr"/>
+          <a:lstStyle/>
+          <a:p>
+            <a:pPr algn="ctr"/>
+            <a:r>
+              <a:rPr lang="en-US" sz="1200" dirty="0"/>
+              <a:t>Play</a:t>
+            </a:r>
+          </a:p>
+        </p:txBody>
+      </p:sp>
+      <p:sp>
+        <p:nvSpPr>
+          <p:cNvPr id="68" name="Oval 67">
+            <a:extLst>
+              <a:ext uri="{FF2B5EF4-FFF2-40B4-BE49-F238E27FC236}">
+                <a16:creationId xmlns:a16="http://schemas.microsoft.com/office/drawing/2014/main" id="{1E1CF0DB-C4E3-BC41-B518-56D3FD4DD979}"/>
+              </a:ext>
+            </a:extLst>
+          </p:cNvPr>
+          <p:cNvSpPr/>
+          <p:nvPr/>
+        </p:nvSpPr>
+        <p:spPr>
+          <a:xfrm>
+            <a:off x="5662900" y="3788493"/>
+            <a:ext cx="1411367" cy="726245"/>
+          </a:xfrm>
+          <a:prstGeom prst="ellipse">
+            <a:avLst/>
+          </a:prstGeom>
+          <a:solidFill>
+            <a:srgbClr val="16B999"/>
+          </a:solidFill>
+          <a:ln>
+            <a:noFill/>
+          </a:ln>
+        </p:spPr>
+        <p:style>
+          <a:lnRef idx="2">
+            <a:schemeClr val="accent1">
+              <a:shade val="50000"/>
+            </a:schemeClr>
+          </a:lnRef>
+          <a:fillRef idx="1">
+            <a:schemeClr val="accent1"/>
+          </a:fillRef>
+          <a:effectRef idx="0">
+            <a:schemeClr val="accent1"/>
+          </a:effectRef>
+          <a:fontRef idx="minor">
+            <a:schemeClr val="lt1"/>
+          </a:fontRef>
+        </p:style>
+        <p:txBody>
+          <a:bodyPr rtlCol="0" anchor="ctr"/>
+          <a:lstStyle/>
+          <a:p>
+            <a:pPr algn="ctr"/>
+            <a:r>
+              <a:rPr lang="en-US" sz="1200" dirty="0"/>
+              <a:t>Pause</a:t>
+            </a:r>
+          </a:p>
+        </p:txBody>
+      </p:sp>
+      <p:sp>
+        <p:nvSpPr>
+          <p:cNvPr id="69" name="Oval 68">
+            <a:extLst>
+              <a:ext uri="{FF2B5EF4-FFF2-40B4-BE49-F238E27FC236}">
+                <a16:creationId xmlns:a16="http://schemas.microsoft.com/office/drawing/2014/main" id="{1809A388-2E80-FC44-9180-AB216D8B304E}"/>
+              </a:ext>
+            </a:extLst>
+          </p:cNvPr>
+          <p:cNvSpPr/>
+          <p:nvPr/>
+        </p:nvSpPr>
+        <p:spPr>
+          <a:xfrm>
+            <a:off x="5662900" y="4785059"/>
+            <a:ext cx="1411367" cy="726245"/>
+          </a:xfrm>
+          <a:prstGeom prst="ellipse">
+            <a:avLst/>
+          </a:prstGeom>
+          <a:solidFill>
+            <a:srgbClr val="16B999"/>
+          </a:solidFill>
+          <a:ln>
+            <a:noFill/>
+          </a:ln>
+        </p:spPr>
+        <p:style>
+          <a:lnRef idx="2">
+            <a:schemeClr val="accent1">
+              <a:shade val="50000"/>
+            </a:schemeClr>
+          </a:lnRef>
+          <a:fillRef idx="1">
+            <a:schemeClr val="accent1"/>
+          </a:fillRef>
+          <a:effectRef idx="0">
+            <a:schemeClr val="accent1"/>
+          </a:effectRef>
+          <a:fontRef idx="minor">
+            <a:schemeClr val="lt1"/>
+          </a:fontRef>
+        </p:style>
+        <p:txBody>
+          <a:bodyPr rtlCol="0" anchor="ctr"/>
+          <a:lstStyle/>
+          <a:p>
+            <a:pPr algn="ctr"/>
+            <a:r>
+              <a:rPr lang="en-US" sz="1200" dirty="0"/>
+              <a:t>Close Application</a:t>
+            </a:r>
+          </a:p>
+        </p:txBody>
+      </p:sp>
+      <p:cxnSp>
+        <p:nvCxnSpPr>
+          <p:cNvPr id="77" name="Straight Arrow Connector 76">
+            <a:extLst>
+              <a:ext uri="{FF2B5EF4-FFF2-40B4-BE49-F238E27FC236}">
+                <a16:creationId xmlns:a16="http://schemas.microsoft.com/office/drawing/2014/main" id="{67B160D1-9273-6145-8A5E-10CBB878D934}"/>
+              </a:ext>
+            </a:extLst>
+          </p:cNvPr>
+          <p:cNvCxnSpPr>
+            <a:cxnSpLocks/>
+            <a:stCxn id="140" idx="6"/>
+            <a:endCxn id="67" idx="2"/>
+          </p:cNvCxnSpPr>
+          <p:nvPr/>
+        </p:nvCxnSpPr>
+        <p:spPr>
+          <a:xfrm>
+            <a:off x="5054394" y="3206486"/>
+            <a:ext cx="608507" cy="1242"/>
+          </a:xfrm>
+          <a:prstGeom prst="straightConnector1">
+            <a:avLst/>
+          </a:prstGeom>
+          <a:ln w="57150">
+            <a:headEnd type="none" w="med" len="med"/>
+            <a:tailEnd type="triangle" w="med" len="med"/>
+          </a:ln>
+        </p:spPr>
+        <p:style>
+          <a:lnRef idx="1">
+            <a:schemeClr val="accent1"/>
+          </a:lnRef>
+          <a:fillRef idx="0">
+            <a:schemeClr val="accent1"/>
+          </a:fillRef>
+          <a:effectRef idx="0">
+            <a:schemeClr val="accent1"/>
+          </a:effectRef>
+          <a:fontRef idx="minor">
+            <a:schemeClr val="tx1"/>
+          </a:fontRef>
+        </p:style>
+      </p:cxnSp>
+      <p:cxnSp>
+        <p:nvCxnSpPr>
+          <p:cNvPr id="80" name="Straight Arrow Connector 79">
+            <a:extLst>
+              <a:ext uri="{FF2B5EF4-FFF2-40B4-BE49-F238E27FC236}">
+                <a16:creationId xmlns:a16="http://schemas.microsoft.com/office/drawing/2014/main" id="{915903B4-92DB-EE42-BDDA-C467B4F95AE3}"/>
+              </a:ext>
+            </a:extLst>
+          </p:cNvPr>
+          <p:cNvCxnSpPr>
+            <a:cxnSpLocks/>
+            <a:stCxn id="140" idx="6"/>
+            <a:endCxn id="68" idx="2"/>
+          </p:cNvCxnSpPr>
+          <p:nvPr/>
+        </p:nvCxnSpPr>
+        <p:spPr>
+          <a:xfrm>
+            <a:off x="5054394" y="3206486"/>
+            <a:ext cx="608506" cy="945130"/>
+          </a:xfrm>
+          <a:prstGeom prst="straightConnector1">
+            <a:avLst/>
+          </a:prstGeom>
+          <a:ln w="57150">
+            <a:headEnd type="none" w="med" len="med"/>
+            <a:tailEnd type="triangle" w="med" len="med"/>
+          </a:ln>
+        </p:spPr>
+        <p:style>
+          <a:lnRef idx="1">
+            <a:schemeClr val="accent1"/>
+          </a:lnRef>
+          <a:fillRef idx="0">
+            <a:schemeClr val="accent1"/>
+          </a:fillRef>
+          <a:effectRef idx="0">
+            <a:schemeClr val="accent1"/>
+          </a:effectRef>
+          <a:fontRef idx="minor">
+            <a:schemeClr val="tx1"/>
+          </a:fontRef>
+        </p:style>
+      </p:cxnSp>
+      <p:cxnSp>
+        <p:nvCxnSpPr>
+          <p:cNvPr id="81" name="Straight Arrow Connector 80">
+            <a:extLst>
+              <a:ext uri="{FF2B5EF4-FFF2-40B4-BE49-F238E27FC236}">
+                <a16:creationId xmlns:a16="http://schemas.microsoft.com/office/drawing/2014/main" id="{40ECCEBF-9A93-5C43-93DA-0D5155229C1E}"/>
+              </a:ext>
+            </a:extLst>
+          </p:cNvPr>
+          <p:cNvCxnSpPr>
+            <a:cxnSpLocks/>
+            <a:stCxn id="39" idx="3"/>
+            <a:endCxn id="139" idx="2"/>
+          </p:cNvCxnSpPr>
+          <p:nvPr/>
+        </p:nvCxnSpPr>
+        <p:spPr>
+          <a:xfrm>
+            <a:off x="1280710" y="3631095"/>
+            <a:ext cx="2527895" cy="1507381"/>
+          </a:xfrm>
+          <a:prstGeom prst="straightConnector1">
+            <a:avLst/>
+          </a:prstGeom>
+          <a:ln w="57150">
+            <a:headEnd type="oval" w="med" len="med"/>
+            <a:tailEnd type="triangle" w="med" len="med"/>
+          </a:ln>
+        </p:spPr>
+        <p:style>
+          <a:lnRef idx="1">
+            <a:schemeClr val="accent1"/>
+          </a:lnRef>
+          <a:fillRef idx="0">
+            <a:schemeClr val="accent1"/>
+          </a:fillRef>
+          <a:effectRef idx="0">
+            <a:schemeClr val="accent1"/>
+          </a:effectRef>
+          <a:fontRef idx="minor">
+            <a:schemeClr val="tx1"/>
+          </a:fontRef>
+        </p:style>
+      </p:cxnSp>
+      <p:sp>
+        <p:nvSpPr>
+          <p:cNvPr id="83" name="Oval 82">
+            <a:extLst>
+              <a:ext uri="{FF2B5EF4-FFF2-40B4-BE49-F238E27FC236}">
+                <a16:creationId xmlns:a16="http://schemas.microsoft.com/office/drawing/2014/main" id="{5D0BEB01-06FB-804B-9E2E-7D1ED39DC83E}"/>
+              </a:ext>
+            </a:extLst>
+          </p:cNvPr>
+          <p:cNvSpPr/>
+          <p:nvPr/>
+        </p:nvSpPr>
+        <p:spPr>
+          <a:xfrm>
+            <a:off x="8745630" y="2858159"/>
+            <a:ext cx="1411367" cy="726245"/>
+          </a:xfrm>
+          <a:prstGeom prst="ellipse">
+            <a:avLst/>
+          </a:prstGeom>
+          <a:solidFill>
+            <a:srgbClr val="16B999"/>
+          </a:solidFill>
+          <a:ln>
+            <a:noFill/>
+          </a:ln>
+        </p:spPr>
+        <p:style>
+          <a:lnRef idx="2">
+            <a:schemeClr val="accent1">
+              <a:shade val="50000"/>
+            </a:schemeClr>
+          </a:lnRef>
+          <a:fillRef idx="1">
+            <a:schemeClr val="accent1"/>
+          </a:fillRef>
+          <a:effectRef idx="0">
+            <a:schemeClr val="accent1"/>
+          </a:effectRef>
+          <a:fontRef idx="minor">
+            <a:schemeClr val="lt1"/>
+          </a:fontRef>
+        </p:style>
+        <p:txBody>
+          <a:bodyPr rtlCol="0" anchor="ctr"/>
+          <a:lstStyle/>
+          <a:p>
+            <a:pPr algn="ctr"/>
+            <a:r>
+              <a:rPr lang="en-US" sz="1200" dirty="0"/>
+              <a:t>Update Ongoing Audio</a:t>
+            </a:r>
+          </a:p>
+        </p:txBody>
+      </p:sp>
+      <p:cxnSp>
+        <p:nvCxnSpPr>
+          <p:cNvPr id="87" name="Straight Arrow Connector 86">
+            <a:extLst>
+              <a:ext uri="{FF2B5EF4-FFF2-40B4-BE49-F238E27FC236}">
+                <a16:creationId xmlns:a16="http://schemas.microsoft.com/office/drawing/2014/main" id="{A47292DD-CE80-D142-9FB6-38E0D29D7406}"/>
+              </a:ext>
+            </a:extLst>
+          </p:cNvPr>
+          <p:cNvCxnSpPr>
+            <a:cxnSpLocks/>
+            <a:stCxn id="68" idx="6"/>
+            <a:endCxn id="83" idx="3"/>
+          </p:cNvCxnSpPr>
+          <p:nvPr/>
+        </p:nvCxnSpPr>
+        <p:spPr>
+          <a:xfrm flipV="1">
+            <a:off x="7074267" y="3478048"/>
+            <a:ext cx="1878053" cy="673568"/>
+          </a:xfrm>
+          <a:prstGeom prst="straightConnector1">
+            <a:avLst/>
+          </a:prstGeom>
+          <a:ln w="57150">
+            <a:prstDash val="sysDot"/>
+            <a:tailEnd type="triangle"/>
+          </a:ln>
+        </p:spPr>
+        <p:style>
+          <a:lnRef idx="1">
+            <a:schemeClr val="accent1"/>
+          </a:lnRef>
+          <a:fillRef idx="0">
+            <a:schemeClr val="accent1"/>
+          </a:fillRef>
+          <a:effectRef idx="0">
+            <a:schemeClr val="accent1"/>
+          </a:effectRef>
+          <a:fontRef idx="minor">
+            <a:schemeClr val="tx1"/>
+          </a:fontRef>
+        </p:style>
+      </p:cxnSp>
+      <p:cxnSp>
+        <p:nvCxnSpPr>
+          <p:cNvPr id="92" name="Straight Arrow Connector 91">
+            <a:extLst>
+              <a:ext uri="{FF2B5EF4-FFF2-40B4-BE49-F238E27FC236}">
+                <a16:creationId xmlns:a16="http://schemas.microsoft.com/office/drawing/2014/main" id="{1E17D164-4833-C94A-A8D4-6E8D507BB795}"/>
+              </a:ext>
+            </a:extLst>
+          </p:cNvPr>
+          <p:cNvCxnSpPr>
+            <a:cxnSpLocks/>
+            <a:stCxn id="67" idx="6"/>
+            <a:endCxn id="83" idx="2"/>
+          </p:cNvCxnSpPr>
+          <p:nvPr/>
+        </p:nvCxnSpPr>
+        <p:spPr>
+          <a:xfrm>
+            <a:off x="7074268" y="3207728"/>
+            <a:ext cx="1671362" cy="13554"/>
+          </a:xfrm>
+          <a:prstGeom prst="straightConnector1">
+            <a:avLst/>
+          </a:prstGeom>
+          <a:ln w="57150">
+            <a:prstDash val="sysDot"/>
+            <a:tailEnd type="triangle"/>
+          </a:ln>
+        </p:spPr>
+        <p:style>
+          <a:lnRef idx="1">
+            <a:schemeClr val="accent1"/>
+          </a:lnRef>
+          <a:fillRef idx="0">
+            <a:schemeClr val="accent1"/>
+          </a:fillRef>
+          <a:effectRef idx="0">
+            <a:schemeClr val="accent1"/>
+          </a:effectRef>
+          <a:fontRef idx="minor">
+            <a:schemeClr val="tx1"/>
+          </a:fontRef>
+        </p:style>
+      </p:cxnSp>
+      <p:sp>
+        <p:nvSpPr>
+          <p:cNvPr id="96" name="Rectangle 95">
+            <a:extLst>
+              <a:ext uri="{FF2B5EF4-FFF2-40B4-BE49-F238E27FC236}">
+                <a16:creationId xmlns:a16="http://schemas.microsoft.com/office/drawing/2014/main" id="{4BB82563-2B32-7045-8DF1-B64C31292366}"/>
+              </a:ext>
+            </a:extLst>
+          </p:cNvPr>
+          <p:cNvSpPr/>
+          <p:nvPr/>
+        </p:nvSpPr>
+        <p:spPr>
+          <a:xfrm>
+            <a:off x="7368403" y="3111393"/>
+            <a:ext cx="816871" cy="270916"/>
+          </a:xfrm>
+          <a:prstGeom prst="rect">
+            <a:avLst/>
+          </a:prstGeom>
+          <a:solidFill>
+            <a:schemeClr val="bg1"/>
+          </a:solidFill>
+          <a:ln>
+            <a:noFill/>
+          </a:ln>
+        </p:spPr>
+        <p:style>
+          <a:lnRef idx="2">
+            <a:schemeClr val="accent1">
+              <a:shade val="50000"/>
+            </a:schemeClr>
+          </a:lnRef>
+          <a:fillRef idx="1">
+            <a:schemeClr val="accent1"/>
+          </a:fillRef>
+          <a:effectRef idx="0">
+            <a:schemeClr val="accent1"/>
+          </a:effectRef>
+          <a:fontRef idx="minor">
+            <a:schemeClr val="lt1"/>
+          </a:fontRef>
+        </p:style>
+        <p:txBody>
+          <a:bodyPr rtlCol="0" anchor="ctr"/>
+          <a:lstStyle/>
+          <a:p>
+            <a:pPr lvl="0"/>
+            <a:r>
+              <a:rPr lang="en-US" sz="1000" dirty="0">
+                <a:solidFill>
+                  <a:prstClr val="black"/>
+                </a:solidFill>
+              </a:rPr>
+              <a:t>&lt;&lt;Include&gt;&gt;</a:t>
+            </a:r>
+          </a:p>
+        </p:txBody>
+      </p:sp>
+      <p:sp>
+        <p:nvSpPr>
+          <p:cNvPr id="99" name="Rectangle 98">
+            <a:extLst>
+              <a:ext uri="{FF2B5EF4-FFF2-40B4-BE49-F238E27FC236}">
+                <a16:creationId xmlns:a16="http://schemas.microsoft.com/office/drawing/2014/main" id="{9B776AC5-3A19-9C4E-8728-6CD511DD73C3}"/>
+              </a:ext>
+            </a:extLst>
+          </p:cNvPr>
+          <p:cNvSpPr/>
+          <p:nvPr/>
+        </p:nvSpPr>
+        <p:spPr>
+          <a:xfrm>
+            <a:off x="7501513" y="3731282"/>
+            <a:ext cx="816871" cy="270916"/>
+          </a:xfrm>
+          <a:prstGeom prst="rect">
+            <a:avLst/>
+          </a:prstGeom>
+          <a:solidFill>
+            <a:schemeClr val="bg1"/>
+          </a:solidFill>
+          <a:ln>
+            <a:noFill/>
+          </a:ln>
+        </p:spPr>
+        <p:style>
+          <a:lnRef idx="2">
+            <a:schemeClr val="accent1">
+              <a:shade val="50000"/>
+            </a:schemeClr>
+          </a:lnRef>
+          <a:fillRef idx="1">
+            <a:schemeClr val="accent1"/>
+          </a:fillRef>
+          <a:effectRef idx="0">
+            <a:schemeClr val="accent1"/>
+          </a:effectRef>
+          <a:fontRef idx="minor">
+            <a:schemeClr val="lt1"/>
+          </a:fontRef>
+        </p:style>
+        <p:txBody>
+          <a:bodyPr rtlCol="0" anchor="ctr"/>
+          <a:lstStyle/>
+          <a:p>
+            <a:pPr lvl="0"/>
+            <a:r>
+              <a:rPr lang="en-US" sz="1000" dirty="0">
+                <a:solidFill>
+                  <a:prstClr val="black"/>
+                </a:solidFill>
+              </a:rPr>
+              <a:t>&lt;&lt;Include&gt;&gt;</a:t>
+            </a:r>
+          </a:p>
+        </p:txBody>
+      </p:sp>
+      <p:sp>
+        <p:nvSpPr>
+          <p:cNvPr id="106" name="Oval 105">
+            <a:extLst>
+              <a:ext uri="{FF2B5EF4-FFF2-40B4-BE49-F238E27FC236}">
+                <a16:creationId xmlns:a16="http://schemas.microsoft.com/office/drawing/2014/main" id="{5C520494-6B4D-6E42-8BDD-8E2343F50B43}"/>
+              </a:ext>
+            </a:extLst>
+          </p:cNvPr>
+          <p:cNvSpPr/>
+          <p:nvPr/>
+        </p:nvSpPr>
+        <p:spPr>
+          <a:xfrm>
+            <a:off x="8469617" y="4091928"/>
+            <a:ext cx="1204677" cy="632907"/>
+          </a:xfrm>
+          <a:prstGeom prst="ellipse">
+            <a:avLst/>
+          </a:prstGeom>
+          <a:solidFill>
+            <a:srgbClr val="16B999"/>
+          </a:solidFill>
+          <a:ln>
+            <a:noFill/>
+          </a:ln>
+        </p:spPr>
+        <p:style>
+          <a:lnRef idx="2">
+            <a:schemeClr val="accent1">
+              <a:shade val="50000"/>
+            </a:schemeClr>
+          </a:lnRef>
+          <a:fillRef idx="1">
+            <a:schemeClr val="accent1"/>
+          </a:fillRef>
+          <a:effectRef idx="0">
+            <a:schemeClr val="accent1"/>
+          </a:effectRef>
+          <a:fontRef idx="minor">
+            <a:schemeClr val="lt1"/>
+          </a:fontRef>
+        </p:style>
+        <p:txBody>
+          <a:bodyPr rtlCol="0" anchor="ctr"/>
+          <a:lstStyle/>
+          <a:p>
+            <a:pPr algn="ctr"/>
+            <a:r>
+              <a:rPr lang="en-US" sz="1000" dirty="0"/>
+              <a:t>Calculate Microsecond</a:t>
+            </a:r>
+          </a:p>
+        </p:txBody>
+      </p:sp>
+      <p:cxnSp>
+        <p:nvCxnSpPr>
+          <p:cNvPr id="107" name="Straight Arrow Connector 106">
+            <a:extLst>
+              <a:ext uri="{FF2B5EF4-FFF2-40B4-BE49-F238E27FC236}">
+                <a16:creationId xmlns:a16="http://schemas.microsoft.com/office/drawing/2014/main" id="{DCC3A5E9-D8A5-7946-ADFD-A1D99B3541EA}"/>
+              </a:ext>
+            </a:extLst>
+          </p:cNvPr>
+          <p:cNvCxnSpPr>
+            <a:cxnSpLocks/>
+            <a:stCxn id="106" idx="2"/>
+            <a:endCxn id="68" idx="5"/>
+          </p:cNvCxnSpPr>
+          <p:nvPr/>
+        </p:nvCxnSpPr>
+        <p:spPr>
+          <a:xfrm flipH="1">
+            <a:off x="6867577" y="4408382"/>
+            <a:ext cx="1602040" cy="0"/>
+          </a:xfrm>
+          <a:prstGeom prst="straightConnector1">
+            <a:avLst/>
+          </a:prstGeom>
+          <a:ln w="57150">
+            <a:prstDash val="sysDot"/>
+            <a:tailEnd type="triangle"/>
+          </a:ln>
+        </p:spPr>
+        <p:style>
+          <a:lnRef idx="1">
+            <a:schemeClr val="accent1"/>
+          </a:lnRef>
+          <a:fillRef idx="0">
+            <a:schemeClr val="accent1"/>
+          </a:fillRef>
+          <a:effectRef idx="0">
+            <a:schemeClr val="accent1"/>
+          </a:effectRef>
+          <a:fontRef idx="minor">
+            <a:schemeClr val="tx1"/>
+          </a:fontRef>
+        </p:style>
+      </p:cxnSp>
+      <p:sp>
+        <p:nvSpPr>
+          <p:cNvPr id="113" name="Rectangle 112">
+            <a:extLst>
+              <a:ext uri="{FF2B5EF4-FFF2-40B4-BE49-F238E27FC236}">
+                <a16:creationId xmlns:a16="http://schemas.microsoft.com/office/drawing/2014/main" id="{27591081-0A75-5444-8921-11F751C5110A}"/>
+              </a:ext>
+            </a:extLst>
+          </p:cNvPr>
+          <p:cNvSpPr/>
+          <p:nvPr/>
+        </p:nvSpPr>
+        <p:spPr>
+          <a:xfrm>
+            <a:off x="7368403" y="4269392"/>
+            <a:ext cx="816871" cy="270916"/>
+          </a:xfrm>
+          <a:prstGeom prst="rect">
+            <a:avLst/>
+          </a:prstGeom>
+          <a:solidFill>
+            <a:schemeClr val="bg1"/>
+          </a:solidFill>
+          <a:ln>
+            <a:noFill/>
+          </a:ln>
+        </p:spPr>
+        <p:style>
+          <a:lnRef idx="2">
+            <a:schemeClr val="accent1">
+              <a:shade val="50000"/>
+            </a:schemeClr>
+          </a:lnRef>
+          <a:fillRef idx="1">
+            <a:schemeClr val="accent1"/>
+          </a:fillRef>
+          <a:effectRef idx="0">
+            <a:schemeClr val="accent1"/>
+          </a:effectRef>
+          <a:fontRef idx="minor">
+            <a:schemeClr val="lt1"/>
+          </a:fontRef>
+        </p:style>
+        <p:txBody>
+          <a:bodyPr rtlCol="0" anchor="ctr"/>
+          <a:lstStyle/>
+          <a:p>
+            <a:pPr lvl="0"/>
+            <a:r>
+              <a:rPr lang="en-US" sz="1000" dirty="0">
+                <a:solidFill>
+                  <a:prstClr val="black"/>
+                </a:solidFill>
+              </a:rPr>
+              <a:t>&lt;&lt;Extend&gt;&gt;</a:t>
+            </a:r>
+          </a:p>
+        </p:txBody>
+      </p:sp>
+      <p:cxnSp>
+        <p:nvCxnSpPr>
+          <p:cNvPr id="116" name="Straight Arrow Connector 115">
+            <a:extLst>
+              <a:ext uri="{FF2B5EF4-FFF2-40B4-BE49-F238E27FC236}">
+                <a16:creationId xmlns:a16="http://schemas.microsoft.com/office/drawing/2014/main" id="{EE4D9079-11E7-2947-9DCC-721C395F606E}"/>
+              </a:ext>
+            </a:extLst>
+          </p:cNvPr>
+          <p:cNvCxnSpPr>
+            <a:cxnSpLocks/>
+            <a:stCxn id="66" idx="6"/>
+            <a:endCxn id="121" idx="2"/>
+          </p:cNvCxnSpPr>
+          <p:nvPr/>
+        </p:nvCxnSpPr>
+        <p:spPr>
+          <a:xfrm>
+            <a:off x="7074269" y="2263840"/>
+            <a:ext cx="1894342" cy="6776"/>
+          </a:xfrm>
+          <a:prstGeom prst="straightConnector1">
+            <a:avLst/>
+          </a:prstGeom>
+          <a:ln w="57150">
+            <a:prstDash val="sysDot"/>
+            <a:tailEnd type="triangle"/>
+          </a:ln>
+        </p:spPr>
+        <p:style>
+          <a:lnRef idx="1">
+            <a:schemeClr val="accent1"/>
+          </a:lnRef>
+          <a:fillRef idx="0">
+            <a:schemeClr val="accent1"/>
+          </a:fillRef>
+          <a:effectRef idx="0">
+            <a:schemeClr val="accent1"/>
+          </a:effectRef>
+          <a:fontRef idx="minor">
+            <a:schemeClr val="tx1"/>
+          </a:fontRef>
+        </p:style>
+      </p:cxnSp>
+      <p:sp>
+        <p:nvSpPr>
+          <p:cNvPr id="119" name="Rectangle 118">
+            <a:extLst>
+              <a:ext uri="{FF2B5EF4-FFF2-40B4-BE49-F238E27FC236}">
+                <a16:creationId xmlns:a16="http://schemas.microsoft.com/office/drawing/2014/main" id="{BD083154-0E2F-6E47-8E77-889363D8DFE3}"/>
+              </a:ext>
+            </a:extLst>
+          </p:cNvPr>
+          <p:cNvSpPr/>
+          <p:nvPr/>
+        </p:nvSpPr>
+        <p:spPr>
+          <a:xfrm>
+            <a:off x="7549798" y="2098500"/>
+            <a:ext cx="816871" cy="270916"/>
+          </a:xfrm>
+          <a:prstGeom prst="rect">
+            <a:avLst/>
+          </a:prstGeom>
+          <a:solidFill>
+            <a:schemeClr val="bg1"/>
+          </a:solidFill>
+          <a:ln>
+            <a:noFill/>
+          </a:ln>
+        </p:spPr>
+        <p:style>
+          <a:lnRef idx="2">
+            <a:schemeClr val="accent1">
+              <a:shade val="50000"/>
+            </a:schemeClr>
+          </a:lnRef>
+          <a:fillRef idx="1">
+            <a:schemeClr val="accent1"/>
+          </a:fillRef>
+          <a:effectRef idx="0">
+            <a:schemeClr val="accent1"/>
+          </a:effectRef>
+          <a:fontRef idx="minor">
+            <a:schemeClr val="lt1"/>
+          </a:fontRef>
+        </p:style>
+        <p:txBody>
+          <a:bodyPr rtlCol="0" anchor="ctr"/>
+          <a:lstStyle/>
+          <a:p>
+            <a:pPr lvl="0"/>
+            <a:r>
+              <a:rPr lang="en-US" sz="1000" dirty="0">
+                <a:solidFill>
+                  <a:prstClr val="black"/>
+                </a:solidFill>
+              </a:rPr>
+              <a:t>&lt;&lt;Include&gt;&gt;</a:t>
+            </a:r>
+          </a:p>
+        </p:txBody>
+      </p:sp>
+      <p:sp>
+        <p:nvSpPr>
+          <p:cNvPr id="121" name="Oval 120">
+            <a:extLst>
+              <a:ext uri="{FF2B5EF4-FFF2-40B4-BE49-F238E27FC236}">
+                <a16:creationId xmlns:a16="http://schemas.microsoft.com/office/drawing/2014/main" id="{F033E216-31EE-5947-BCFC-DD61D24BFE32}"/>
+              </a:ext>
+            </a:extLst>
+          </p:cNvPr>
+          <p:cNvSpPr/>
+          <p:nvPr/>
+        </p:nvSpPr>
+        <p:spPr>
+          <a:xfrm>
+            <a:off x="8968611" y="1907493"/>
+            <a:ext cx="1411367" cy="726245"/>
+          </a:xfrm>
+          <a:prstGeom prst="ellipse">
+            <a:avLst/>
+          </a:prstGeom>
+          <a:solidFill>
+            <a:srgbClr val="16B999"/>
+          </a:solidFill>
+          <a:ln>
+            <a:noFill/>
+          </a:ln>
+        </p:spPr>
+        <p:style>
+          <a:lnRef idx="2">
+            <a:schemeClr val="accent1">
+              <a:shade val="50000"/>
+            </a:schemeClr>
+          </a:lnRef>
+          <a:fillRef idx="1">
+            <a:schemeClr val="accent1"/>
+          </a:fillRef>
+          <a:effectRef idx="0">
+            <a:schemeClr val="accent1"/>
+          </a:effectRef>
+          <a:fontRef idx="minor">
+            <a:schemeClr val="lt1"/>
+          </a:fontRef>
+        </p:style>
+        <p:txBody>
+          <a:bodyPr rtlCol="0" anchor="ctr"/>
+          <a:lstStyle/>
+          <a:p>
+            <a:pPr algn="ctr"/>
+            <a:r>
+              <a:rPr lang="en-US" sz="1200" dirty="0"/>
+              <a:t>Resets Ongoing to Main Screen</a:t>
+            </a:r>
+          </a:p>
+        </p:txBody>
+      </p:sp>
+      <p:cxnSp>
+        <p:nvCxnSpPr>
+          <p:cNvPr id="123" name="Straight Arrow Connector 122">
+            <a:extLst>
+              <a:ext uri="{FF2B5EF4-FFF2-40B4-BE49-F238E27FC236}">
+                <a16:creationId xmlns:a16="http://schemas.microsoft.com/office/drawing/2014/main" id="{1E7F7BDE-D214-4A43-9585-7B8D4183EAAC}"/>
+              </a:ext>
+            </a:extLst>
+          </p:cNvPr>
+          <p:cNvCxnSpPr>
+            <a:cxnSpLocks/>
+            <a:endCxn id="21" idx="6"/>
+          </p:cNvCxnSpPr>
+          <p:nvPr/>
+        </p:nvCxnSpPr>
+        <p:spPr>
+          <a:xfrm flipH="1" flipV="1">
+            <a:off x="7074267" y="1346722"/>
+            <a:ext cx="1846455" cy="897055"/>
+          </a:xfrm>
+          <a:prstGeom prst="straightConnector1">
+            <a:avLst/>
+          </a:prstGeom>
+          <a:ln w="57150">
+            <a:prstDash val="solid"/>
+            <a:tailEnd type="triangle"/>
+          </a:ln>
+        </p:spPr>
+        <p:style>
+          <a:lnRef idx="1">
+            <a:schemeClr val="accent1"/>
+          </a:lnRef>
+          <a:fillRef idx="0">
+            <a:schemeClr val="accent1"/>
+          </a:fillRef>
+          <a:effectRef idx="0">
+            <a:schemeClr val="accent1"/>
+          </a:effectRef>
+          <a:fontRef idx="minor">
+            <a:schemeClr val="tx1"/>
+          </a:fontRef>
+        </p:style>
+      </p:cxnSp>
+      <p:sp>
+        <p:nvSpPr>
+          <p:cNvPr id="139" name="Oval 138">
+            <a:extLst>
+              <a:ext uri="{FF2B5EF4-FFF2-40B4-BE49-F238E27FC236}">
+                <a16:creationId xmlns:a16="http://schemas.microsoft.com/office/drawing/2014/main" id="{4FC9061B-7A29-C647-B74F-B5D77CC5BEEC}"/>
+              </a:ext>
+            </a:extLst>
+          </p:cNvPr>
+          <p:cNvSpPr/>
+          <p:nvPr/>
+        </p:nvSpPr>
+        <p:spPr>
+          <a:xfrm>
+            <a:off x="3808605" y="4878842"/>
+            <a:ext cx="1034027" cy="519268"/>
+          </a:xfrm>
+          <a:prstGeom prst="ellipse">
+            <a:avLst/>
+          </a:prstGeom>
+          <a:solidFill>
+            <a:srgbClr val="16B999"/>
+          </a:solidFill>
+          <a:ln>
+            <a:noFill/>
+          </a:ln>
+        </p:spPr>
+        <p:style>
+          <a:lnRef idx="2">
+            <a:schemeClr val="accent1">
+              <a:shade val="50000"/>
+            </a:schemeClr>
+          </a:lnRef>
+          <a:fillRef idx="1">
+            <a:schemeClr val="accent1"/>
+          </a:fillRef>
+          <a:effectRef idx="0">
+            <a:schemeClr val="accent1"/>
+          </a:effectRef>
+          <a:fontRef idx="minor">
+            <a:schemeClr val="lt1"/>
+          </a:fontRef>
+        </p:style>
+        <p:txBody>
+          <a:bodyPr rtlCol="0" anchor="ctr"/>
+          <a:lstStyle/>
+          <a:p>
+            <a:pPr algn="ctr"/>
+            <a:r>
+              <a:rPr lang="en-US" sz="1000" dirty="0"/>
+              <a:t>Input Command</a:t>
+            </a:r>
+          </a:p>
+        </p:txBody>
+      </p:sp>
+      <p:sp>
+        <p:nvSpPr>
+          <p:cNvPr id="140" name="Oval 139">
+            <a:extLst>
+              <a:ext uri="{FF2B5EF4-FFF2-40B4-BE49-F238E27FC236}">
+                <a16:creationId xmlns:a16="http://schemas.microsoft.com/office/drawing/2014/main" id="{C47340F0-55B8-1847-9071-03AF7C8D3D77}"/>
+              </a:ext>
+            </a:extLst>
+          </p:cNvPr>
+          <p:cNvSpPr/>
+          <p:nvPr/>
+        </p:nvSpPr>
+        <p:spPr>
+          <a:xfrm>
+            <a:off x="3643027" y="2843363"/>
+            <a:ext cx="1411367" cy="726245"/>
+          </a:xfrm>
+          <a:prstGeom prst="ellipse">
+            <a:avLst/>
+          </a:prstGeom>
+          <a:solidFill>
+            <a:srgbClr val="16B999"/>
+          </a:solidFill>
+          <a:ln>
+            <a:noFill/>
+          </a:ln>
+        </p:spPr>
+        <p:style>
+          <a:lnRef idx="2">
+            <a:schemeClr val="accent1">
+              <a:shade val="50000"/>
+            </a:schemeClr>
+          </a:lnRef>
+          <a:fillRef idx="1">
+            <a:schemeClr val="accent1"/>
+          </a:fillRef>
+          <a:effectRef idx="0">
+            <a:schemeClr val="accent1"/>
+          </a:effectRef>
+          <a:fontRef idx="minor">
+            <a:schemeClr val="lt1"/>
+          </a:fontRef>
+        </p:style>
+        <p:txBody>
+          <a:bodyPr rtlCol="0" anchor="ctr"/>
+          <a:lstStyle/>
+          <a:p>
+            <a:pPr algn="ctr"/>
+            <a:r>
+              <a:rPr lang="en-US" sz="1200" dirty="0"/>
+              <a:t>Check if a Music is Ongoing</a:t>
+            </a:r>
+          </a:p>
+        </p:txBody>
+      </p:sp>
+      <p:cxnSp>
+        <p:nvCxnSpPr>
+          <p:cNvPr id="156" name="Straight Arrow Connector 155">
+            <a:extLst>
+              <a:ext uri="{FF2B5EF4-FFF2-40B4-BE49-F238E27FC236}">
+                <a16:creationId xmlns:a16="http://schemas.microsoft.com/office/drawing/2014/main" id="{561DD510-DEEE-AB4C-9413-605DF8232E9A}"/>
+              </a:ext>
+            </a:extLst>
+          </p:cNvPr>
+          <p:cNvCxnSpPr>
+            <a:cxnSpLocks/>
+            <a:stCxn id="140" idx="4"/>
+            <a:endCxn id="139" idx="0"/>
+          </p:cNvCxnSpPr>
+          <p:nvPr/>
+        </p:nvCxnSpPr>
+        <p:spPr>
+          <a:xfrm flipH="1">
+            <a:off x="4325619" y="3569608"/>
+            <a:ext cx="23092" cy="1309234"/>
+          </a:xfrm>
+          <a:prstGeom prst="straightConnector1">
+            <a:avLst/>
+          </a:prstGeom>
+          <a:ln w="57150">
+            <a:prstDash val="sysDot"/>
+            <a:headEnd type="none" w="med" len="med"/>
+            <a:tailEnd type="triangle" w="med" len="med"/>
+          </a:ln>
+        </p:spPr>
+        <p:style>
+          <a:lnRef idx="1">
+            <a:schemeClr val="accent1"/>
+          </a:lnRef>
+          <a:fillRef idx="0">
+            <a:schemeClr val="accent1"/>
+          </a:fillRef>
+          <a:effectRef idx="0">
+            <a:schemeClr val="accent1"/>
+          </a:effectRef>
+          <a:fontRef idx="minor">
+            <a:schemeClr val="tx1"/>
+          </a:fontRef>
+        </p:style>
+      </p:cxnSp>
+      <p:cxnSp>
+        <p:nvCxnSpPr>
+          <p:cNvPr id="159" name="Straight Arrow Connector 158">
+            <a:extLst>
+              <a:ext uri="{FF2B5EF4-FFF2-40B4-BE49-F238E27FC236}">
+                <a16:creationId xmlns:a16="http://schemas.microsoft.com/office/drawing/2014/main" id="{A6B2DCF4-3377-EB49-847A-7B263676438B}"/>
+              </a:ext>
+            </a:extLst>
+          </p:cNvPr>
+          <p:cNvCxnSpPr>
+            <a:cxnSpLocks/>
+            <a:stCxn id="139" idx="6"/>
+            <a:endCxn id="69" idx="2"/>
+          </p:cNvCxnSpPr>
+          <p:nvPr/>
+        </p:nvCxnSpPr>
+        <p:spPr>
+          <a:xfrm>
+            <a:off x="4842632" y="5138476"/>
+            <a:ext cx="820268" cy="9706"/>
+          </a:xfrm>
+          <a:prstGeom prst="straightConnector1">
+            <a:avLst/>
+          </a:prstGeom>
+          <a:ln w="57150">
+            <a:headEnd type="none" w="med" len="med"/>
+            <a:tailEnd type="triangle" w="med" len="med"/>
+          </a:ln>
+        </p:spPr>
+        <p:style>
+          <a:lnRef idx="1">
+            <a:schemeClr val="accent1"/>
+          </a:lnRef>
+          <a:fillRef idx="0">
+            <a:schemeClr val="accent1"/>
+          </a:fillRef>
+          <a:effectRef idx="0">
+            <a:schemeClr val="accent1"/>
+          </a:effectRef>
+          <a:fontRef idx="minor">
+            <a:schemeClr val="tx1"/>
+          </a:fontRef>
+        </p:style>
+      </p:cxnSp>
+      <p:sp>
+        <p:nvSpPr>
+          <p:cNvPr id="166" name="Rectangle 165">
+            <a:extLst>
+              <a:ext uri="{FF2B5EF4-FFF2-40B4-BE49-F238E27FC236}">
+                <a16:creationId xmlns:a16="http://schemas.microsoft.com/office/drawing/2014/main" id="{4A59D6B2-6A17-2B43-B949-155D860633FA}"/>
+              </a:ext>
+            </a:extLst>
+          </p:cNvPr>
+          <p:cNvSpPr/>
+          <p:nvPr/>
+        </p:nvSpPr>
+        <p:spPr>
+          <a:xfrm>
+            <a:off x="3982448" y="4068422"/>
+            <a:ext cx="732525" cy="277795"/>
+          </a:xfrm>
+          <a:prstGeom prst="rect">
+            <a:avLst/>
+          </a:prstGeom>
+          <a:solidFill>
+            <a:schemeClr val="bg1"/>
+          </a:solidFill>
+          <a:ln>
+            <a:noFill/>
+          </a:ln>
+        </p:spPr>
+        <p:style>
+          <a:lnRef idx="2">
+            <a:schemeClr val="accent1">
+              <a:shade val="50000"/>
+            </a:schemeClr>
+          </a:lnRef>
+          <a:fillRef idx="1">
+            <a:schemeClr val="accent1"/>
+          </a:fillRef>
+          <a:effectRef idx="0">
+            <a:schemeClr val="accent1"/>
+          </a:effectRef>
+          <a:fontRef idx="minor">
+            <a:schemeClr val="lt1"/>
+          </a:fontRef>
+        </p:style>
+        <p:txBody>
+          <a:bodyPr rtlCol="0" anchor="ctr"/>
+          <a:lstStyle/>
+          <a:p>
+            <a:pPr lvl="0"/>
+            <a:r>
+              <a:rPr lang="en-US" sz="800" dirty="0">
+                <a:solidFill>
+                  <a:prstClr val="black"/>
+                </a:solidFill>
+              </a:rPr>
+              <a:t>&lt;&lt;Extend&gt;&gt;</a:t>
+            </a:r>
+          </a:p>
+        </p:txBody>
+      </p:sp>
+      <p:cxnSp>
+        <p:nvCxnSpPr>
+          <p:cNvPr id="171" name="Straight Arrow Connector 170">
+            <a:extLst>
+              <a:ext uri="{FF2B5EF4-FFF2-40B4-BE49-F238E27FC236}">
+                <a16:creationId xmlns:a16="http://schemas.microsoft.com/office/drawing/2014/main" id="{5332F88E-78FF-A141-9F6C-88D9DE30C4AC}"/>
+              </a:ext>
+            </a:extLst>
+          </p:cNvPr>
+          <p:cNvCxnSpPr>
+            <a:cxnSpLocks/>
+            <a:stCxn id="139" idx="4"/>
+            <a:endCxn id="175" idx="0"/>
+          </p:cNvCxnSpPr>
+          <p:nvPr/>
+        </p:nvCxnSpPr>
+        <p:spPr>
+          <a:xfrm flipH="1">
+            <a:off x="4325617" y="5398110"/>
+            <a:ext cx="2" cy="487811"/>
+          </a:xfrm>
+          <a:prstGeom prst="straightConnector1">
+            <a:avLst/>
+          </a:prstGeom>
+          <a:ln w="57150">
+            <a:prstDash val="sysDot"/>
+            <a:headEnd type="none" w="med" len="med"/>
+            <a:tailEnd type="triangle" w="med" len="med"/>
+          </a:ln>
+        </p:spPr>
+        <p:style>
+          <a:lnRef idx="1">
+            <a:schemeClr val="accent1"/>
+          </a:lnRef>
+          <a:fillRef idx="0">
+            <a:schemeClr val="accent1"/>
+          </a:fillRef>
+          <a:effectRef idx="0">
+            <a:schemeClr val="accent1"/>
+          </a:effectRef>
+          <a:fontRef idx="minor">
+            <a:schemeClr val="tx1"/>
+          </a:fontRef>
+        </p:style>
+      </p:cxnSp>
+      <p:sp>
+        <p:nvSpPr>
+          <p:cNvPr id="175" name="Oval 174">
+            <a:extLst>
+              <a:ext uri="{FF2B5EF4-FFF2-40B4-BE49-F238E27FC236}">
+                <a16:creationId xmlns:a16="http://schemas.microsoft.com/office/drawing/2014/main" id="{C0885C9F-D5CE-414B-B986-E228AC0C26C4}"/>
+              </a:ext>
+            </a:extLst>
+          </p:cNvPr>
+          <p:cNvSpPr/>
+          <p:nvPr/>
+        </p:nvSpPr>
+        <p:spPr>
+          <a:xfrm>
+            <a:off x="3655555" y="5885921"/>
+            <a:ext cx="1340124" cy="676373"/>
+          </a:xfrm>
+          <a:prstGeom prst="ellipse">
+            <a:avLst/>
+          </a:prstGeom>
+          <a:solidFill>
+            <a:srgbClr val="16B999"/>
+          </a:solidFill>
+          <a:ln>
+            <a:noFill/>
+          </a:ln>
+        </p:spPr>
+        <p:style>
+          <a:lnRef idx="2">
+            <a:schemeClr val="accent1">
+              <a:shade val="50000"/>
+            </a:schemeClr>
+          </a:lnRef>
+          <a:fillRef idx="1">
+            <a:schemeClr val="accent1"/>
+          </a:fillRef>
+          <a:effectRef idx="0">
+            <a:schemeClr val="accent1"/>
+          </a:effectRef>
+          <a:fontRef idx="minor">
+            <a:schemeClr val="lt1"/>
+          </a:fontRef>
+        </p:style>
+        <p:txBody>
+          <a:bodyPr rtlCol="0" anchor="ctr"/>
+          <a:lstStyle/>
+          <a:p>
+            <a:pPr algn="ctr"/>
+            <a:r>
+              <a:rPr lang="en-US" sz="1000" dirty="0"/>
+              <a:t>Show Message Dialogue (Error)</a:t>
+            </a:r>
+          </a:p>
+        </p:txBody>
+      </p:sp>
+      <p:sp>
+        <p:nvSpPr>
+          <p:cNvPr id="178" name="Rectangle 177">
+            <a:extLst>
+              <a:ext uri="{FF2B5EF4-FFF2-40B4-BE49-F238E27FC236}">
+                <a16:creationId xmlns:a16="http://schemas.microsoft.com/office/drawing/2014/main" id="{86835904-B107-0F43-8546-37D3C0138860}"/>
+              </a:ext>
+            </a:extLst>
+          </p:cNvPr>
+          <p:cNvSpPr/>
+          <p:nvPr/>
+        </p:nvSpPr>
+        <p:spPr>
+          <a:xfrm>
+            <a:off x="3917182" y="5449531"/>
+            <a:ext cx="816871" cy="270916"/>
+          </a:xfrm>
+          <a:prstGeom prst="rect">
+            <a:avLst/>
+          </a:prstGeom>
+          <a:solidFill>
+            <a:schemeClr val="bg1"/>
+          </a:solidFill>
+          <a:ln>
+            <a:noFill/>
+          </a:ln>
+        </p:spPr>
+        <p:style>
+          <a:lnRef idx="2">
+            <a:schemeClr val="accent1">
+              <a:shade val="50000"/>
+            </a:schemeClr>
+          </a:lnRef>
+          <a:fillRef idx="1">
+            <a:schemeClr val="accent1"/>
+          </a:fillRef>
+          <a:effectRef idx="0">
+            <a:schemeClr val="accent1"/>
+          </a:effectRef>
+          <a:fontRef idx="minor">
+            <a:schemeClr val="lt1"/>
+          </a:fontRef>
+        </p:style>
+        <p:txBody>
+          <a:bodyPr rtlCol="0" anchor="ctr"/>
+          <a:lstStyle/>
+          <a:p>
+            <a:pPr lvl="0"/>
+            <a:r>
+              <a:rPr lang="en-US" sz="1000" dirty="0">
+                <a:solidFill>
+                  <a:prstClr val="black"/>
+                </a:solidFill>
+              </a:rPr>
+              <a:t>&lt;&lt;Include&gt;&gt;</a:t>
+            </a:r>
+          </a:p>
+        </p:txBody>
+      </p:sp>
+      <p:cxnSp>
+        <p:nvCxnSpPr>
+          <p:cNvPr id="42" name="Straight Arrow Connector 41">
+            <a:extLst>
+              <a:ext uri="{FF2B5EF4-FFF2-40B4-BE49-F238E27FC236}">
+                <a16:creationId xmlns:a16="http://schemas.microsoft.com/office/drawing/2014/main" id="{88F95870-550E-ED47-B6B1-E9E92646ED15}"/>
+              </a:ext>
+            </a:extLst>
+          </p:cNvPr>
+          <p:cNvCxnSpPr>
+            <a:cxnSpLocks/>
+            <a:stCxn id="139" idx="6"/>
+            <a:endCxn id="47" idx="2"/>
+          </p:cNvCxnSpPr>
+          <p:nvPr/>
+        </p:nvCxnSpPr>
+        <p:spPr>
+          <a:xfrm>
+            <a:off x="4842632" y="5138476"/>
+            <a:ext cx="820267" cy="927408"/>
+          </a:xfrm>
+          <a:prstGeom prst="straightConnector1">
+            <a:avLst/>
+          </a:prstGeom>
+          <a:ln w="57150">
+            <a:headEnd type="none" w="med" len="med"/>
+            <a:tailEnd type="triangle" w="med" len="med"/>
+          </a:ln>
+        </p:spPr>
+        <p:style>
+          <a:lnRef idx="1">
+            <a:schemeClr val="accent1"/>
+          </a:lnRef>
+          <a:fillRef idx="0">
+            <a:schemeClr val="accent1"/>
+          </a:fillRef>
+          <a:effectRef idx="0">
+            <a:schemeClr val="accent1"/>
+          </a:effectRef>
+          <a:fontRef idx="minor">
+            <a:schemeClr val="tx1"/>
+          </a:fontRef>
+        </p:style>
+      </p:cxnSp>
+      <p:sp>
+        <p:nvSpPr>
+          <p:cNvPr id="47" name="Oval 46">
+            <a:extLst>
+              <a:ext uri="{FF2B5EF4-FFF2-40B4-BE49-F238E27FC236}">
+                <a16:creationId xmlns:a16="http://schemas.microsoft.com/office/drawing/2014/main" id="{26A40785-0CFB-4D48-BCC1-F65E72D0D4B5}"/>
+              </a:ext>
+            </a:extLst>
+          </p:cNvPr>
+          <p:cNvSpPr/>
+          <p:nvPr/>
+        </p:nvSpPr>
+        <p:spPr>
+          <a:xfrm>
+            <a:off x="5662899" y="5702761"/>
+            <a:ext cx="1411367" cy="726245"/>
+          </a:xfrm>
+          <a:prstGeom prst="ellipse">
+            <a:avLst/>
+          </a:prstGeom>
+          <a:solidFill>
+            <a:srgbClr val="16B999"/>
+          </a:solidFill>
+          <a:ln>
+            <a:noFill/>
+          </a:ln>
+        </p:spPr>
+        <p:style>
+          <a:lnRef idx="2">
+            <a:schemeClr val="accent1">
+              <a:shade val="50000"/>
+            </a:schemeClr>
+          </a:lnRef>
+          <a:fillRef idx="1">
+            <a:schemeClr val="accent1"/>
+          </a:fillRef>
+          <a:effectRef idx="0">
+            <a:schemeClr val="accent1"/>
+          </a:effectRef>
+          <a:fontRef idx="minor">
+            <a:schemeClr val="lt1"/>
+          </a:fontRef>
+        </p:style>
+        <p:txBody>
+          <a:bodyPr rtlCol="0" anchor="ctr"/>
+          <a:lstStyle/>
+          <a:p>
+            <a:pPr algn="ctr"/>
+            <a:r>
+              <a:rPr lang="en-US" sz="1100" dirty="0"/>
+              <a:t>Increase / Decrease Volume</a:t>
+            </a:r>
+          </a:p>
+        </p:txBody>
+      </p:sp>
+      <p:sp>
+        <p:nvSpPr>
+          <p:cNvPr id="48" name="Oval 47">
+            <a:extLst>
+              <a:ext uri="{FF2B5EF4-FFF2-40B4-BE49-F238E27FC236}">
+                <a16:creationId xmlns:a16="http://schemas.microsoft.com/office/drawing/2014/main" id="{91ED4140-AC83-D44B-AC87-0A360BD91DE7}"/>
+              </a:ext>
+            </a:extLst>
+          </p:cNvPr>
+          <p:cNvSpPr/>
+          <p:nvPr/>
+        </p:nvSpPr>
+        <p:spPr>
+          <a:xfrm>
+            <a:off x="8262927" y="5702760"/>
+            <a:ext cx="1411367" cy="726245"/>
+          </a:xfrm>
+          <a:prstGeom prst="ellipse">
+            <a:avLst/>
+          </a:prstGeom>
+          <a:solidFill>
+            <a:srgbClr val="16B999"/>
+          </a:solidFill>
+          <a:ln>
+            <a:noFill/>
+          </a:ln>
+        </p:spPr>
+        <p:style>
+          <a:lnRef idx="2">
+            <a:schemeClr val="accent1">
+              <a:shade val="50000"/>
+            </a:schemeClr>
+          </a:lnRef>
+          <a:fillRef idx="1">
+            <a:schemeClr val="accent1"/>
+          </a:fillRef>
+          <a:effectRef idx="0">
+            <a:schemeClr val="accent1"/>
+          </a:effectRef>
+          <a:fontRef idx="minor">
+            <a:schemeClr val="lt1"/>
+          </a:fontRef>
+        </p:style>
+        <p:txBody>
+          <a:bodyPr rtlCol="0" anchor="ctr"/>
+          <a:lstStyle/>
+          <a:p>
+            <a:pPr algn="ctr"/>
+            <a:r>
+              <a:rPr lang="en-US" sz="1200" dirty="0"/>
+              <a:t>Update System Volume</a:t>
+            </a:r>
+          </a:p>
+        </p:txBody>
+      </p:sp>
+      <p:cxnSp>
+        <p:nvCxnSpPr>
+          <p:cNvPr id="49" name="Straight Arrow Connector 48">
+            <a:extLst>
+              <a:ext uri="{FF2B5EF4-FFF2-40B4-BE49-F238E27FC236}">
+                <a16:creationId xmlns:a16="http://schemas.microsoft.com/office/drawing/2014/main" id="{FDA1DA0B-98E7-6B4A-86C6-2C304E4BD8FD}"/>
+              </a:ext>
+            </a:extLst>
+          </p:cNvPr>
+          <p:cNvCxnSpPr>
+            <a:cxnSpLocks/>
+            <a:stCxn id="47" idx="6"/>
+            <a:endCxn id="48" idx="2"/>
+          </p:cNvCxnSpPr>
+          <p:nvPr/>
+        </p:nvCxnSpPr>
+        <p:spPr>
+          <a:xfrm flipV="1">
+            <a:off x="7074266" y="6065883"/>
+            <a:ext cx="1188661" cy="1"/>
+          </a:xfrm>
+          <a:prstGeom prst="straightConnector1">
+            <a:avLst/>
+          </a:prstGeom>
+          <a:ln w="57150">
+            <a:prstDash val="sysDot"/>
+            <a:tailEnd type="triangle"/>
+          </a:ln>
+        </p:spPr>
+        <p:style>
+          <a:lnRef idx="1">
+            <a:schemeClr val="accent1"/>
+          </a:lnRef>
+          <a:fillRef idx="0">
+            <a:schemeClr val="accent1"/>
+          </a:fillRef>
+          <a:effectRef idx="0">
+            <a:schemeClr val="accent1"/>
+          </a:effectRef>
+          <a:fontRef idx="minor">
+            <a:schemeClr val="tx1"/>
+          </a:fontRef>
+        </p:style>
+      </p:cxnSp>
+      <p:sp>
+        <p:nvSpPr>
+          <p:cNvPr id="50" name="Rectangle 49">
+            <a:extLst>
+              <a:ext uri="{FF2B5EF4-FFF2-40B4-BE49-F238E27FC236}">
+                <a16:creationId xmlns:a16="http://schemas.microsoft.com/office/drawing/2014/main" id="{6051F6A2-5DC0-C54C-8C86-B6EDB2EDC3D8}"/>
+              </a:ext>
+            </a:extLst>
+          </p:cNvPr>
+          <p:cNvSpPr/>
+          <p:nvPr/>
+        </p:nvSpPr>
+        <p:spPr>
+          <a:xfrm>
+            <a:off x="7149580" y="5916424"/>
+            <a:ext cx="816871" cy="270916"/>
+          </a:xfrm>
+          <a:prstGeom prst="rect">
+            <a:avLst/>
+          </a:prstGeom>
+          <a:solidFill>
+            <a:schemeClr val="bg1"/>
+          </a:solidFill>
+          <a:ln>
+            <a:noFill/>
+          </a:ln>
+        </p:spPr>
+        <p:style>
+          <a:lnRef idx="2">
+            <a:schemeClr val="accent1">
+              <a:shade val="50000"/>
+            </a:schemeClr>
+          </a:lnRef>
+          <a:fillRef idx="1">
+            <a:schemeClr val="accent1"/>
+          </a:fillRef>
+          <a:effectRef idx="0">
+            <a:schemeClr val="accent1"/>
+          </a:effectRef>
+          <a:fontRef idx="minor">
+            <a:schemeClr val="lt1"/>
+          </a:fontRef>
+        </p:style>
+        <p:txBody>
+          <a:bodyPr rtlCol="0" anchor="ctr"/>
+          <a:lstStyle/>
+          <a:p>
+            <a:pPr lvl="0"/>
+            <a:r>
+              <a:rPr lang="en-US" sz="1000" dirty="0">
+                <a:solidFill>
+                  <a:prstClr val="black"/>
+                </a:solidFill>
+              </a:rPr>
+              <a:t>&lt;&lt;Include&gt;&gt;</a:t>
+            </a:r>
+          </a:p>
+        </p:txBody>
+      </p:sp>
+    </p:spTree>
+    <p:extLst>
+      <p:ext uri="{BB962C8B-B14F-4D97-AF65-F5344CB8AC3E}">
+        <p14:creationId xmlns:p14="http://schemas.microsoft.com/office/powerpoint/2010/main" val="355508333"/>
+      </p:ext>
+    </p:extLst>
+  </p:cSld>
+  <p:clrMapOvr>
+    <a:masterClrMapping/>
+  </p:clrMapOvr>
+</p:sld>
+</file>
+
+<file path=ppt/slides/slide5.xml><?xml version="1.0" encoding="utf-8"?>
+<p:sld xmlns:a="http://schemas.openxmlformats.org/drawingml/2006/main" xmlns:r="http://schemas.openxmlformats.org/officeDocument/2006/relationships" xmlns:p="http://schemas.openxmlformats.org/presentationml/2006/main">
+  <p:cSld>
+    <p:spTree>
+      <p:nvGrpSpPr>
+        <p:cNvPr id="1" name=""/>
+        <p:cNvGrpSpPr/>
+        <p:nvPr/>
+      </p:nvGrpSpPr>
+      <p:grpSpPr>
+        <a:xfrm>
+          <a:off x="0" y="0"/>
+          <a:ext cx="0" cy="0"/>
+          <a:chOff x="0" y="0"/>
+          <a:chExt cx="0" cy="0"/>
+        </a:xfrm>
+      </p:grpSpPr>
+      <p:sp>
+        <p:nvSpPr>
+          <p:cNvPr id="15" name="Frame 14">
+            <a:extLst>
+              <a:ext uri="{FF2B5EF4-FFF2-40B4-BE49-F238E27FC236}">
+                <a16:creationId xmlns:a16="http://schemas.microsoft.com/office/drawing/2014/main" id="{529E946C-E977-9A4A-89EB-8E1B57CAB4D9}"/>
+              </a:ext>
+            </a:extLst>
+          </p:cNvPr>
+          <p:cNvSpPr/>
+          <p:nvPr/>
+        </p:nvSpPr>
+        <p:spPr>
+          <a:xfrm>
+            <a:off x="1378040" y="222372"/>
+            <a:ext cx="9297297" cy="6515084"/>
+          </a:xfrm>
+          <a:prstGeom prst="frame">
+            <a:avLst>
+              <a:gd name="adj1" fmla="val 2244"/>
+            </a:avLst>
+          </a:prstGeom>
+          <a:solidFill>
+            <a:schemeClr val="tx1">
+              <a:lumMod val="65000"/>
+              <a:lumOff val="35000"/>
+            </a:schemeClr>
+          </a:solidFill>
+          <a:ln>
+            <a:noFill/>
+          </a:ln>
+        </p:spPr>
+        <p:style>
+          <a:lnRef idx="2">
+            <a:schemeClr val="accent1">
+              <a:shade val="50000"/>
+            </a:schemeClr>
+          </a:lnRef>
+          <a:fillRef idx="1">
+            <a:schemeClr val="accent1"/>
+          </a:fillRef>
+          <a:effectRef idx="0">
+            <a:schemeClr val="accent1"/>
+          </a:effectRef>
+          <a:fontRef idx="minor">
+            <a:schemeClr val="lt1"/>
+          </a:fontRef>
+        </p:style>
+        <p:txBody>
+          <a:bodyPr rtlCol="0" anchor="ctr"/>
+          <a:lstStyle/>
+          <a:p>
+            <a:pPr algn="ctr"/>
+            <a:endParaRPr lang="en-US">
+              <a:solidFill>
+                <a:schemeClr val="tx1"/>
+              </a:solidFill>
+            </a:endParaRPr>
+          </a:p>
+        </p:txBody>
+      </p:sp>
+      <p:pic>
+        <p:nvPicPr>
+          <p:cNvPr id="16" name="Picture 15">
+            <a:extLst>
+              <a:ext uri="{FF2B5EF4-FFF2-40B4-BE49-F238E27FC236}">
+                <a16:creationId xmlns:a16="http://schemas.microsoft.com/office/drawing/2014/main" id="{55474024-5E3D-2A4D-806B-FFF6E1365D25}"/>
               </a:ext>
             </a:extLst>
           </p:cNvPr>
@@ -8672,8 +11280,8 @@
         </p:blipFill>
         <p:spPr>
           <a:xfrm>
-            <a:off x="105295" y="2530707"/>
-            <a:ext cx="1175415" cy="2200776"/>
+            <a:off x="1674594" y="407038"/>
+            <a:ext cx="1560719" cy="296449"/>
           </a:xfrm>
           <a:prstGeom prst="rect">
             <a:avLst/>
@@ -8682,10 +11290,10 @@
       </p:pic>
       <p:sp>
         <p:nvSpPr>
-          <p:cNvPr id="44" name="Oval 43">
-            <a:extLst>
-              <a:ext uri="{FF2B5EF4-FFF2-40B4-BE49-F238E27FC236}">
-                <a16:creationId xmlns:a16="http://schemas.microsoft.com/office/drawing/2014/main" id="{698FCB25-6E1D-E544-ABAB-08D7BF915A14}"/>
+          <p:cNvPr id="21" name="Oval 20">
+            <a:extLst>
+              <a:ext uri="{FF2B5EF4-FFF2-40B4-BE49-F238E27FC236}">
+                <a16:creationId xmlns:a16="http://schemas.microsoft.com/office/drawing/2014/main" id="{7A5F77B4-1A3C-D64B-B4ED-352191D9734E}"/>
               </a:ext>
             </a:extLst>
           </p:cNvPr>
@@ -8694,7 +11302,7 @@
         </p:nvSpPr>
         <p:spPr>
           <a:xfrm>
-            <a:off x="3102922" y="990375"/>
+            <a:off x="3824437" y="959306"/>
             <a:ext cx="1411367" cy="726245"/>
           </a:xfrm>
           <a:prstGeom prst="ellipse">
@@ -8730,6 +11338,91 @@
             <a:pPr algn="ctr"/>
             <a:r>
               <a:rPr lang="en-US" sz="1200" dirty="0"/>
+              <a:t>Input Music From Computer</a:t>
+            </a:r>
+          </a:p>
+        </p:txBody>
+      </p:sp>
+      <p:pic>
+        <p:nvPicPr>
+          <p:cNvPr id="39" name="Picture 38">
+            <a:extLst>
+              <a:ext uri="{FF2B5EF4-FFF2-40B4-BE49-F238E27FC236}">
+                <a16:creationId xmlns:a16="http://schemas.microsoft.com/office/drawing/2014/main" id="{B97A1B59-2ED9-6146-B5C3-80A935D2D1EA}"/>
+              </a:ext>
+            </a:extLst>
+          </p:cNvPr>
+          <p:cNvPicPr>
+            <a:picLocks noChangeAspect="1"/>
+          </p:cNvPicPr>
+          <p:nvPr/>
+        </p:nvPicPr>
+        <p:blipFill>
+          <a:blip r:embed="rId4"/>
+          <a:stretch>
+            <a:fillRect/>
+          </a:stretch>
+        </p:blipFill>
+        <p:spPr>
+          <a:xfrm>
+            <a:off x="117592" y="2735828"/>
+            <a:ext cx="785910" cy="1471491"/>
+          </a:xfrm>
+          <a:prstGeom prst="rect">
+            <a:avLst/>
+          </a:prstGeom>
+        </p:spPr>
+      </p:pic>
+      <p:sp>
+        <p:nvSpPr>
+          <p:cNvPr id="44" name="Oval 43">
+            <a:extLst>
+              <a:ext uri="{FF2B5EF4-FFF2-40B4-BE49-F238E27FC236}">
+                <a16:creationId xmlns:a16="http://schemas.microsoft.com/office/drawing/2014/main" id="{698FCB25-6E1D-E544-ABAB-08D7BF915A14}"/>
+              </a:ext>
+            </a:extLst>
+          </p:cNvPr>
+          <p:cNvSpPr/>
+          <p:nvPr/>
+        </p:nvSpPr>
+        <p:spPr>
+          <a:xfrm>
+            <a:off x="1674594" y="952894"/>
+            <a:ext cx="1411367" cy="726245"/>
+          </a:xfrm>
+          <a:prstGeom prst="ellipse">
+            <a:avLst/>
+          </a:prstGeom>
+          <a:solidFill>
+            <a:srgbClr val="16B999"/>
+          </a:solidFill>
+          <a:ln>
+            <a:noFill/>
+          </a:ln>
+        </p:spPr>
+        <p:style>
+          <a:lnRef idx="2">
+            <a:schemeClr val="accent1">
+              <a:shade val="50000"/>
+            </a:schemeClr>
+          </a:lnRef>
+          <a:fillRef idx="1">
+            <a:schemeClr val="accent1"/>
+          </a:fillRef>
+          <a:effectRef idx="0">
+            <a:schemeClr val="accent1"/>
+          </a:effectRef>
+          <a:fontRef idx="minor">
+            <a:schemeClr val="lt1"/>
+          </a:fontRef>
+        </p:style>
+        <p:txBody>
+          <a:bodyPr rtlCol="0" anchor="ctr"/>
+          <a:lstStyle/>
+          <a:p>
+            <a:pPr algn="ctr"/>
+            <a:r>
+              <a:rPr lang="en-US" sz="1200" dirty="0"/>
               <a:t>Open Application</a:t>
             </a:r>
           </a:p>
@@ -8752,9 +11445,9 @@
           <p:nvPr/>
         </p:nvCxnSpPr>
         <p:spPr>
-          <a:xfrm flipV="1">
-            <a:off x="4514289" y="1346722"/>
-            <a:ext cx="1148611" cy="6776"/>
+          <a:xfrm>
+            <a:off x="3085961" y="1316017"/>
+            <a:ext cx="738476" cy="6412"/>
           </a:xfrm>
           <a:prstGeom prst="straightConnector1">
             <a:avLst/>
@@ -8796,8 +11489,8 @@
         </p:nvCxnSpPr>
         <p:spPr>
           <a:xfrm flipV="1">
-            <a:off x="1280710" y="1353498"/>
-            <a:ext cx="1822212" cy="2277597"/>
+            <a:off x="903502" y="1316017"/>
+            <a:ext cx="771092" cy="2155557"/>
           </a:xfrm>
           <a:prstGeom prst="straightConnector1">
             <a:avLst/>
@@ -8840,8 +11533,8 @@
         </p:nvCxnSpPr>
         <p:spPr>
           <a:xfrm flipV="1">
-            <a:off x="5054394" y="2263840"/>
-            <a:ext cx="608508" cy="942646"/>
+            <a:off x="3618436" y="2513872"/>
+            <a:ext cx="1436406" cy="1053440"/>
           </a:xfrm>
           <a:prstGeom prst="straightConnector1">
             <a:avLst/>
@@ -8884,8 +11577,8 @@
         </p:nvCxnSpPr>
         <p:spPr>
           <a:xfrm flipV="1">
-            <a:off x="7074267" y="5128771"/>
-            <a:ext cx="3601071" cy="19411"/>
+            <a:off x="5437668" y="5090582"/>
+            <a:ext cx="5263322" cy="10413"/>
           </a:xfrm>
           <a:prstGeom prst="straightConnector1">
             <a:avLst/>
@@ -8924,7 +11617,7 @@
         </p:nvSpPr>
         <p:spPr>
           <a:xfrm>
-            <a:off x="10675338" y="4765648"/>
+            <a:off x="10700990" y="4727459"/>
             <a:ext cx="1411367" cy="726245"/>
           </a:xfrm>
           <a:prstGeom prst="ellipse">
@@ -8995,7 +11688,7 @@
           <a:p>
             <a:r>
               <a:rPr lang="en-US" dirty="0"/>
-              <a:t>Attempt 4</a:t>
+              <a:t>Attempt 5</a:t>
             </a:r>
           </a:p>
         </p:txBody>
@@ -9014,7 +11707,7 @@
         </p:nvSpPr>
         <p:spPr>
           <a:xfrm>
-            <a:off x="5662902" y="1900717"/>
+            <a:off x="5054842" y="2150749"/>
             <a:ext cx="1411367" cy="726245"/>
           </a:xfrm>
           <a:prstGeom prst="ellipse">
@@ -9069,7 +11762,7 @@
         </p:nvSpPr>
         <p:spPr>
           <a:xfrm>
-            <a:off x="5662901" y="2844605"/>
+            <a:off x="5054841" y="3094637"/>
             <a:ext cx="1411367" cy="726245"/>
           </a:xfrm>
           <a:prstGeom prst="ellipse">
@@ -9124,7 +11817,7 @@
         </p:nvSpPr>
         <p:spPr>
           <a:xfrm>
-            <a:off x="5662900" y="3788493"/>
+            <a:off x="5054840" y="4038525"/>
             <a:ext cx="1411367" cy="726245"/>
           </a:xfrm>
           <a:prstGeom prst="ellipse">
@@ -9179,7 +11872,7 @@
         </p:nvSpPr>
         <p:spPr>
           <a:xfrm>
-            <a:off x="5662900" y="4785059"/>
+            <a:off x="4026301" y="4737872"/>
             <a:ext cx="1411367" cy="726245"/>
           </a:xfrm>
           <a:prstGeom prst="ellipse">
@@ -9237,9 +11930,9 @@
           <p:nvPr/>
         </p:nvCxnSpPr>
         <p:spPr>
-          <a:xfrm>
-            <a:off x="5054394" y="3206486"/>
-            <a:ext cx="608507" cy="1242"/>
+          <a:xfrm flipV="1">
+            <a:off x="3618436" y="3457760"/>
+            <a:ext cx="1436405" cy="109552"/>
           </a:xfrm>
           <a:prstGeom prst="straightConnector1">
             <a:avLst/>
@@ -9282,8 +11975,8 @@
         </p:nvCxnSpPr>
         <p:spPr>
           <a:xfrm>
-            <a:off x="5054394" y="3206486"/>
-            <a:ext cx="608506" cy="945130"/>
+            <a:off x="3618436" y="3567312"/>
+            <a:ext cx="1436404" cy="834336"/>
           </a:xfrm>
           <a:prstGeom prst="straightConnector1">
             <a:avLst/>
@@ -9326,8 +12019,8 @@
         </p:nvCxnSpPr>
         <p:spPr>
           <a:xfrm>
-            <a:off x="1280710" y="3631095"/>
-            <a:ext cx="2527895" cy="1507381"/>
+            <a:off x="903502" y="3471574"/>
+            <a:ext cx="1476775" cy="1629421"/>
           </a:xfrm>
           <a:prstGeom prst="straightConnector1">
             <a:avLst/>
@@ -9366,7 +12059,7 @@
         </p:nvSpPr>
         <p:spPr>
           <a:xfrm>
-            <a:off x="8745630" y="2858159"/>
+            <a:off x="8137570" y="3108191"/>
             <a:ext cx="1411367" cy="726245"/>
           </a:xfrm>
           <a:prstGeom prst="ellipse">
@@ -9425,7 +12118,7 @@
         </p:nvCxnSpPr>
         <p:spPr>
           <a:xfrm flipV="1">
-            <a:off x="7074267" y="3478048"/>
+            <a:off x="6466207" y="3728080"/>
             <a:ext cx="1878053" cy="673568"/>
           </a:xfrm>
           <a:prstGeom prst="straightConnector1">
@@ -9469,7 +12162,7 @@
         </p:nvCxnSpPr>
         <p:spPr>
           <a:xfrm>
-            <a:off x="7074268" y="3207728"/>
+            <a:off x="6466208" y="3457760"/>
             <a:ext cx="1671362" cy="13554"/>
           </a:xfrm>
           <a:prstGeom prst="straightConnector1">
@@ -9509,7 +12202,7 @@
         </p:nvSpPr>
         <p:spPr>
           <a:xfrm>
-            <a:off x="7368403" y="3111393"/>
+            <a:off x="6760343" y="3361425"/>
             <a:ext cx="816871" cy="270916"/>
           </a:xfrm>
           <a:prstGeom prst="rect">
@@ -9568,7 +12261,7 @@
         </p:nvSpPr>
         <p:spPr>
           <a:xfrm>
-            <a:off x="7501513" y="3731282"/>
+            <a:off x="6893453" y="3981314"/>
             <a:ext cx="816871" cy="270916"/>
           </a:xfrm>
           <a:prstGeom prst="rect">
@@ -9627,7 +12320,7 @@
         </p:nvSpPr>
         <p:spPr>
           <a:xfrm>
-            <a:off x="8469617" y="4091928"/>
+            <a:off x="7861557" y="4341960"/>
             <a:ext cx="1204677" cy="632907"/>
           </a:xfrm>
           <a:prstGeom prst="ellipse">
@@ -9686,7 +12379,7 @@
         </p:nvCxnSpPr>
         <p:spPr>
           <a:xfrm flipH="1">
-            <a:off x="6867577" y="4408382"/>
+            <a:off x="6259517" y="4658414"/>
             <a:ext cx="1602040" cy="0"/>
           </a:xfrm>
           <a:prstGeom prst="straightConnector1">
@@ -9726,7 +12419,7 @@
         </p:nvSpPr>
         <p:spPr>
           <a:xfrm>
-            <a:off x="7368403" y="4269392"/>
+            <a:off x="6760343" y="4519424"/>
             <a:ext cx="816871" cy="270916"/>
           </a:xfrm>
           <a:prstGeom prst="rect">
@@ -9788,9 +12481,9 @@
           <p:nvPr/>
         </p:nvCxnSpPr>
         <p:spPr>
-          <a:xfrm>
-            <a:off x="7074269" y="2263840"/>
-            <a:ext cx="1894342" cy="6776"/>
+          <a:xfrm flipV="1">
+            <a:off x="6466209" y="2496214"/>
+            <a:ext cx="1395348" cy="17658"/>
           </a:xfrm>
           <a:prstGeom prst="straightConnector1">
             <a:avLst/>
@@ -9829,7 +12522,7 @@
         </p:nvSpPr>
         <p:spPr>
           <a:xfrm>
-            <a:off x="7549798" y="2098500"/>
+            <a:off x="6797951" y="2370121"/>
             <a:ext cx="816871" cy="270916"/>
           </a:xfrm>
           <a:prstGeom prst="rect">
@@ -9888,7 +12581,7 @@
         </p:nvSpPr>
         <p:spPr>
           <a:xfrm>
-            <a:off x="8968611" y="1907493"/>
+            <a:off x="7861557" y="2133091"/>
             <a:ext cx="1411367" cy="726245"/>
           </a:xfrm>
           <a:prstGeom prst="ellipse">
@@ -9924,54 +12617,11 @@
             <a:pPr algn="ctr"/>
             <a:r>
               <a:rPr lang="en-US" sz="1200" dirty="0"/>
-              <a:t>Resets Ongoing to Main Screen</a:t>
-            </a:r>
-          </a:p>
-        </p:txBody>
-      </p:sp>
-      <p:cxnSp>
-        <p:nvCxnSpPr>
-          <p:cNvPr id="123" name="Straight Arrow Connector 122">
-            <a:extLst>
-              <a:ext uri="{FF2B5EF4-FFF2-40B4-BE49-F238E27FC236}">
-                <a16:creationId xmlns:a16="http://schemas.microsoft.com/office/drawing/2014/main" id="{1E7F7BDE-D214-4A43-9585-7B8D4183EAAC}"/>
-              </a:ext>
-            </a:extLst>
-          </p:cNvPr>
-          <p:cNvCxnSpPr>
-            <a:cxnSpLocks/>
-            <a:endCxn id="21" idx="6"/>
-          </p:cNvCxnSpPr>
-          <p:nvPr/>
-        </p:nvCxnSpPr>
-        <p:spPr>
-          <a:xfrm flipH="1" flipV="1">
-            <a:off x="7074267" y="1346722"/>
-            <a:ext cx="1846455" cy="897055"/>
-          </a:xfrm>
-          <a:prstGeom prst="straightConnector1">
-            <a:avLst/>
-          </a:prstGeom>
-          <a:ln w="57150">
-            <a:prstDash val="solid"/>
-            <a:tailEnd type="triangle"/>
-          </a:ln>
-        </p:spPr>
-        <p:style>
-          <a:lnRef idx="1">
-            <a:schemeClr val="accent1"/>
-          </a:lnRef>
-          <a:fillRef idx="0">
-            <a:schemeClr val="accent1"/>
-          </a:fillRef>
-          <a:effectRef idx="0">
-            <a:schemeClr val="accent1"/>
-          </a:effectRef>
-          <a:fontRef idx="minor">
-            <a:schemeClr val="tx1"/>
-          </a:fontRef>
-        </p:style>
-      </p:cxnSp>
+              <a:t>Discard Ongoing Audio</a:t>
+            </a:r>
+          </a:p>
+        </p:txBody>
+      </p:sp>
       <p:sp>
         <p:nvSpPr>
           <p:cNvPr id="139" name="Oval 138">
@@ -9986,7 +12636,7 @@
         </p:nvSpPr>
         <p:spPr>
           <a:xfrm>
-            <a:off x="3808605" y="4878842"/>
+            <a:off x="2380277" y="4841361"/>
             <a:ext cx="1034027" cy="519268"/>
           </a:xfrm>
           <a:prstGeom prst="ellipse">
@@ -10041,7 +12691,7 @@
         </p:nvSpPr>
         <p:spPr>
           <a:xfrm>
-            <a:off x="3643027" y="2843363"/>
+            <a:off x="2207069" y="3204189"/>
             <a:ext cx="1411367" cy="726245"/>
           </a:xfrm>
           <a:prstGeom prst="ellipse">
@@ -10100,8 +12750,8 @@
         </p:nvCxnSpPr>
         <p:spPr>
           <a:xfrm flipH="1">
-            <a:off x="4325619" y="3569608"/>
-            <a:ext cx="23092" cy="1309234"/>
+            <a:off x="2897291" y="3930434"/>
+            <a:ext cx="15462" cy="910927"/>
           </a:xfrm>
           <a:prstGeom prst="straightConnector1">
             <a:avLst/>
@@ -10145,8 +12795,8 @@
         </p:nvCxnSpPr>
         <p:spPr>
           <a:xfrm>
-            <a:off x="4842632" y="5138476"/>
-            <a:ext cx="820268" cy="9706"/>
+            <a:off x="3414304" y="5100995"/>
+            <a:ext cx="611997" cy="0"/>
           </a:xfrm>
           <a:prstGeom prst="straightConnector1">
             <a:avLst/>
@@ -10185,7 +12835,7 @@
         </p:nvSpPr>
         <p:spPr>
           <a:xfrm>
-            <a:off x="3982448" y="4068422"/>
+            <a:off x="2554120" y="4030941"/>
             <a:ext cx="732525" cy="277795"/>
           </a:xfrm>
           <a:prstGeom prst="rect">
@@ -10248,7 +12898,7 @@
         </p:nvCxnSpPr>
         <p:spPr>
           <a:xfrm flipH="1">
-            <a:off x="4325617" y="5398110"/>
+            <a:off x="2897289" y="5360629"/>
             <a:ext cx="2" cy="487811"/>
           </a:xfrm>
           <a:prstGeom prst="straightConnector1">
@@ -10289,7 +12939,7 @@
         </p:nvSpPr>
         <p:spPr>
           <a:xfrm>
-            <a:off x="3655555" y="5885921"/>
+            <a:off x="2227227" y="5848440"/>
             <a:ext cx="1340124" cy="676373"/>
           </a:xfrm>
           <a:prstGeom prst="ellipse">
@@ -10344,7 +12994,7 @@
         </p:nvSpPr>
         <p:spPr>
           <a:xfrm>
-            <a:off x="3917182" y="5449531"/>
+            <a:off x="2488854" y="5412050"/>
             <a:ext cx="816871" cy="270916"/>
           </a:xfrm>
           <a:prstGeom prst="rect">
@@ -10400,15 +13050,15 @@
           </p:cNvPr>
           <p:cNvCxnSpPr>
             <a:cxnSpLocks/>
-            <a:stCxn id="139" idx="6"/>
-            <a:endCxn id="47" idx="2"/>
+            <a:stCxn id="139" idx="5"/>
+            <a:endCxn id="47" idx="1"/>
           </p:cNvCxnSpPr>
           <p:nvPr/>
         </p:nvCxnSpPr>
         <p:spPr>
           <a:xfrm>
-            <a:off x="4842632" y="5138476"/>
-            <a:ext cx="820267" cy="927408"/>
+            <a:off x="3262874" y="5284584"/>
+            <a:ext cx="729213" cy="595865"/>
           </a:xfrm>
           <a:prstGeom prst="straightConnector1">
             <a:avLst/>
@@ -10447,7 +13097,7 @@
         </p:nvSpPr>
         <p:spPr>
           <a:xfrm>
-            <a:off x="5662899" y="5702761"/>
+            <a:off x="3785397" y="5774093"/>
             <a:ext cx="1411367" cy="726245"/>
           </a:xfrm>
           <a:prstGeom prst="ellipse">
@@ -10483,7 +13133,7 @@
             <a:pPr algn="ctr"/>
             <a:r>
               <a:rPr lang="en-US" sz="1100" dirty="0"/>
-              <a:t>Increase / Decrease Volume</a:t>
+              <a:t>Volume</a:t>
             </a:r>
           </a:p>
         </p:txBody>
@@ -10502,7 +13152,7 @@
         </p:nvSpPr>
         <p:spPr>
           <a:xfrm>
-            <a:off x="8262927" y="5702760"/>
+            <a:off x="5314157" y="5255983"/>
             <a:ext cx="1411367" cy="726245"/>
           </a:xfrm>
           <a:prstGeom prst="ellipse">
@@ -10538,8 +13188,13 @@
             <a:pPr algn="ctr"/>
             <a:r>
               <a:rPr lang="en-US" sz="1200" dirty="0"/>
-              <a:t>Update System Volume</a:t>
-            </a:r>
+              <a:t>Pop-up </a:t>
+            </a:r>
+            <a:r>
+              <a:rPr lang="en-US" sz="1200" dirty="0" err="1"/>
+              <a:t>JFrame</a:t>
+            </a:r>
+            <a:endParaRPr lang="en-US" sz="1200" dirty="0"/>
           </a:p>
         </p:txBody>
       </p:sp>
@@ -10554,15 +13209,62 @@
           </p:cNvPr>
           <p:cNvCxnSpPr>
             <a:cxnSpLocks/>
-            <a:stCxn id="47" idx="6"/>
+            <a:stCxn id="47" idx="7"/>
             <a:endCxn id="48" idx="2"/>
           </p:cNvCxnSpPr>
           <p:nvPr/>
         </p:nvCxnSpPr>
         <p:spPr>
           <a:xfrm flipV="1">
-            <a:off x="7074266" y="6065883"/>
-            <a:ext cx="1188661" cy="1"/>
+            <a:off x="4990074" y="5619106"/>
+            <a:ext cx="324083" cy="261343"/>
+          </a:xfrm>
+          <a:prstGeom prst="straightConnector1">
+            <a:avLst/>
+          </a:prstGeom>
+          <a:ln w="57150">
+            <a:solidFill>
+              <a:schemeClr val="accent1"/>
+            </a:solidFill>
+            <a:prstDash val="solid"/>
+            <a:tailEnd type="triangle"/>
+          </a:ln>
+        </p:spPr>
+        <p:style>
+          <a:lnRef idx="1">
+            <a:schemeClr val="accent1"/>
+          </a:lnRef>
+          <a:fillRef idx="0">
+            <a:schemeClr val="accent1"/>
+          </a:fillRef>
+          <a:effectRef idx="0">
+            <a:schemeClr val="accent1"/>
+          </a:effectRef>
+          <a:fontRef idx="minor">
+            <a:schemeClr val="tx1"/>
+          </a:fontRef>
+        </p:style>
+      </p:cxnSp>
+      <p:cxnSp>
+        <p:nvCxnSpPr>
+          <p:cNvPr id="51" name="Straight Arrow Connector 50">
+            <a:extLst>
+              <a:ext uri="{FF2B5EF4-FFF2-40B4-BE49-F238E27FC236}">
+                <a16:creationId xmlns:a16="http://schemas.microsoft.com/office/drawing/2014/main" id="{808A466C-951E-6A4B-9824-5674CE6CBCB1}"/>
+              </a:ext>
+            </a:extLst>
+          </p:cNvPr>
+          <p:cNvCxnSpPr>
+            <a:cxnSpLocks/>
+            <a:stCxn id="140" idx="0"/>
+            <a:endCxn id="53" idx="4"/>
+          </p:cNvCxnSpPr>
+          <p:nvPr/>
+        </p:nvCxnSpPr>
+        <p:spPr>
+          <a:xfrm flipH="1" flipV="1">
+            <a:off x="2557020" y="2475282"/>
+            <a:ext cx="355733" cy="728907"/>
           </a:xfrm>
           <a:prstGeom prst="straightConnector1">
             <a:avLst/>
@@ -10589,10 +13291,10 @@
       </p:cxnSp>
       <p:sp>
         <p:nvSpPr>
-          <p:cNvPr id="50" name="Rectangle 49">
-            <a:extLst>
-              <a:ext uri="{FF2B5EF4-FFF2-40B4-BE49-F238E27FC236}">
-                <a16:creationId xmlns:a16="http://schemas.microsoft.com/office/drawing/2014/main" id="{6051F6A2-5DC0-C54C-8C86-B6EDB2EDC3D8}"/>
+          <p:cNvPr id="52" name="Rectangle 51">
+            <a:extLst>
+              <a:ext uri="{FF2B5EF4-FFF2-40B4-BE49-F238E27FC236}">
+                <a16:creationId xmlns:a16="http://schemas.microsoft.com/office/drawing/2014/main" id="{61373B81-624D-CD49-BCC1-C26E758694EC}"/>
               </a:ext>
             </a:extLst>
           </p:cNvPr>
@@ -10601,7 +13303,7 @@
         </p:nvSpPr>
         <p:spPr>
           <a:xfrm>
-            <a:off x="7149580" y="5916424"/>
+            <a:off x="2269090" y="2724689"/>
             <a:ext cx="816871" cy="270916"/>
           </a:xfrm>
           <a:prstGeom prst="rect">
@@ -10646,10 +13348,722 @@
           </a:p>
         </p:txBody>
       </p:sp>
+      <p:sp>
+        <p:nvSpPr>
+          <p:cNvPr id="53" name="Oval 52">
+            <a:extLst>
+              <a:ext uri="{FF2B5EF4-FFF2-40B4-BE49-F238E27FC236}">
+                <a16:creationId xmlns:a16="http://schemas.microsoft.com/office/drawing/2014/main" id="{A8D9E74D-4011-B94A-99C5-D157C016AF27}"/>
+              </a:ext>
+            </a:extLst>
+          </p:cNvPr>
+          <p:cNvSpPr/>
+          <p:nvPr/>
+        </p:nvSpPr>
+        <p:spPr>
+          <a:xfrm>
+            <a:off x="1761841" y="1749037"/>
+            <a:ext cx="1590358" cy="726245"/>
+          </a:xfrm>
+          <a:prstGeom prst="ellipse">
+            <a:avLst/>
+          </a:prstGeom>
+          <a:solidFill>
+            <a:srgbClr val="16B999"/>
+          </a:solidFill>
+          <a:ln>
+            <a:noFill/>
+          </a:ln>
+        </p:spPr>
+        <p:style>
+          <a:lnRef idx="2">
+            <a:schemeClr val="accent1">
+              <a:shade val="50000"/>
+            </a:schemeClr>
+          </a:lnRef>
+          <a:fillRef idx="1">
+            <a:schemeClr val="accent1"/>
+          </a:fillRef>
+          <a:effectRef idx="0">
+            <a:schemeClr val="accent1"/>
+          </a:effectRef>
+          <a:fontRef idx="minor">
+            <a:schemeClr val="lt1"/>
+          </a:fontRef>
+        </p:style>
+        <p:txBody>
+          <a:bodyPr rtlCol="0" anchor="ctr"/>
+          <a:lstStyle/>
+          <a:p>
+            <a:pPr algn="ctr"/>
+            <a:r>
+              <a:rPr lang="en-US" sz="1100" dirty="0"/>
+              <a:t>Show Message Dialogue (Error)</a:t>
+            </a:r>
+          </a:p>
+        </p:txBody>
+      </p:sp>
+      <p:sp>
+        <p:nvSpPr>
+          <p:cNvPr id="82" name="Oval 81">
+            <a:extLst>
+              <a:ext uri="{FF2B5EF4-FFF2-40B4-BE49-F238E27FC236}">
+                <a16:creationId xmlns:a16="http://schemas.microsoft.com/office/drawing/2014/main" id="{A8D681B1-3C05-114D-B9A1-4520F09F46DD}"/>
+              </a:ext>
+            </a:extLst>
+          </p:cNvPr>
+          <p:cNvSpPr/>
+          <p:nvPr/>
+        </p:nvSpPr>
+        <p:spPr>
+          <a:xfrm>
+            <a:off x="5886312" y="970639"/>
+            <a:ext cx="1411367" cy="726245"/>
+          </a:xfrm>
+          <a:prstGeom prst="ellipse">
+            <a:avLst/>
+          </a:prstGeom>
+          <a:solidFill>
+            <a:srgbClr val="16B999"/>
+          </a:solidFill>
+          <a:ln>
+            <a:noFill/>
+          </a:ln>
+        </p:spPr>
+        <p:style>
+          <a:lnRef idx="2">
+            <a:schemeClr val="accent1">
+              <a:shade val="50000"/>
+            </a:schemeClr>
+          </a:lnRef>
+          <a:fillRef idx="1">
+            <a:schemeClr val="accent1"/>
+          </a:fillRef>
+          <a:effectRef idx="0">
+            <a:schemeClr val="accent1"/>
+          </a:effectRef>
+          <a:fontRef idx="minor">
+            <a:schemeClr val="lt1"/>
+          </a:fontRef>
+        </p:style>
+        <p:txBody>
+          <a:bodyPr rtlCol="0" anchor="ctr"/>
+          <a:lstStyle/>
+          <a:p>
+            <a:pPr algn="ctr"/>
+            <a:r>
+              <a:rPr lang="en-US" sz="1200" dirty="0"/>
+              <a:t>Check if file is wav or mp3</a:t>
+            </a:r>
+          </a:p>
+        </p:txBody>
+      </p:sp>
+      <p:cxnSp>
+        <p:nvCxnSpPr>
+          <p:cNvPr id="84" name="Straight Arrow Connector 83">
+            <a:extLst>
+              <a:ext uri="{FF2B5EF4-FFF2-40B4-BE49-F238E27FC236}">
+                <a16:creationId xmlns:a16="http://schemas.microsoft.com/office/drawing/2014/main" id="{6F2E7379-9532-D74F-A487-8B7D21AD5186}"/>
+              </a:ext>
+            </a:extLst>
+          </p:cNvPr>
+          <p:cNvCxnSpPr>
+            <a:cxnSpLocks/>
+            <a:stCxn id="21" idx="6"/>
+            <a:endCxn id="82" idx="2"/>
+          </p:cNvCxnSpPr>
+          <p:nvPr/>
+        </p:nvCxnSpPr>
+        <p:spPr>
+          <a:xfrm>
+            <a:off x="5235804" y="1322429"/>
+            <a:ext cx="650508" cy="11333"/>
+          </a:xfrm>
+          <a:prstGeom prst="straightConnector1">
+            <a:avLst/>
+          </a:prstGeom>
+          <a:ln w="57150">
+            <a:prstDash val="solid"/>
+            <a:tailEnd type="triangle"/>
+          </a:ln>
+        </p:spPr>
+        <p:style>
+          <a:lnRef idx="1">
+            <a:schemeClr val="accent1"/>
+          </a:lnRef>
+          <a:fillRef idx="0">
+            <a:schemeClr val="accent1"/>
+          </a:fillRef>
+          <a:effectRef idx="0">
+            <a:schemeClr val="accent1"/>
+          </a:effectRef>
+          <a:fontRef idx="minor">
+            <a:schemeClr val="tx1"/>
+          </a:fontRef>
+        </p:style>
+      </p:cxnSp>
+      <p:sp>
+        <p:nvSpPr>
+          <p:cNvPr id="94" name="Oval 93">
+            <a:extLst>
+              <a:ext uri="{FF2B5EF4-FFF2-40B4-BE49-F238E27FC236}">
+                <a16:creationId xmlns:a16="http://schemas.microsoft.com/office/drawing/2014/main" id="{612E2A5E-F948-D64A-A1AC-36F4B3AAB8E4}"/>
+              </a:ext>
+            </a:extLst>
+          </p:cNvPr>
+          <p:cNvSpPr/>
+          <p:nvPr/>
+        </p:nvSpPr>
+        <p:spPr>
+          <a:xfrm>
+            <a:off x="6995238" y="5748912"/>
+            <a:ext cx="1411367" cy="726245"/>
+          </a:xfrm>
+          <a:prstGeom prst="ellipse">
+            <a:avLst/>
+          </a:prstGeom>
+          <a:solidFill>
+            <a:srgbClr val="16B999"/>
+          </a:solidFill>
+          <a:ln>
+            <a:noFill/>
+          </a:ln>
+        </p:spPr>
+        <p:style>
+          <a:lnRef idx="2">
+            <a:schemeClr val="accent1">
+              <a:shade val="50000"/>
+            </a:schemeClr>
+          </a:lnRef>
+          <a:fillRef idx="1">
+            <a:schemeClr val="accent1"/>
+          </a:fillRef>
+          <a:effectRef idx="0">
+            <a:schemeClr val="accent1"/>
+          </a:effectRef>
+          <a:fontRef idx="minor">
+            <a:schemeClr val="lt1"/>
+          </a:fontRef>
+        </p:style>
+        <p:txBody>
+          <a:bodyPr rtlCol="0" anchor="ctr"/>
+          <a:lstStyle/>
+          <a:p>
+            <a:pPr algn="ctr"/>
+            <a:r>
+              <a:rPr lang="en-US" sz="1200" dirty="0"/>
+              <a:t>Increase / Decrease Volume</a:t>
+            </a:r>
+          </a:p>
+        </p:txBody>
+      </p:sp>
+      <p:cxnSp>
+        <p:nvCxnSpPr>
+          <p:cNvPr id="98" name="Straight Arrow Connector 97">
+            <a:extLst>
+              <a:ext uri="{FF2B5EF4-FFF2-40B4-BE49-F238E27FC236}">
+                <a16:creationId xmlns:a16="http://schemas.microsoft.com/office/drawing/2014/main" id="{7F92CF65-4878-8A4E-8292-266A387F9753}"/>
+              </a:ext>
+            </a:extLst>
+          </p:cNvPr>
+          <p:cNvCxnSpPr>
+            <a:cxnSpLocks/>
+            <a:stCxn id="48" idx="5"/>
+            <a:endCxn id="94" idx="2"/>
+          </p:cNvCxnSpPr>
+          <p:nvPr/>
+        </p:nvCxnSpPr>
+        <p:spPr>
+          <a:xfrm>
+            <a:off x="6518834" y="5875872"/>
+            <a:ext cx="476404" cy="236163"/>
+          </a:xfrm>
+          <a:prstGeom prst="straightConnector1">
+            <a:avLst/>
+          </a:prstGeom>
+          <a:ln w="57150">
+            <a:prstDash val="solid"/>
+            <a:tailEnd type="triangle"/>
+          </a:ln>
+        </p:spPr>
+        <p:style>
+          <a:lnRef idx="1">
+            <a:schemeClr val="accent1"/>
+          </a:lnRef>
+          <a:fillRef idx="0">
+            <a:schemeClr val="accent1"/>
+          </a:fillRef>
+          <a:effectRef idx="0">
+            <a:schemeClr val="accent1"/>
+          </a:effectRef>
+          <a:fontRef idx="minor">
+            <a:schemeClr val="tx1"/>
+          </a:fontRef>
+        </p:style>
+      </p:cxnSp>
+      <p:sp>
+        <p:nvSpPr>
+          <p:cNvPr id="124" name="Oval 123">
+            <a:extLst>
+              <a:ext uri="{FF2B5EF4-FFF2-40B4-BE49-F238E27FC236}">
+                <a16:creationId xmlns:a16="http://schemas.microsoft.com/office/drawing/2014/main" id="{2FD5DA76-D003-D245-9711-4FF50659921E}"/>
+              </a:ext>
+            </a:extLst>
+          </p:cNvPr>
+          <p:cNvSpPr/>
+          <p:nvPr/>
+        </p:nvSpPr>
+        <p:spPr>
+          <a:xfrm>
+            <a:off x="9051842" y="5196681"/>
+            <a:ext cx="1411367" cy="726245"/>
+          </a:xfrm>
+          <a:prstGeom prst="ellipse">
+            <a:avLst/>
+          </a:prstGeom>
+          <a:solidFill>
+            <a:srgbClr val="16B999"/>
+          </a:solidFill>
+          <a:ln>
+            <a:noFill/>
+          </a:ln>
+        </p:spPr>
+        <p:style>
+          <a:lnRef idx="2">
+            <a:schemeClr val="accent1">
+              <a:shade val="50000"/>
+            </a:schemeClr>
+          </a:lnRef>
+          <a:fillRef idx="1">
+            <a:schemeClr val="accent1"/>
+          </a:fillRef>
+          <a:effectRef idx="0">
+            <a:schemeClr val="accent1"/>
+          </a:effectRef>
+          <a:fontRef idx="minor">
+            <a:schemeClr val="lt1"/>
+          </a:fontRef>
+        </p:style>
+        <p:txBody>
+          <a:bodyPr rtlCol="0" anchor="ctr"/>
+          <a:lstStyle/>
+          <a:p>
+            <a:pPr algn="ctr"/>
+            <a:r>
+              <a:rPr lang="en-US" sz="1200" dirty="0"/>
+              <a:t>Update System Volume</a:t>
+            </a:r>
+          </a:p>
+        </p:txBody>
+      </p:sp>
+      <p:cxnSp>
+        <p:nvCxnSpPr>
+          <p:cNvPr id="125" name="Straight Arrow Connector 124">
+            <a:extLst>
+              <a:ext uri="{FF2B5EF4-FFF2-40B4-BE49-F238E27FC236}">
+                <a16:creationId xmlns:a16="http://schemas.microsoft.com/office/drawing/2014/main" id="{EE78D6EA-7220-E04C-A7EE-22FFF14EAD2E}"/>
+              </a:ext>
+            </a:extLst>
+          </p:cNvPr>
+          <p:cNvCxnSpPr>
+            <a:cxnSpLocks/>
+            <a:stCxn id="94" idx="7"/>
+            <a:endCxn id="124" idx="2"/>
+          </p:cNvCxnSpPr>
+          <p:nvPr/>
+        </p:nvCxnSpPr>
+        <p:spPr>
+          <a:xfrm flipV="1">
+            <a:off x="8199915" y="5559804"/>
+            <a:ext cx="851927" cy="295464"/>
+          </a:xfrm>
+          <a:prstGeom prst="straightConnector1">
+            <a:avLst/>
+          </a:prstGeom>
+          <a:ln w="57150">
+            <a:prstDash val="sysDot"/>
+            <a:tailEnd type="triangle"/>
+          </a:ln>
+        </p:spPr>
+        <p:style>
+          <a:lnRef idx="1">
+            <a:schemeClr val="accent1"/>
+          </a:lnRef>
+          <a:fillRef idx="0">
+            <a:schemeClr val="accent1"/>
+          </a:fillRef>
+          <a:effectRef idx="0">
+            <a:schemeClr val="accent1"/>
+          </a:effectRef>
+          <a:fontRef idx="minor">
+            <a:schemeClr val="tx1"/>
+          </a:fontRef>
+        </p:style>
+      </p:cxnSp>
+      <p:sp>
+        <p:nvSpPr>
+          <p:cNvPr id="126" name="Rectangle 125">
+            <a:extLst>
+              <a:ext uri="{FF2B5EF4-FFF2-40B4-BE49-F238E27FC236}">
+                <a16:creationId xmlns:a16="http://schemas.microsoft.com/office/drawing/2014/main" id="{1FD7DD96-41A8-834B-AD73-12CBDBA7086C}"/>
+              </a:ext>
+            </a:extLst>
+          </p:cNvPr>
+          <p:cNvSpPr/>
+          <p:nvPr/>
+        </p:nvSpPr>
+        <p:spPr>
+          <a:xfrm>
+            <a:off x="7997702" y="5476265"/>
+            <a:ext cx="816871" cy="270916"/>
+          </a:xfrm>
+          <a:prstGeom prst="rect">
+            <a:avLst/>
+          </a:prstGeom>
+          <a:solidFill>
+            <a:schemeClr val="bg1"/>
+          </a:solidFill>
+          <a:ln>
+            <a:noFill/>
+          </a:ln>
+        </p:spPr>
+        <p:style>
+          <a:lnRef idx="2">
+            <a:schemeClr val="accent1">
+              <a:shade val="50000"/>
+            </a:schemeClr>
+          </a:lnRef>
+          <a:fillRef idx="1">
+            <a:schemeClr val="accent1"/>
+          </a:fillRef>
+          <a:effectRef idx="0">
+            <a:schemeClr val="accent1"/>
+          </a:effectRef>
+          <a:fontRef idx="minor">
+            <a:schemeClr val="lt1"/>
+          </a:fontRef>
+        </p:style>
+        <p:txBody>
+          <a:bodyPr rtlCol="0" anchor="ctr"/>
+          <a:lstStyle/>
+          <a:p>
+            <a:pPr lvl="0"/>
+            <a:r>
+              <a:rPr lang="en-US" sz="1000" dirty="0">
+                <a:solidFill>
+                  <a:prstClr val="black"/>
+                </a:solidFill>
+              </a:rPr>
+              <a:t>&lt;&lt;Include&gt;&gt;</a:t>
+            </a:r>
+          </a:p>
+        </p:txBody>
+      </p:sp>
+      <p:cxnSp>
+        <p:nvCxnSpPr>
+          <p:cNvPr id="143" name="Straight Arrow Connector 142">
+            <a:extLst>
+              <a:ext uri="{FF2B5EF4-FFF2-40B4-BE49-F238E27FC236}">
+                <a16:creationId xmlns:a16="http://schemas.microsoft.com/office/drawing/2014/main" id="{D5785F7D-2BD3-E347-9D91-31DD1A099554}"/>
+              </a:ext>
+            </a:extLst>
+          </p:cNvPr>
+          <p:cNvCxnSpPr>
+            <a:cxnSpLocks/>
+            <a:stCxn id="82" idx="7"/>
+            <a:endCxn id="157" idx="2"/>
+          </p:cNvCxnSpPr>
+          <p:nvPr/>
+        </p:nvCxnSpPr>
+        <p:spPr>
+          <a:xfrm flipV="1">
+            <a:off x="7090989" y="821439"/>
+            <a:ext cx="1836536" cy="255556"/>
+          </a:xfrm>
+          <a:prstGeom prst="straightConnector1">
+            <a:avLst/>
+          </a:prstGeom>
+          <a:ln w="57150">
+            <a:prstDash val="sysDot"/>
+            <a:tailEnd type="triangle"/>
+          </a:ln>
+        </p:spPr>
+        <p:style>
+          <a:lnRef idx="1">
+            <a:schemeClr val="accent1"/>
+          </a:lnRef>
+          <a:fillRef idx="0">
+            <a:schemeClr val="accent1"/>
+          </a:fillRef>
+          <a:effectRef idx="0">
+            <a:schemeClr val="accent1"/>
+          </a:effectRef>
+          <a:fontRef idx="minor">
+            <a:schemeClr val="tx1"/>
+          </a:fontRef>
+        </p:style>
+      </p:cxnSp>
+      <p:sp>
+        <p:nvSpPr>
+          <p:cNvPr id="157" name="Oval 156">
+            <a:extLst>
+              <a:ext uri="{FF2B5EF4-FFF2-40B4-BE49-F238E27FC236}">
+                <a16:creationId xmlns:a16="http://schemas.microsoft.com/office/drawing/2014/main" id="{36B43C00-ABAA-014C-8609-D8FC98B83744}"/>
+              </a:ext>
+            </a:extLst>
+          </p:cNvPr>
+          <p:cNvSpPr/>
+          <p:nvPr/>
+        </p:nvSpPr>
+        <p:spPr>
+          <a:xfrm>
+            <a:off x="8927525" y="458316"/>
+            <a:ext cx="1411367" cy="726245"/>
+          </a:xfrm>
+          <a:prstGeom prst="ellipse">
+            <a:avLst/>
+          </a:prstGeom>
+          <a:solidFill>
+            <a:srgbClr val="16B999"/>
+          </a:solidFill>
+          <a:ln>
+            <a:noFill/>
+          </a:ln>
+        </p:spPr>
+        <p:style>
+          <a:lnRef idx="2">
+            <a:schemeClr val="accent1">
+              <a:shade val="50000"/>
+            </a:schemeClr>
+          </a:lnRef>
+          <a:fillRef idx="1">
+            <a:schemeClr val="accent1"/>
+          </a:fillRef>
+          <a:effectRef idx="0">
+            <a:schemeClr val="accent1"/>
+          </a:effectRef>
+          <a:fontRef idx="minor">
+            <a:schemeClr val="lt1"/>
+          </a:fontRef>
+        </p:style>
+        <p:txBody>
+          <a:bodyPr rtlCol="0" anchor="ctr"/>
+          <a:lstStyle/>
+          <a:p>
+            <a:pPr algn="ctr"/>
+            <a:r>
+              <a:rPr lang="en-US" sz="1100" dirty="0"/>
+              <a:t>Remove </a:t>
+            </a:r>
+            <a:r>
+              <a:rPr lang="en-US" sz="1100"/>
+              <a:t>Volume Button</a:t>
+            </a:r>
+            <a:endParaRPr lang="en-US" sz="1100" dirty="0"/>
+          </a:p>
+        </p:txBody>
+      </p:sp>
+      <p:sp>
+        <p:nvSpPr>
+          <p:cNvPr id="148" name="Rectangle 147">
+            <a:extLst>
+              <a:ext uri="{FF2B5EF4-FFF2-40B4-BE49-F238E27FC236}">
+                <a16:creationId xmlns:a16="http://schemas.microsoft.com/office/drawing/2014/main" id="{54F1A783-166D-8B4A-B6D1-9B865E17DC46}"/>
+              </a:ext>
+            </a:extLst>
+          </p:cNvPr>
+          <p:cNvSpPr/>
+          <p:nvPr/>
+        </p:nvSpPr>
+        <p:spPr>
+          <a:xfrm>
+            <a:off x="7502651" y="1365855"/>
+            <a:ext cx="2046286" cy="713883"/>
+          </a:xfrm>
+          <a:prstGeom prst="rect">
+            <a:avLst/>
+          </a:prstGeom>
+          <a:noFill/>
+          <a:ln w="28575">
+            <a:solidFill>
+              <a:schemeClr val="accent1"/>
+            </a:solidFill>
+            <a:prstDash val="sysDash"/>
+          </a:ln>
+        </p:spPr>
+        <p:style>
+          <a:lnRef idx="2">
+            <a:schemeClr val="accent1">
+              <a:shade val="50000"/>
+            </a:schemeClr>
+          </a:lnRef>
+          <a:fillRef idx="1">
+            <a:schemeClr val="accent1"/>
+          </a:fillRef>
+          <a:effectRef idx="0">
+            <a:schemeClr val="accent1"/>
+          </a:effectRef>
+          <a:fontRef idx="minor">
+            <a:schemeClr val="lt1"/>
+          </a:fontRef>
+        </p:style>
+        <p:txBody>
+          <a:bodyPr rtlCol="0" anchor="ctr"/>
+          <a:lstStyle/>
+          <a:p>
+            <a:pPr algn="ctr"/>
+            <a:r>
+              <a:rPr lang="en-US" sz="1200" dirty="0">
+                <a:solidFill>
+                  <a:schemeClr val="tx1"/>
+                </a:solidFill>
+              </a:rPr>
+              <a:t>If file is mp3</a:t>
+            </a:r>
+            <a:br>
+              <a:rPr lang="en-US" sz="1200" dirty="0">
+                <a:solidFill>
+                  <a:schemeClr val="tx1"/>
+                </a:solidFill>
+              </a:rPr>
+            </a:br>
+            <a:r>
+              <a:rPr lang="en-US" sz="1200" dirty="0">
+                <a:solidFill>
+                  <a:schemeClr val="tx1"/>
+                </a:solidFill>
+              </a:rPr>
+              <a:t> otherwise</a:t>
+            </a:r>
+            <a:br>
+              <a:rPr lang="en-US" sz="1200" dirty="0">
+                <a:solidFill>
+                  <a:schemeClr val="tx1"/>
+                </a:solidFill>
+              </a:rPr>
+            </a:br>
+            <a:r>
+              <a:rPr lang="en-US" sz="1200" dirty="0">
+                <a:solidFill>
+                  <a:schemeClr val="tx1"/>
+                </a:solidFill>
+              </a:rPr>
+              <a:t> if it is wav then include</a:t>
+            </a:r>
+          </a:p>
+        </p:txBody>
+      </p:sp>
+      <p:sp>
+        <p:nvSpPr>
+          <p:cNvPr id="160" name="Rectangle 159">
+            <a:extLst>
+              <a:ext uri="{FF2B5EF4-FFF2-40B4-BE49-F238E27FC236}">
+                <a16:creationId xmlns:a16="http://schemas.microsoft.com/office/drawing/2014/main" id="{E245A0D2-30B3-0349-AB0C-4194E967BC0A}"/>
+              </a:ext>
+            </a:extLst>
+          </p:cNvPr>
+          <p:cNvSpPr/>
+          <p:nvPr/>
+        </p:nvSpPr>
+        <p:spPr>
+          <a:xfrm>
+            <a:off x="7464950" y="821438"/>
+            <a:ext cx="816871" cy="270916"/>
+          </a:xfrm>
+          <a:prstGeom prst="rect">
+            <a:avLst/>
+          </a:prstGeom>
+          <a:solidFill>
+            <a:schemeClr val="bg1"/>
+          </a:solidFill>
+          <a:ln>
+            <a:noFill/>
+          </a:ln>
+        </p:spPr>
+        <p:style>
+          <a:lnRef idx="2">
+            <a:schemeClr val="accent1">
+              <a:shade val="50000"/>
+            </a:schemeClr>
+          </a:lnRef>
+          <a:fillRef idx="1">
+            <a:schemeClr val="accent1"/>
+          </a:fillRef>
+          <a:effectRef idx="0">
+            <a:schemeClr val="accent1"/>
+          </a:effectRef>
+          <a:fontRef idx="minor">
+            <a:schemeClr val="lt1"/>
+          </a:fontRef>
+        </p:style>
+        <p:txBody>
+          <a:bodyPr rtlCol="0" anchor="ctr"/>
+          <a:lstStyle/>
+          <a:p>
+            <a:pPr lvl="0"/>
+            <a:r>
+              <a:rPr lang="en-US" sz="1000" dirty="0">
+                <a:solidFill>
+                  <a:prstClr val="black"/>
+                </a:solidFill>
+              </a:rPr>
+              <a:t>&lt;&lt;Extend&gt;&gt;</a:t>
+            </a:r>
+          </a:p>
+        </p:txBody>
+      </p:sp>
+      <p:cxnSp>
+        <p:nvCxnSpPr>
+          <p:cNvPr id="161" name="Straight Arrow Connector 160">
+            <a:extLst>
+              <a:ext uri="{FF2B5EF4-FFF2-40B4-BE49-F238E27FC236}">
+                <a16:creationId xmlns:a16="http://schemas.microsoft.com/office/drawing/2014/main" id="{FB3A96C4-5F8B-F242-93C5-2D485ACEEC8A}"/>
+              </a:ext>
+            </a:extLst>
+          </p:cNvPr>
+          <p:cNvCxnSpPr>
+            <a:cxnSpLocks/>
+            <a:stCxn id="148" idx="0"/>
+            <a:endCxn id="160" idx="2"/>
+          </p:cNvCxnSpPr>
+          <p:nvPr/>
+        </p:nvCxnSpPr>
+        <p:spPr>
+          <a:xfrm flipH="1" flipV="1">
+            <a:off x="7873386" y="1092354"/>
+            <a:ext cx="652408" cy="273501"/>
+          </a:xfrm>
+          <a:prstGeom prst="straightConnector1">
+            <a:avLst/>
+          </a:prstGeom>
+          <a:ln w="28575">
+            <a:solidFill>
+              <a:schemeClr val="accent1"/>
+            </a:solidFill>
+            <a:prstDash val="sysDash"/>
+            <a:headEnd type="none" w="med" len="med"/>
+            <a:tailEnd type="none" w="med" len="med"/>
+          </a:ln>
+        </p:spPr>
+        <p:style>
+          <a:lnRef idx="1">
+            <a:schemeClr val="accent1"/>
+          </a:lnRef>
+          <a:fillRef idx="0">
+            <a:schemeClr val="accent1"/>
+          </a:fillRef>
+          <a:effectRef idx="0">
+            <a:schemeClr val="accent1"/>
+          </a:effectRef>
+          <a:fontRef idx="minor">
+            <a:schemeClr val="tx1"/>
+          </a:fontRef>
+        </p:style>
+      </p:cxnSp>
     </p:spTree>
     <p:extLst>
       <p:ext uri="{BB962C8B-B14F-4D97-AF65-F5344CB8AC3E}">
-        <p14:creationId xmlns:p14="http://schemas.microsoft.com/office/powerpoint/2010/main" val="355508333"/>
+        <p14:creationId xmlns:p14="http://schemas.microsoft.com/office/powerpoint/2010/main" val="313404333"/>
       </p:ext>
     </p:extLst>
   </p:cSld>
@@ -10952,4 +14366,299 @@
     </a:ext>
   </a:extLst>
 </a:theme>
+</file>
+
+<file path=ppt/theme/theme2.xml><?xml version="1.0" encoding="utf-8"?>
+<a:theme xmlns:a="http://schemas.openxmlformats.org/drawingml/2006/main" name="Office Theme">
+  <a:themeElements>
+    <a:clrScheme name="Office">
+      <a:dk1>
+        <a:sysClr val="windowText" lastClr="000000"/>
+      </a:dk1>
+      <a:lt1>
+        <a:sysClr val="window" lastClr="FFFFFF"/>
+      </a:lt1>
+      <a:dk2>
+        <a:srgbClr val="44546A"/>
+      </a:dk2>
+      <a:lt2>
+        <a:srgbClr val="E7E6E6"/>
+      </a:lt2>
+      <a:accent1>
+        <a:srgbClr val="4472C4"/>
+      </a:accent1>
+      <a:accent2>
+        <a:srgbClr val="ED7D31"/>
+      </a:accent2>
+      <a:accent3>
+        <a:srgbClr val="A5A5A5"/>
+      </a:accent3>
+      <a:accent4>
+        <a:srgbClr val="FFC000"/>
+      </a:accent4>
+      <a:accent5>
+        <a:srgbClr val="5B9BD5"/>
+      </a:accent5>
+      <a:accent6>
+        <a:srgbClr val="70AD47"/>
+      </a:accent6>
+      <a:hlink>
+        <a:srgbClr val="0563C1"/>
+      </a:hlink>
+      <a:folHlink>
+        <a:srgbClr val="954F72"/>
+      </a:folHlink>
+    </a:clrScheme>
+    <a:fontScheme name="Office">
+      <a:majorFont>
+        <a:latin typeface="Calibri Light" panose="020F0302020204030204"/>
+        <a:ea typeface=""/>
+        <a:cs typeface=""/>
+        <a:font script="Jpan" typeface="游ゴシック Light"/>
+        <a:font script="Hang" typeface="맑은 고딕"/>
+        <a:font script="Hans" typeface="等线 Light"/>
+        <a:font script="Hant" typeface="新細明體"/>
+        <a:font script="Arab" typeface="Times New Roman"/>
+        <a:font script="Hebr" typeface="Times New Roman"/>
+        <a:font script="Thai" typeface="Angsana New"/>
+        <a:font script="Ethi" typeface="Nyala"/>
+        <a:font script="Beng" typeface="Vrinda"/>
+        <a:font script="Gujr" typeface="Shruti"/>
+        <a:font script="Khmr" typeface="MoolBoran"/>
+        <a:font script="Knda" typeface="Tunga"/>
+        <a:font script="Guru" typeface="Raavi"/>
+        <a:font script="Cans" typeface="Euphemia"/>
+        <a:font script="Cher" typeface="Plantagenet Cherokee"/>
+        <a:font script="Yiii" typeface="Microsoft Yi Baiti"/>
+        <a:font script="Tibt" typeface="Microsoft Himalaya"/>
+        <a:font script="Thaa" typeface="MV Boli"/>
+        <a:font script="Deva" typeface="Mangal"/>
+        <a:font script="Telu" typeface="Gautami"/>
+        <a:font script="Taml" typeface="Latha"/>
+        <a:font script="Syrc" typeface="Estrangelo Edessa"/>
+        <a:font script="Orya" typeface="Kalinga"/>
+        <a:font script="Mlym" typeface="Kartika"/>
+        <a:font script="Laoo" typeface="DokChampa"/>
+        <a:font script="Sinh" typeface="Iskoola Pota"/>
+        <a:font script="Mong" typeface="Mongolian Baiti"/>
+        <a:font script="Viet" typeface="Times New Roman"/>
+        <a:font script="Uigh" typeface="Microsoft Uighur"/>
+        <a:font script="Geor" typeface="Sylfaen"/>
+        <a:font script="Armn" typeface="Arial"/>
+        <a:font script="Bugi" typeface="Leelawadee UI"/>
+        <a:font script="Bopo" typeface="Microsoft JhengHei"/>
+        <a:font script="Java" typeface="Javanese Text"/>
+        <a:font script="Lisu" typeface="Segoe UI"/>
+        <a:font script="Mymr" typeface="Myanmar Text"/>
+        <a:font script="Nkoo" typeface="Ebrima"/>
+        <a:font script="Olck" typeface="Nirmala UI"/>
+        <a:font script="Osma" typeface="Ebrima"/>
+        <a:font script="Phag" typeface="Phagspa"/>
+        <a:font script="Syrn" typeface="Estrangelo Edessa"/>
+        <a:font script="Syrj" typeface="Estrangelo Edessa"/>
+        <a:font script="Syre" typeface="Estrangelo Edessa"/>
+        <a:font script="Sora" typeface="Nirmala UI"/>
+        <a:font script="Tale" typeface="Microsoft Tai Le"/>
+        <a:font script="Talu" typeface="Microsoft New Tai Lue"/>
+        <a:font script="Tfng" typeface="Ebrima"/>
+      </a:majorFont>
+      <a:minorFont>
+        <a:latin typeface="Calibri" panose="020F0502020204030204"/>
+        <a:ea typeface=""/>
+        <a:cs typeface=""/>
+        <a:font script="Jpan" typeface="游ゴシック"/>
+        <a:font script="Hang" typeface="맑은 고딕"/>
+        <a:font script="Hans" typeface="等线"/>
+        <a:font script="Hant" typeface="新細明體"/>
+        <a:font script="Arab" typeface="Arial"/>
+        <a:font script="Hebr" typeface="Arial"/>
+        <a:font script="Thai" typeface="Cordia New"/>
+        <a:font script="Ethi" typeface="Nyala"/>
+        <a:font script="Beng" typeface="Vrinda"/>
+        <a:font script="Gujr" typeface="Shruti"/>
+        <a:font script="Khmr" typeface="DaunPenh"/>
+        <a:font script="Knda" typeface="Tunga"/>
+        <a:font script="Guru" typeface="Raavi"/>
+        <a:font script="Cans" typeface="Euphemia"/>
+        <a:font script="Cher" typeface="Plantagenet Cherokee"/>
+        <a:font script="Yiii" typeface="Microsoft Yi Baiti"/>
+        <a:font script="Tibt" typeface="Microsoft Himalaya"/>
+        <a:font script="Thaa" typeface="MV Boli"/>
+        <a:font script="Deva" typeface="Mangal"/>
+        <a:font script="Telu" typeface="Gautami"/>
+        <a:font script="Taml" typeface="Latha"/>
+        <a:font script="Syrc" typeface="Estrangelo Edessa"/>
+        <a:font script="Orya" typeface="Kalinga"/>
+        <a:font script="Mlym" typeface="Kartika"/>
+        <a:font script="Laoo" typeface="DokChampa"/>
+        <a:font script="Sinh" typeface="Iskoola Pota"/>
+        <a:font script="Mong" typeface="Mongolian Baiti"/>
+        <a:font script="Viet" typeface="Arial"/>
+        <a:font script="Uigh" typeface="Microsoft Uighur"/>
+        <a:font script="Geor" typeface="Sylfaen"/>
+        <a:font script="Armn" typeface="Arial"/>
+        <a:font script="Bugi" typeface="Leelawadee UI"/>
+        <a:font script="Bopo" typeface="Microsoft JhengHei"/>
+        <a:font script="Java" typeface="Javanese Text"/>
+        <a:font script="Lisu" typeface="Segoe UI"/>
+        <a:font script="Mymr" typeface="Myanmar Text"/>
+        <a:font script="Nkoo" typeface="Ebrima"/>
+        <a:font script="Olck" typeface="Nirmala UI"/>
+        <a:font script="Osma" typeface="Ebrima"/>
+        <a:font script="Phag" typeface="Phagspa"/>
+        <a:font script="Syrn" typeface="Estrangelo Edessa"/>
+        <a:font script="Syrj" typeface="Estrangelo Edessa"/>
+        <a:font script="Syre" typeface="Estrangelo Edessa"/>
+        <a:font script="Sora" typeface="Nirmala UI"/>
+        <a:font script="Tale" typeface="Microsoft Tai Le"/>
+        <a:font script="Talu" typeface="Microsoft New Tai Lue"/>
+        <a:font script="Tfng" typeface="Ebrima"/>
+      </a:minorFont>
+    </a:fontScheme>
+    <a:fmtScheme name="Office">
+      <a:fillStyleLst>
+        <a:solidFill>
+          <a:schemeClr val="phClr"/>
+        </a:solidFill>
+        <a:gradFill rotWithShape="1">
+          <a:gsLst>
+            <a:gs pos="0">
+              <a:schemeClr val="phClr">
+                <a:lumMod val="110000"/>
+                <a:satMod val="105000"/>
+                <a:tint val="67000"/>
+              </a:schemeClr>
+            </a:gs>
+            <a:gs pos="50000">
+              <a:schemeClr val="phClr">
+                <a:lumMod val="105000"/>
+                <a:satMod val="103000"/>
+                <a:tint val="73000"/>
+              </a:schemeClr>
+            </a:gs>
+            <a:gs pos="100000">
+              <a:schemeClr val="phClr">
+                <a:lumMod val="105000"/>
+                <a:satMod val="109000"/>
+                <a:tint val="81000"/>
+              </a:schemeClr>
+            </a:gs>
+          </a:gsLst>
+          <a:lin ang="5400000" scaled="0"/>
+        </a:gradFill>
+        <a:gradFill rotWithShape="1">
+          <a:gsLst>
+            <a:gs pos="0">
+              <a:schemeClr val="phClr">
+                <a:satMod val="103000"/>
+                <a:lumMod val="102000"/>
+                <a:tint val="94000"/>
+              </a:schemeClr>
+            </a:gs>
+            <a:gs pos="50000">
+              <a:schemeClr val="phClr">
+                <a:satMod val="110000"/>
+                <a:lumMod val="100000"/>
+                <a:shade val="100000"/>
+              </a:schemeClr>
+            </a:gs>
+            <a:gs pos="100000">
+              <a:schemeClr val="phClr">
+                <a:lumMod val="99000"/>
+                <a:satMod val="120000"/>
+                <a:shade val="78000"/>
+              </a:schemeClr>
+            </a:gs>
+          </a:gsLst>
+          <a:lin ang="5400000" scaled="0"/>
+        </a:gradFill>
+      </a:fillStyleLst>
+      <a:lnStyleLst>
+        <a:ln w="6350" cap="flat" cmpd="sng" algn="ctr">
+          <a:solidFill>
+            <a:schemeClr val="phClr"/>
+          </a:solidFill>
+          <a:prstDash val="solid"/>
+          <a:miter lim="800000"/>
+        </a:ln>
+        <a:ln w="12700" cap="flat" cmpd="sng" algn="ctr">
+          <a:solidFill>
+            <a:schemeClr val="phClr"/>
+          </a:solidFill>
+          <a:prstDash val="solid"/>
+          <a:miter lim="800000"/>
+        </a:ln>
+        <a:ln w="19050" cap="flat" cmpd="sng" algn="ctr">
+          <a:solidFill>
+            <a:schemeClr val="phClr"/>
+          </a:solidFill>
+          <a:prstDash val="solid"/>
+          <a:miter lim="800000"/>
+        </a:ln>
+      </a:lnStyleLst>
+      <a:effectStyleLst>
+        <a:effectStyle>
+          <a:effectLst/>
+        </a:effectStyle>
+        <a:effectStyle>
+          <a:effectLst/>
+        </a:effectStyle>
+        <a:effectStyle>
+          <a:effectLst>
+            <a:outerShdw blurRad="57150" dist="19050" dir="5400000" algn="ctr" rotWithShape="0">
+              <a:srgbClr val="000000">
+                <a:alpha val="63000"/>
+              </a:srgbClr>
+            </a:outerShdw>
+          </a:effectLst>
+        </a:effectStyle>
+      </a:effectStyleLst>
+      <a:bgFillStyleLst>
+        <a:solidFill>
+          <a:schemeClr val="phClr"/>
+        </a:solidFill>
+        <a:solidFill>
+          <a:schemeClr val="phClr">
+            <a:tint val="95000"/>
+            <a:satMod val="170000"/>
+          </a:schemeClr>
+        </a:solidFill>
+        <a:gradFill rotWithShape="1">
+          <a:gsLst>
+            <a:gs pos="0">
+              <a:schemeClr val="phClr">
+                <a:tint val="93000"/>
+                <a:satMod val="150000"/>
+                <a:shade val="98000"/>
+                <a:lumMod val="102000"/>
+              </a:schemeClr>
+            </a:gs>
+            <a:gs pos="50000">
+              <a:schemeClr val="phClr">
+                <a:tint val="98000"/>
+                <a:satMod val="130000"/>
+                <a:shade val="90000"/>
+                <a:lumMod val="103000"/>
+              </a:schemeClr>
+            </a:gs>
+            <a:gs pos="100000">
+              <a:schemeClr val="phClr">
+                <a:shade val="63000"/>
+                <a:satMod val="120000"/>
+              </a:schemeClr>
+            </a:gs>
+          </a:gsLst>
+          <a:lin ang="5400000" scaled="0"/>
+        </a:gradFill>
+      </a:bgFillStyleLst>
+    </a:fmtScheme>
+  </a:themeElements>
+  <a:objectDefaults/>
+  <a:extraClrSchemeLst/>
+  <a:extLst>
+    <a:ext uri="{05A4C25C-085E-4340-85A3-A5531E510DB2}">
+      <thm15:themeFamily xmlns:thm15="http://schemas.microsoft.com/office/thememl/2012/main" name="Office Theme" id="{62F939B6-93AF-4DB8-9C6B-D6C7DFDC589F}" vid="{4A3C46E8-61CC-4603-A589-7422A47A8E4A}"/>
+    </a:ext>
+  </a:extLst>
+</a:theme>
 </file>
--- a/USE_CODE/layf.pptx
+++ b/USE_CODE/layf.pptx
@@ -13853,13 +13853,8 @@
             <a:pPr algn="ctr"/>
             <a:r>
               <a:rPr lang="en-US" sz="1100" dirty="0"/>
-              <a:t>Remove </a:t>
-            </a:r>
-            <a:r>
-              <a:rPr lang="en-US" sz="1100"/>
-              <a:t>Volume Button</a:t>
-            </a:r>
-            <a:endParaRPr lang="en-US" sz="1100" dirty="0"/>
+              <a:t>Remove Volume Button</a:t>
+            </a:r>
           </a:p>
         </p:txBody>
       </p:sp>

--- a/USE_CODE/layf.pptx
+++ b/USE_CODE/layf.pptx
@@ -201,7 +201,7 @@
           <a:p>
             <a:fld id="{3AD3A732-13D7-F54B-B6F6-B2B5915D5240}" type="datetimeFigureOut">
               <a:rPr lang="en-US" smtClean="0"/>
-              <a:t>3/17/22</a:t>
+              <a:t>3/18/22</a:t>
             </a:fld>
             <a:endParaRPr lang="en-US"/>
           </a:p>
@@ -783,7 +783,7 @@
           <a:p>
             <a:fld id="{60D63F8F-E2CD-364C-B682-C0AD5539214B}" type="datetimeFigureOut">
               <a:rPr lang="en-US" smtClean="0"/>
-              <a:t>3/17/22</a:t>
+              <a:t>3/18/22</a:t>
             </a:fld>
             <a:endParaRPr lang="en-US"/>
           </a:p>
@@ -981,7 +981,7 @@
           <a:p>
             <a:fld id="{60D63F8F-E2CD-364C-B682-C0AD5539214B}" type="datetimeFigureOut">
               <a:rPr lang="en-US" smtClean="0"/>
-              <a:t>3/17/22</a:t>
+              <a:t>3/18/22</a:t>
             </a:fld>
             <a:endParaRPr lang="en-US"/>
           </a:p>
@@ -1189,7 +1189,7 @@
           <a:p>
             <a:fld id="{60D63F8F-E2CD-364C-B682-C0AD5539214B}" type="datetimeFigureOut">
               <a:rPr lang="en-US" smtClean="0"/>
-              <a:t>3/17/22</a:t>
+              <a:t>3/18/22</a:t>
             </a:fld>
             <a:endParaRPr lang="en-US"/>
           </a:p>
@@ -1387,7 +1387,7 @@
           <a:p>
             <a:fld id="{60D63F8F-E2CD-364C-B682-C0AD5539214B}" type="datetimeFigureOut">
               <a:rPr lang="en-US" smtClean="0"/>
-              <a:t>3/17/22</a:t>
+              <a:t>3/18/22</a:t>
             </a:fld>
             <a:endParaRPr lang="en-US"/>
           </a:p>
@@ -1662,7 +1662,7 @@
           <a:p>
             <a:fld id="{60D63F8F-E2CD-364C-B682-C0AD5539214B}" type="datetimeFigureOut">
               <a:rPr lang="en-US" smtClean="0"/>
-              <a:t>3/17/22</a:t>
+              <a:t>3/18/22</a:t>
             </a:fld>
             <a:endParaRPr lang="en-US"/>
           </a:p>
@@ -1927,7 +1927,7 @@
           <a:p>
             <a:fld id="{60D63F8F-E2CD-364C-B682-C0AD5539214B}" type="datetimeFigureOut">
               <a:rPr lang="en-US" smtClean="0"/>
-              <a:t>3/17/22</a:t>
+              <a:t>3/18/22</a:t>
             </a:fld>
             <a:endParaRPr lang="en-US"/>
           </a:p>
@@ -2339,7 +2339,7 @@
           <a:p>
             <a:fld id="{60D63F8F-E2CD-364C-B682-C0AD5539214B}" type="datetimeFigureOut">
               <a:rPr lang="en-US" smtClean="0"/>
-              <a:t>3/17/22</a:t>
+              <a:t>3/18/22</a:t>
             </a:fld>
             <a:endParaRPr lang="en-US"/>
           </a:p>
@@ -2480,7 +2480,7 @@
           <a:p>
             <a:fld id="{60D63F8F-E2CD-364C-B682-C0AD5539214B}" type="datetimeFigureOut">
               <a:rPr lang="en-US" smtClean="0"/>
-              <a:t>3/17/22</a:t>
+              <a:t>3/18/22</a:t>
             </a:fld>
             <a:endParaRPr lang="en-US"/>
           </a:p>
@@ -2593,7 +2593,7 @@
           <a:p>
             <a:fld id="{60D63F8F-E2CD-364C-B682-C0AD5539214B}" type="datetimeFigureOut">
               <a:rPr lang="en-US" smtClean="0"/>
-              <a:t>3/17/22</a:t>
+              <a:t>3/18/22</a:t>
             </a:fld>
             <a:endParaRPr lang="en-US"/>
           </a:p>
@@ -2904,7 +2904,7 @@
           <a:p>
             <a:fld id="{60D63F8F-E2CD-364C-B682-C0AD5539214B}" type="datetimeFigureOut">
               <a:rPr lang="en-US" smtClean="0"/>
-              <a:t>3/17/22</a:t>
+              <a:t>3/18/22</a:t>
             </a:fld>
             <a:endParaRPr lang="en-US"/>
           </a:p>
@@ -3192,7 +3192,7 @@
           <a:p>
             <a:fld id="{60D63F8F-E2CD-364C-B682-C0AD5539214B}" type="datetimeFigureOut">
               <a:rPr lang="en-US" smtClean="0"/>
-              <a:t>3/17/22</a:t>
+              <a:t>3/18/22</a:t>
             </a:fld>
             <a:endParaRPr lang="en-US"/>
           </a:p>
@@ -3433,7 +3433,7 @@
           <a:p>
             <a:fld id="{60D63F8F-E2CD-364C-B682-C0AD5539214B}" type="datetimeFigureOut">
               <a:rPr lang="en-US" smtClean="0"/>
-              <a:t>3/17/22</a:t>
+              <a:t>3/18/22</a:t>
             </a:fld>
             <a:endParaRPr lang="en-US"/>
           </a:p>
@@ -8931,7 +8931,7 @@
             <a:pPr algn="ctr"/>
             <a:r>
               <a:rPr lang="en-US" sz="1000" dirty="0"/>
-              <a:t>Show Message Dialogue (Error)</a:t>
+              <a:t>Show Message Dialog (Error)</a:t>
             </a:r>
           </a:p>
         </p:txBody>
@@ -10846,7 +10846,7 @@
             <a:pPr algn="ctr"/>
             <a:r>
               <a:rPr lang="en-US" sz="1000" dirty="0"/>
-              <a:t>Show Message Dialogue (Error)</a:t>
+              <a:t>Show Message Dialog (Error)</a:t>
             </a:r>
           </a:p>
         </p:txBody>
@@ -11197,6 +11197,36 @@
           <a:chExt cx="0" cy="0"/>
         </a:xfrm>
       </p:grpSpPr>
+      <p:pic>
+        <p:nvPicPr>
+          <p:cNvPr id="3" name="Picture 2">
+            <a:extLst>
+              <a:ext uri="{FF2B5EF4-FFF2-40B4-BE49-F238E27FC236}">
+                <a16:creationId xmlns:a16="http://schemas.microsoft.com/office/drawing/2014/main" id="{0A087D98-F813-E44B-9572-3DA3459DE39C}"/>
+              </a:ext>
+            </a:extLst>
+          </p:cNvPr>
+          <p:cNvPicPr>
+            <a:picLocks noChangeAspect="1"/>
+          </p:cNvPicPr>
+          <p:nvPr/>
+        </p:nvPicPr>
+        <p:blipFill>
+          <a:blip r:embed="rId3"/>
+          <a:stretch>
+            <a:fillRect/>
+          </a:stretch>
+        </p:blipFill>
+        <p:spPr>
+          <a:xfrm>
+            <a:off x="-1" y="-1"/>
+            <a:ext cx="12192001" cy="6858001"/>
+          </a:xfrm>
+          <a:prstGeom prst="rect">
+            <a:avLst/>
+          </a:prstGeom>
+        </p:spPr>
+      </p:pic>
       <p:sp>
         <p:nvSpPr>
           <p:cNvPr id="15" name="Frame 14">
@@ -11273,7 +11303,7 @@
           <p:nvPr/>
         </p:nvPicPr>
         <p:blipFill>
-          <a:blip r:embed="rId3"/>
+          <a:blip r:embed="rId4"/>
           <a:stretch>
             <a:fillRect/>
           </a:stretch>
@@ -11338,7 +11368,7 @@
             <a:pPr algn="ctr"/>
             <a:r>
               <a:rPr lang="en-US" sz="1200" dirty="0"/>
-              <a:t>Input Music From Computer</a:t>
+              <a:t>Input Audio File From Computer</a:t>
             </a:r>
           </a:p>
         </p:txBody>
@@ -11358,7 +11388,7 @@
           <p:nvPr/>
         </p:nvPicPr>
         <p:blipFill>
-          <a:blip r:embed="rId4"/>
+          <a:blip r:embed="rId5"/>
           <a:stretch>
             <a:fillRect/>
           </a:stretch>
@@ -12882,30 +12912,29 @@
       </p:sp>
       <p:cxnSp>
         <p:nvCxnSpPr>
-          <p:cNvPr id="171" name="Straight Arrow Connector 170">
-            <a:extLst>
-              <a:ext uri="{FF2B5EF4-FFF2-40B4-BE49-F238E27FC236}">
-                <a16:creationId xmlns:a16="http://schemas.microsoft.com/office/drawing/2014/main" id="{5332F88E-78FF-A141-9F6C-88D9DE30C4AC}"/>
+          <p:cNvPr id="42" name="Straight Arrow Connector 41">
+            <a:extLst>
+              <a:ext uri="{FF2B5EF4-FFF2-40B4-BE49-F238E27FC236}">
+                <a16:creationId xmlns:a16="http://schemas.microsoft.com/office/drawing/2014/main" id="{88F95870-550E-ED47-B6B1-E9E92646ED15}"/>
               </a:ext>
             </a:extLst>
           </p:cNvPr>
           <p:cNvCxnSpPr>
             <a:cxnSpLocks/>
-            <a:stCxn id="139" idx="4"/>
-            <a:endCxn id="175" idx="0"/>
+            <a:stCxn id="139" idx="5"/>
+            <a:endCxn id="47" idx="1"/>
           </p:cNvCxnSpPr>
           <p:nvPr/>
         </p:nvCxnSpPr>
         <p:spPr>
-          <a:xfrm flipH="1">
-            <a:off x="2897289" y="5360629"/>
-            <a:ext cx="2" cy="487811"/>
+          <a:xfrm>
+            <a:off x="3262874" y="5284584"/>
+            <a:ext cx="729213" cy="595865"/>
           </a:xfrm>
           <a:prstGeom prst="straightConnector1">
             <a:avLst/>
           </a:prstGeom>
           <a:ln w="57150">
-            <a:prstDash val="sysDot"/>
             <a:headEnd type="none" w="med" len="med"/>
             <a:tailEnd type="triangle" w="med" len="med"/>
           </a:ln>
@@ -12927,10 +12956,10 @@
       </p:cxnSp>
       <p:sp>
         <p:nvSpPr>
-          <p:cNvPr id="175" name="Oval 174">
-            <a:extLst>
-              <a:ext uri="{FF2B5EF4-FFF2-40B4-BE49-F238E27FC236}">
-                <a16:creationId xmlns:a16="http://schemas.microsoft.com/office/drawing/2014/main" id="{C0885C9F-D5CE-414B-B986-E228AC0C26C4}"/>
+          <p:cNvPr id="47" name="Oval 46">
+            <a:extLst>
+              <a:ext uri="{FF2B5EF4-FFF2-40B4-BE49-F238E27FC236}">
+                <a16:creationId xmlns:a16="http://schemas.microsoft.com/office/drawing/2014/main" id="{26A40785-0CFB-4D48-BCC1-F65E72D0D4B5}"/>
               </a:ext>
             </a:extLst>
           </p:cNvPr>
@@ -12939,8 +12968,8 @@
         </p:nvSpPr>
         <p:spPr>
           <a:xfrm>
-            <a:off x="2227227" y="5848440"/>
-            <a:ext cx="1340124" cy="676373"/>
+            <a:off x="3785397" y="5774093"/>
+            <a:ext cx="1411367" cy="726245"/>
           </a:xfrm>
           <a:prstGeom prst="ellipse">
             <a:avLst/>
@@ -12974,18 +13003,18 @@
           <a:p>
             <a:pPr algn="ctr"/>
             <a:r>
-              <a:rPr lang="en-US" sz="1000" dirty="0"/>
-              <a:t>Show Message Dialogue (Error)</a:t>
-            </a:r>
-          </a:p>
-        </p:txBody>
-      </p:sp>
-      <p:sp>
-        <p:nvSpPr>
-          <p:cNvPr id="178" name="Rectangle 177">
-            <a:extLst>
-              <a:ext uri="{FF2B5EF4-FFF2-40B4-BE49-F238E27FC236}">
-                <a16:creationId xmlns:a16="http://schemas.microsoft.com/office/drawing/2014/main" id="{86835904-B107-0F43-8546-37D3C0138860}"/>
+              <a:rPr lang="en-US" sz="1100" dirty="0"/>
+              <a:t>Volume</a:t>
+            </a:r>
+          </a:p>
+        </p:txBody>
+      </p:sp>
+      <p:sp>
+        <p:nvSpPr>
+          <p:cNvPr id="48" name="Oval 47">
+            <a:extLst>
+              <a:ext uri="{FF2B5EF4-FFF2-40B4-BE49-F238E27FC236}">
+                <a16:creationId xmlns:a16="http://schemas.microsoft.com/office/drawing/2014/main" id="{91ED4140-AC83-D44B-AC87-0A360BD91DE7}"/>
               </a:ext>
             </a:extLst>
           </p:cNvPr>
@@ -12994,7 +13023,158 @@
         </p:nvSpPr>
         <p:spPr>
           <a:xfrm>
-            <a:off x="2488854" y="5412050"/>
+            <a:off x="5434033" y="5269378"/>
+            <a:ext cx="1411367" cy="726245"/>
+          </a:xfrm>
+          <a:prstGeom prst="ellipse">
+            <a:avLst/>
+          </a:prstGeom>
+          <a:solidFill>
+            <a:srgbClr val="16B999"/>
+          </a:solidFill>
+          <a:ln>
+            <a:noFill/>
+          </a:ln>
+        </p:spPr>
+        <p:style>
+          <a:lnRef idx="2">
+            <a:schemeClr val="accent1">
+              <a:shade val="50000"/>
+            </a:schemeClr>
+          </a:lnRef>
+          <a:fillRef idx="1">
+            <a:schemeClr val="accent1"/>
+          </a:fillRef>
+          <a:effectRef idx="0">
+            <a:schemeClr val="accent1"/>
+          </a:effectRef>
+          <a:fontRef idx="minor">
+            <a:schemeClr val="lt1"/>
+          </a:fontRef>
+        </p:style>
+        <p:txBody>
+          <a:bodyPr rtlCol="0" anchor="ctr"/>
+          <a:lstStyle/>
+          <a:p>
+            <a:pPr algn="ctr"/>
+            <a:r>
+              <a:rPr lang="en-US" sz="1200" dirty="0"/>
+              <a:t>Pop-up </a:t>
+            </a:r>
+            <a:r>
+              <a:rPr lang="en-US" sz="1200" dirty="0" err="1"/>
+              <a:t>JFrame</a:t>
+            </a:r>
+            <a:endParaRPr lang="en-US" sz="1200" dirty="0"/>
+          </a:p>
+        </p:txBody>
+      </p:sp>
+      <p:cxnSp>
+        <p:nvCxnSpPr>
+          <p:cNvPr id="49" name="Straight Arrow Connector 48">
+            <a:extLst>
+              <a:ext uri="{FF2B5EF4-FFF2-40B4-BE49-F238E27FC236}">
+                <a16:creationId xmlns:a16="http://schemas.microsoft.com/office/drawing/2014/main" id="{FDA1DA0B-98E7-6B4A-86C6-2C304E4BD8FD}"/>
+              </a:ext>
+            </a:extLst>
+          </p:cNvPr>
+          <p:cNvCxnSpPr>
+            <a:cxnSpLocks/>
+            <a:stCxn id="48" idx="2"/>
+            <a:endCxn id="47" idx="7"/>
+          </p:cNvCxnSpPr>
+          <p:nvPr/>
+        </p:nvCxnSpPr>
+        <p:spPr>
+          <a:xfrm flipH="1">
+            <a:off x="4990074" y="5632501"/>
+            <a:ext cx="443959" cy="247948"/>
+          </a:xfrm>
+          <a:prstGeom prst="straightConnector1">
+            <a:avLst/>
+          </a:prstGeom>
+          <a:ln w="57150">
+            <a:solidFill>
+              <a:schemeClr val="accent1"/>
+            </a:solidFill>
+            <a:prstDash val="sysDot"/>
+            <a:tailEnd type="triangle"/>
+          </a:ln>
+        </p:spPr>
+        <p:style>
+          <a:lnRef idx="1">
+            <a:schemeClr val="accent1"/>
+          </a:lnRef>
+          <a:fillRef idx="0">
+            <a:schemeClr val="accent1"/>
+          </a:fillRef>
+          <a:effectRef idx="0">
+            <a:schemeClr val="accent1"/>
+          </a:effectRef>
+          <a:fontRef idx="minor">
+            <a:schemeClr val="tx1"/>
+          </a:fontRef>
+        </p:style>
+      </p:cxnSp>
+      <p:cxnSp>
+        <p:nvCxnSpPr>
+          <p:cNvPr id="51" name="Straight Arrow Connector 50">
+            <a:extLst>
+              <a:ext uri="{FF2B5EF4-FFF2-40B4-BE49-F238E27FC236}">
+                <a16:creationId xmlns:a16="http://schemas.microsoft.com/office/drawing/2014/main" id="{808A466C-951E-6A4B-9824-5674CE6CBCB1}"/>
+              </a:ext>
+            </a:extLst>
+          </p:cNvPr>
+          <p:cNvCxnSpPr>
+            <a:cxnSpLocks/>
+            <a:stCxn id="140" idx="0"/>
+            <a:endCxn id="53" idx="4"/>
+          </p:cNvCxnSpPr>
+          <p:nvPr/>
+        </p:nvCxnSpPr>
+        <p:spPr>
+          <a:xfrm flipH="1" flipV="1">
+            <a:off x="2557020" y="2475282"/>
+            <a:ext cx="355733" cy="728907"/>
+          </a:xfrm>
+          <a:prstGeom prst="straightConnector1">
+            <a:avLst/>
+          </a:prstGeom>
+          <a:ln w="57150">
+            <a:prstDash val="sysDot"/>
+            <a:tailEnd type="triangle"/>
+          </a:ln>
+        </p:spPr>
+        <p:style>
+          <a:lnRef idx="1">
+            <a:schemeClr val="accent1"/>
+          </a:lnRef>
+          <a:fillRef idx="0">
+            <a:schemeClr val="accent1"/>
+          </a:fillRef>
+          <a:effectRef idx="0">
+            <a:schemeClr val="accent1"/>
+          </a:effectRef>
+          <a:fontRef idx="minor">
+            <a:schemeClr val="tx1"/>
+          </a:fontRef>
+        </p:style>
+      </p:cxnSp>
+      <p:sp>
+        <p:nvSpPr>
+          <p:cNvPr id="52" name="Rectangle 51">
+            <a:extLst>
+              <a:ext uri="{FF2B5EF4-FFF2-40B4-BE49-F238E27FC236}">
+                <a16:creationId xmlns:a16="http://schemas.microsoft.com/office/drawing/2014/main" id="{61373B81-624D-CD49-BCC1-C26E758694EC}"/>
+              </a:ext>
+            </a:extLst>
+          </p:cNvPr>
+          <p:cNvSpPr/>
+          <p:nvPr/>
+        </p:nvSpPr>
+        <p:spPr>
+          <a:xfrm>
+            <a:off x="2269090" y="2724689"/>
             <a:ext cx="816871" cy="270916"/>
           </a:xfrm>
           <a:prstGeom prst="rect">
@@ -13039,56 +13219,12 @@
           </a:p>
         </p:txBody>
       </p:sp>
-      <p:cxnSp>
-        <p:nvCxnSpPr>
-          <p:cNvPr id="42" name="Straight Arrow Connector 41">
-            <a:extLst>
-              <a:ext uri="{FF2B5EF4-FFF2-40B4-BE49-F238E27FC236}">
-                <a16:creationId xmlns:a16="http://schemas.microsoft.com/office/drawing/2014/main" id="{88F95870-550E-ED47-B6B1-E9E92646ED15}"/>
-              </a:ext>
-            </a:extLst>
-          </p:cNvPr>
-          <p:cNvCxnSpPr>
-            <a:cxnSpLocks/>
-            <a:stCxn id="139" idx="5"/>
-            <a:endCxn id="47" idx="1"/>
-          </p:cNvCxnSpPr>
-          <p:nvPr/>
-        </p:nvCxnSpPr>
-        <p:spPr>
-          <a:xfrm>
-            <a:off x="3262874" y="5284584"/>
-            <a:ext cx="729213" cy="595865"/>
-          </a:xfrm>
-          <a:prstGeom prst="straightConnector1">
-            <a:avLst/>
-          </a:prstGeom>
-          <a:ln w="57150">
-            <a:headEnd type="none" w="med" len="med"/>
-            <a:tailEnd type="triangle" w="med" len="med"/>
-          </a:ln>
-        </p:spPr>
-        <p:style>
-          <a:lnRef idx="1">
-            <a:schemeClr val="accent1"/>
-          </a:lnRef>
-          <a:fillRef idx="0">
-            <a:schemeClr val="accent1"/>
-          </a:fillRef>
-          <a:effectRef idx="0">
-            <a:schemeClr val="accent1"/>
-          </a:effectRef>
-          <a:fontRef idx="minor">
-            <a:schemeClr val="tx1"/>
-          </a:fontRef>
-        </p:style>
-      </p:cxnSp>
-      <p:sp>
-        <p:nvSpPr>
-          <p:cNvPr id="47" name="Oval 46">
-            <a:extLst>
-              <a:ext uri="{FF2B5EF4-FFF2-40B4-BE49-F238E27FC236}">
-                <a16:creationId xmlns:a16="http://schemas.microsoft.com/office/drawing/2014/main" id="{26A40785-0CFB-4D48-BCC1-F65E72D0D4B5}"/>
+      <p:sp>
+        <p:nvSpPr>
+          <p:cNvPr id="53" name="Oval 52">
+            <a:extLst>
+              <a:ext uri="{FF2B5EF4-FFF2-40B4-BE49-F238E27FC236}">
+                <a16:creationId xmlns:a16="http://schemas.microsoft.com/office/drawing/2014/main" id="{A8D9E74D-4011-B94A-99C5-D157C016AF27}"/>
               </a:ext>
             </a:extLst>
           </p:cNvPr>
@@ -13097,8 +13233,8 @@
         </p:nvSpPr>
         <p:spPr>
           <a:xfrm>
-            <a:off x="3785397" y="5774093"/>
-            <a:ext cx="1411367" cy="726245"/>
+            <a:off x="1761841" y="1749037"/>
+            <a:ext cx="1590358" cy="726245"/>
           </a:xfrm>
           <a:prstGeom prst="ellipse">
             <a:avLst/>
@@ -13133,17 +13269,17 @@
             <a:pPr algn="ctr"/>
             <a:r>
               <a:rPr lang="en-US" sz="1100" dirty="0"/>
-              <a:t>Volume</a:t>
-            </a:r>
-          </a:p>
-        </p:txBody>
-      </p:sp>
-      <p:sp>
-        <p:nvSpPr>
-          <p:cNvPr id="48" name="Oval 47">
-            <a:extLst>
-              <a:ext uri="{FF2B5EF4-FFF2-40B4-BE49-F238E27FC236}">
-                <a16:creationId xmlns:a16="http://schemas.microsoft.com/office/drawing/2014/main" id="{91ED4140-AC83-D44B-AC87-0A360BD91DE7}"/>
+              <a:t>Show Message Dialog (Error)</a:t>
+            </a:r>
+          </a:p>
+        </p:txBody>
+      </p:sp>
+      <p:sp>
+        <p:nvSpPr>
+          <p:cNvPr id="82" name="Oval 81">
+            <a:extLst>
+              <a:ext uri="{FF2B5EF4-FFF2-40B4-BE49-F238E27FC236}">
+                <a16:creationId xmlns:a16="http://schemas.microsoft.com/office/drawing/2014/main" id="{A8D681B1-3C05-114D-B9A1-4520F09F46DD}"/>
               </a:ext>
             </a:extLst>
           </p:cNvPr>
@@ -13152,7 +13288,7 @@
         </p:nvSpPr>
         <p:spPr>
           <a:xfrm>
-            <a:off x="5314157" y="5255983"/>
+            <a:off x="5886312" y="970639"/>
             <a:ext cx="1411367" cy="726245"/>
           </a:xfrm>
           <a:prstGeom prst="ellipse">
@@ -13188,44 +13324,36 @@
             <a:pPr algn="ctr"/>
             <a:r>
               <a:rPr lang="en-US" sz="1200" dirty="0"/>
-              <a:t>Pop-up </a:t>
-            </a:r>
-            <a:r>
-              <a:rPr lang="en-US" sz="1200" dirty="0" err="1"/>
-              <a:t>JFrame</a:t>
-            </a:r>
-            <a:endParaRPr lang="en-US" sz="1200" dirty="0"/>
+              <a:t>Check if file is wav or mp3</a:t>
+            </a:r>
           </a:p>
         </p:txBody>
       </p:sp>
       <p:cxnSp>
         <p:nvCxnSpPr>
-          <p:cNvPr id="49" name="Straight Arrow Connector 48">
-            <a:extLst>
-              <a:ext uri="{FF2B5EF4-FFF2-40B4-BE49-F238E27FC236}">
-                <a16:creationId xmlns:a16="http://schemas.microsoft.com/office/drawing/2014/main" id="{FDA1DA0B-98E7-6B4A-86C6-2C304E4BD8FD}"/>
+          <p:cNvPr id="84" name="Straight Arrow Connector 83">
+            <a:extLst>
+              <a:ext uri="{FF2B5EF4-FFF2-40B4-BE49-F238E27FC236}">
+                <a16:creationId xmlns:a16="http://schemas.microsoft.com/office/drawing/2014/main" id="{6F2E7379-9532-D74F-A487-8B7D21AD5186}"/>
               </a:ext>
             </a:extLst>
           </p:cNvPr>
           <p:cNvCxnSpPr>
             <a:cxnSpLocks/>
-            <a:stCxn id="47" idx="7"/>
-            <a:endCxn id="48" idx="2"/>
+            <a:stCxn id="21" idx="6"/>
+            <a:endCxn id="82" idx="2"/>
           </p:cNvCxnSpPr>
           <p:nvPr/>
         </p:nvCxnSpPr>
         <p:spPr>
-          <a:xfrm flipV="1">
-            <a:off x="4990074" y="5619106"/>
-            <a:ext cx="324083" cy="261343"/>
+          <a:xfrm>
+            <a:off x="5235804" y="1322429"/>
+            <a:ext cx="650508" cy="11333"/>
           </a:xfrm>
           <a:prstGeom prst="straightConnector1">
             <a:avLst/>
           </a:prstGeom>
           <a:ln w="57150">
-            <a:solidFill>
-              <a:schemeClr val="accent1"/>
-            </a:solidFill>
             <a:prstDash val="solid"/>
             <a:tailEnd type="triangle"/>
           </a:ln>
@@ -13245,56 +13373,12 @@
           </a:fontRef>
         </p:style>
       </p:cxnSp>
-      <p:cxnSp>
-        <p:nvCxnSpPr>
-          <p:cNvPr id="51" name="Straight Arrow Connector 50">
-            <a:extLst>
-              <a:ext uri="{FF2B5EF4-FFF2-40B4-BE49-F238E27FC236}">
-                <a16:creationId xmlns:a16="http://schemas.microsoft.com/office/drawing/2014/main" id="{808A466C-951E-6A4B-9824-5674CE6CBCB1}"/>
-              </a:ext>
-            </a:extLst>
-          </p:cNvPr>
-          <p:cNvCxnSpPr>
-            <a:cxnSpLocks/>
-            <a:stCxn id="140" idx="0"/>
-            <a:endCxn id="53" idx="4"/>
-          </p:cNvCxnSpPr>
-          <p:nvPr/>
-        </p:nvCxnSpPr>
-        <p:spPr>
-          <a:xfrm flipH="1" flipV="1">
-            <a:off x="2557020" y="2475282"/>
-            <a:ext cx="355733" cy="728907"/>
-          </a:xfrm>
-          <a:prstGeom prst="straightConnector1">
-            <a:avLst/>
-          </a:prstGeom>
-          <a:ln w="57150">
-            <a:prstDash val="sysDot"/>
-            <a:tailEnd type="triangle"/>
-          </a:ln>
-        </p:spPr>
-        <p:style>
-          <a:lnRef idx="1">
-            <a:schemeClr val="accent1"/>
-          </a:lnRef>
-          <a:fillRef idx="0">
-            <a:schemeClr val="accent1"/>
-          </a:fillRef>
-          <a:effectRef idx="0">
-            <a:schemeClr val="accent1"/>
-          </a:effectRef>
-          <a:fontRef idx="minor">
-            <a:schemeClr val="tx1"/>
-          </a:fontRef>
-        </p:style>
-      </p:cxnSp>
-      <p:sp>
-        <p:nvSpPr>
-          <p:cNvPr id="52" name="Rectangle 51">
-            <a:extLst>
-              <a:ext uri="{FF2B5EF4-FFF2-40B4-BE49-F238E27FC236}">
-                <a16:creationId xmlns:a16="http://schemas.microsoft.com/office/drawing/2014/main" id="{61373B81-624D-CD49-BCC1-C26E758694EC}"/>
+      <p:sp>
+        <p:nvSpPr>
+          <p:cNvPr id="94" name="Oval 93">
+            <a:extLst>
+              <a:ext uri="{FF2B5EF4-FFF2-40B4-BE49-F238E27FC236}">
+                <a16:creationId xmlns:a16="http://schemas.microsoft.com/office/drawing/2014/main" id="{612E2A5E-F948-D64A-A1AC-36F4B3AAB8E4}"/>
               </a:ext>
             </a:extLst>
           </p:cNvPr>
@@ -13303,67 +13387,8 @@
         </p:nvSpPr>
         <p:spPr>
           <a:xfrm>
-            <a:off x="2269090" y="2724689"/>
-            <a:ext cx="816871" cy="270916"/>
-          </a:xfrm>
-          <a:prstGeom prst="rect">
-            <a:avLst/>
-          </a:prstGeom>
-          <a:solidFill>
-            <a:schemeClr val="bg1"/>
-          </a:solidFill>
-          <a:ln>
-            <a:noFill/>
-          </a:ln>
-        </p:spPr>
-        <p:style>
-          <a:lnRef idx="2">
-            <a:schemeClr val="accent1">
-              <a:shade val="50000"/>
-            </a:schemeClr>
-          </a:lnRef>
-          <a:fillRef idx="1">
-            <a:schemeClr val="accent1"/>
-          </a:fillRef>
-          <a:effectRef idx="0">
-            <a:schemeClr val="accent1"/>
-          </a:effectRef>
-          <a:fontRef idx="minor">
-            <a:schemeClr val="lt1"/>
-          </a:fontRef>
-        </p:style>
-        <p:txBody>
-          <a:bodyPr rtlCol="0" anchor="ctr"/>
-          <a:lstStyle/>
-          <a:p>
-            <a:pPr lvl="0"/>
-            <a:r>
-              <a:rPr lang="en-US" sz="1000" dirty="0">
-                <a:solidFill>
-                  <a:prstClr val="black"/>
-                </a:solidFill>
-              </a:rPr>
-              <a:t>&lt;&lt;Include&gt;&gt;</a:t>
-            </a:r>
-          </a:p>
-        </p:txBody>
-      </p:sp>
-      <p:sp>
-        <p:nvSpPr>
-          <p:cNvPr id="53" name="Oval 52">
-            <a:extLst>
-              <a:ext uri="{FF2B5EF4-FFF2-40B4-BE49-F238E27FC236}">
-                <a16:creationId xmlns:a16="http://schemas.microsoft.com/office/drawing/2014/main" id="{A8D9E74D-4011-B94A-99C5-D157C016AF27}"/>
-              </a:ext>
-            </a:extLst>
-          </p:cNvPr>
-          <p:cNvSpPr/>
-          <p:nvPr/>
-        </p:nvSpPr>
-        <p:spPr>
-          <a:xfrm>
-            <a:off x="1761841" y="1749037"/>
-            <a:ext cx="1590358" cy="726245"/>
+            <a:off x="6995238" y="5748912"/>
+            <a:ext cx="1411367" cy="726245"/>
           </a:xfrm>
           <a:prstGeom prst="ellipse">
             <a:avLst/>
@@ -13397,160 +13422,6 @@
           <a:p>
             <a:pPr algn="ctr"/>
             <a:r>
-              <a:rPr lang="en-US" sz="1100" dirty="0"/>
-              <a:t>Show Message Dialogue (Error)</a:t>
-            </a:r>
-          </a:p>
-        </p:txBody>
-      </p:sp>
-      <p:sp>
-        <p:nvSpPr>
-          <p:cNvPr id="82" name="Oval 81">
-            <a:extLst>
-              <a:ext uri="{FF2B5EF4-FFF2-40B4-BE49-F238E27FC236}">
-                <a16:creationId xmlns:a16="http://schemas.microsoft.com/office/drawing/2014/main" id="{A8D681B1-3C05-114D-B9A1-4520F09F46DD}"/>
-              </a:ext>
-            </a:extLst>
-          </p:cNvPr>
-          <p:cNvSpPr/>
-          <p:nvPr/>
-        </p:nvSpPr>
-        <p:spPr>
-          <a:xfrm>
-            <a:off x="5886312" y="970639"/>
-            <a:ext cx="1411367" cy="726245"/>
-          </a:xfrm>
-          <a:prstGeom prst="ellipse">
-            <a:avLst/>
-          </a:prstGeom>
-          <a:solidFill>
-            <a:srgbClr val="16B999"/>
-          </a:solidFill>
-          <a:ln>
-            <a:noFill/>
-          </a:ln>
-        </p:spPr>
-        <p:style>
-          <a:lnRef idx="2">
-            <a:schemeClr val="accent1">
-              <a:shade val="50000"/>
-            </a:schemeClr>
-          </a:lnRef>
-          <a:fillRef idx="1">
-            <a:schemeClr val="accent1"/>
-          </a:fillRef>
-          <a:effectRef idx="0">
-            <a:schemeClr val="accent1"/>
-          </a:effectRef>
-          <a:fontRef idx="minor">
-            <a:schemeClr val="lt1"/>
-          </a:fontRef>
-        </p:style>
-        <p:txBody>
-          <a:bodyPr rtlCol="0" anchor="ctr"/>
-          <a:lstStyle/>
-          <a:p>
-            <a:pPr algn="ctr"/>
-            <a:r>
-              <a:rPr lang="en-US" sz="1200" dirty="0"/>
-              <a:t>Check if file is wav or mp3</a:t>
-            </a:r>
-          </a:p>
-        </p:txBody>
-      </p:sp>
-      <p:cxnSp>
-        <p:nvCxnSpPr>
-          <p:cNvPr id="84" name="Straight Arrow Connector 83">
-            <a:extLst>
-              <a:ext uri="{FF2B5EF4-FFF2-40B4-BE49-F238E27FC236}">
-                <a16:creationId xmlns:a16="http://schemas.microsoft.com/office/drawing/2014/main" id="{6F2E7379-9532-D74F-A487-8B7D21AD5186}"/>
-              </a:ext>
-            </a:extLst>
-          </p:cNvPr>
-          <p:cNvCxnSpPr>
-            <a:cxnSpLocks/>
-            <a:stCxn id="21" idx="6"/>
-            <a:endCxn id="82" idx="2"/>
-          </p:cNvCxnSpPr>
-          <p:nvPr/>
-        </p:nvCxnSpPr>
-        <p:spPr>
-          <a:xfrm>
-            <a:off x="5235804" y="1322429"/>
-            <a:ext cx="650508" cy="11333"/>
-          </a:xfrm>
-          <a:prstGeom prst="straightConnector1">
-            <a:avLst/>
-          </a:prstGeom>
-          <a:ln w="57150">
-            <a:prstDash val="solid"/>
-            <a:tailEnd type="triangle"/>
-          </a:ln>
-        </p:spPr>
-        <p:style>
-          <a:lnRef idx="1">
-            <a:schemeClr val="accent1"/>
-          </a:lnRef>
-          <a:fillRef idx="0">
-            <a:schemeClr val="accent1"/>
-          </a:fillRef>
-          <a:effectRef idx="0">
-            <a:schemeClr val="accent1"/>
-          </a:effectRef>
-          <a:fontRef idx="minor">
-            <a:schemeClr val="tx1"/>
-          </a:fontRef>
-        </p:style>
-      </p:cxnSp>
-      <p:sp>
-        <p:nvSpPr>
-          <p:cNvPr id="94" name="Oval 93">
-            <a:extLst>
-              <a:ext uri="{FF2B5EF4-FFF2-40B4-BE49-F238E27FC236}">
-                <a16:creationId xmlns:a16="http://schemas.microsoft.com/office/drawing/2014/main" id="{612E2A5E-F948-D64A-A1AC-36F4B3AAB8E4}"/>
-              </a:ext>
-            </a:extLst>
-          </p:cNvPr>
-          <p:cNvSpPr/>
-          <p:nvPr/>
-        </p:nvSpPr>
-        <p:spPr>
-          <a:xfrm>
-            <a:off x="6995238" y="5748912"/>
-            <a:ext cx="1411367" cy="726245"/>
-          </a:xfrm>
-          <a:prstGeom prst="ellipse">
-            <a:avLst/>
-          </a:prstGeom>
-          <a:solidFill>
-            <a:srgbClr val="16B999"/>
-          </a:solidFill>
-          <a:ln>
-            <a:noFill/>
-          </a:ln>
-        </p:spPr>
-        <p:style>
-          <a:lnRef idx="2">
-            <a:schemeClr val="accent1">
-              <a:shade val="50000"/>
-            </a:schemeClr>
-          </a:lnRef>
-          <a:fillRef idx="1">
-            <a:schemeClr val="accent1"/>
-          </a:fillRef>
-          <a:effectRef idx="0">
-            <a:schemeClr val="accent1"/>
-          </a:effectRef>
-          <a:fontRef idx="minor">
-            <a:schemeClr val="lt1"/>
-          </a:fontRef>
-        </p:style>
-        <p:txBody>
-          <a:bodyPr rtlCol="0" anchor="ctr"/>
-          <a:lstStyle/>
-          <a:p>
-            <a:pPr algn="ctr"/>
-            <a:r>
               <a:rPr lang="en-US" sz="1200" dirty="0"/>
               <a:t>Increase / Decrease Volume</a:t>
             </a:r>
@@ -13575,8 +13446,8 @@
         </p:nvCxnSpPr>
         <p:spPr>
           <a:xfrm>
-            <a:off x="6518834" y="5875872"/>
-            <a:ext cx="476404" cy="236163"/>
+            <a:off x="6638710" y="5889267"/>
+            <a:ext cx="356528" cy="222768"/>
           </a:xfrm>
           <a:prstGeom prst="straightConnector1">
             <a:avLst/>
@@ -14055,6 +13926,223 @@
           </a:fontRef>
         </p:style>
       </p:cxnSp>
+      <p:cxnSp>
+        <p:nvCxnSpPr>
+          <p:cNvPr id="60" name="Straight Arrow Connector 59">
+            <a:extLst>
+              <a:ext uri="{FF2B5EF4-FFF2-40B4-BE49-F238E27FC236}">
+                <a16:creationId xmlns:a16="http://schemas.microsoft.com/office/drawing/2014/main" id="{DF64DA27-48BA-684C-B241-97FF334BD7D5}"/>
+              </a:ext>
+            </a:extLst>
+          </p:cNvPr>
+          <p:cNvCxnSpPr>
+            <a:cxnSpLocks/>
+            <a:endCxn id="61" idx="0"/>
+          </p:cNvCxnSpPr>
+          <p:nvPr/>
+        </p:nvCxnSpPr>
+        <p:spPr>
+          <a:xfrm flipH="1">
+            <a:off x="3996653" y="1684686"/>
+            <a:ext cx="567611" cy="469407"/>
+          </a:xfrm>
+          <a:prstGeom prst="straightConnector1">
+            <a:avLst/>
+          </a:prstGeom>
+          <a:ln w="57150">
+            <a:prstDash val="sysDot"/>
+            <a:headEnd type="none" w="med" len="med"/>
+            <a:tailEnd type="triangle" w="med" len="med"/>
+          </a:ln>
+        </p:spPr>
+        <p:style>
+          <a:lnRef idx="1">
+            <a:schemeClr val="accent1"/>
+          </a:lnRef>
+          <a:fillRef idx="0">
+            <a:schemeClr val="accent1"/>
+          </a:fillRef>
+          <a:effectRef idx="0">
+            <a:schemeClr val="accent1"/>
+          </a:effectRef>
+          <a:fontRef idx="minor">
+            <a:schemeClr val="tx1"/>
+          </a:fontRef>
+        </p:style>
+      </p:cxnSp>
+      <p:sp>
+        <p:nvSpPr>
+          <p:cNvPr id="61" name="Oval 60">
+            <a:extLst>
+              <a:ext uri="{FF2B5EF4-FFF2-40B4-BE49-F238E27FC236}">
+                <a16:creationId xmlns:a16="http://schemas.microsoft.com/office/drawing/2014/main" id="{C2FF06B5-D9FA-734A-B0C8-523D0DA2BC9A}"/>
+              </a:ext>
+            </a:extLst>
+          </p:cNvPr>
+          <p:cNvSpPr/>
+          <p:nvPr/>
+        </p:nvSpPr>
+        <p:spPr>
+          <a:xfrm>
+            <a:off x="3326591" y="2154093"/>
+            <a:ext cx="1340124" cy="676373"/>
+          </a:xfrm>
+          <a:prstGeom prst="ellipse">
+            <a:avLst/>
+          </a:prstGeom>
+          <a:solidFill>
+            <a:srgbClr val="16B999"/>
+          </a:solidFill>
+          <a:ln>
+            <a:noFill/>
+          </a:ln>
+        </p:spPr>
+        <p:style>
+          <a:lnRef idx="2">
+            <a:schemeClr val="accent1">
+              <a:shade val="50000"/>
+            </a:schemeClr>
+          </a:lnRef>
+          <a:fillRef idx="1">
+            <a:schemeClr val="accent1"/>
+          </a:fillRef>
+          <a:effectRef idx="0">
+            <a:schemeClr val="accent1"/>
+          </a:effectRef>
+          <a:fontRef idx="minor">
+            <a:schemeClr val="lt1"/>
+          </a:fontRef>
+        </p:style>
+        <p:txBody>
+          <a:bodyPr rtlCol="0" anchor="ctr"/>
+          <a:lstStyle/>
+          <a:p>
+            <a:pPr algn="ctr"/>
+            <a:r>
+              <a:rPr lang="en-US" sz="1000" dirty="0"/>
+              <a:t>Show Message Dialog (Error)</a:t>
+            </a:r>
+          </a:p>
+        </p:txBody>
+      </p:sp>
+      <p:sp>
+        <p:nvSpPr>
+          <p:cNvPr id="62" name="Rectangle 61">
+            <a:extLst>
+              <a:ext uri="{FF2B5EF4-FFF2-40B4-BE49-F238E27FC236}">
+                <a16:creationId xmlns:a16="http://schemas.microsoft.com/office/drawing/2014/main" id="{E663A445-6F70-C140-B4BB-6FB8FA629321}"/>
+              </a:ext>
+            </a:extLst>
+          </p:cNvPr>
+          <p:cNvSpPr/>
+          <p:nvPr/>
+        </p:nvSpPr>
+        <p:spPr>
+          <a:xfrm>
+            <a:off x="3672678" y="1717359"/>
+            <a:ext cx="816871" cy="270916"/>
+          </a:xfrm>
+          <a:prstGeom prst="rect">
+            <a:avLst/>
+          </a:prstGeom>
+          <a:solidFill>
+            <a:schemeClr val="bg1"/>
+          </a:solidFill>
+          <a:ln>
+            <a:noFill/>
+          </a:ln>
+        </p:spPr>
+        <p:style>
+          <a:lnRef idx="2">
+            <a:schemeClr val="accent1">
+              <a:shade val="50000"/>
+            </a:schemeClr>
+          </a:lnRef>
+          <a:fillRef idx="1">
+            <a:schemeClr val="accent1"/>
+          </a:fillRef>
+          <a:effectRef idx="0">
+            <a:schemeClr val="accent1"/>
+          </a:effectRef>
+          <a:fontRef idx="minor">
+            <a:schemeClr val="lt1"/>
+          </a:fontRef>
+        </p:style>
+        <p:txBody>
+          <a:bodyPr rtlCol="0" anchor="ctr"/>
+          <a:lstStyle/>
+          <a:p>
+            <a:pPr lvl="0"/>
+            <a:r>
+              <a:rPr lang="en-US" sz="1000" dirty="0">
+                <a:solidFill>
+                  <a:prstClr val="black"/>
+                </a:solidFill>
+              </a:rPr>
+              <a:t>&lt;&lt;Include&gt;&gt;</a:t>
+            </a:r>
+          </a:p>
+        </p:txBody>
+      </p:sp>
+      <p:sp>
+        <p:nvSpPr>
+          <p:cNvPr id="64" name="Rectangle 63">
+            <a:extLst>
+              <a:ext uri="{FF2B5EF4-FFF2-40B4-BE49-F238E27FC236}">
+                <a16:creationId xmlns:a16="http://schemas.microsoft.com/office/drawing/2014/main" id="{41224AE7-74C5-6447-A8B9-D52E317C59CB}"/>
+              </a:ext>
+            </a:extLst>
+          </p:cNvPr>
+          <p:cNvSpPr/>
+          <p:nvPr/>
+        </p:nvSpPr>
+        <p:spPr>
+          <a:xfrm>
+            <a:off x="4485690" y="5458032"/>
+            <a:ext cx="816871" cy="270916"/>
+          </a:xfrm>
+          <a:prstGeom prst="rect">
+            <a:avLst/>
+          </a:prstGeom>
+          <a:solidFill>
+            <a:schemeClr val="bg1"/>
+          </a:solidFill>
+          <a:ln>
+            <a:noFill/>
+          </a:ln>
+        </p:spPr>
+        <p:style>
+          <a:lnRef idx="2">
+            <a:schemeClr val="accent1">
+              <a:shade val="50000"/>
+            </a:schemeClr>
+          </a:lnRef>
+          <a:fillRef idx="1">
+            <a:schemeClr val="accent1"/>
+          </a:fillRef>
+          <a:effectRef idx="0">
+            <a:schemeClr val="accent1"/>
+          </a:effectRef>
+          <a:fontRef idx="minor">
+            <a:schemeClr val="lt1"/>
+          </a:fontRef>
+        </p:style>
+        <p:txBody>
+          <a:bodyPr rtlCol="0" anchor="ctr"/>
+          <a:lstStyle/>
+          <a:p>
+            <a:pPr lvl="0"/>
+            <a:r>
+              <a:rPr lang="en-US" sz="1000" dirty="0">
+                <a:solidFill>
+                  <a:prstClr val="black"/>
+                </a:solidFill>
+              </a:rPr>
+              <a:t>&lt;&lt;Extend&gt;&gt;</a:t>
+            </a:r>
+          </a:p>
+        </p:txBody>
+      </p:sp>
     </p:spTree>
     <p:extLst>
       <p:ext uri="{BB962C8B-B14F-4D97-AF65-F5344CB8AC3E}">
